--- a/documentos/SlidePoint-Sprint2.pptx
+++ b/documentos/SlidePoint-Sprint2.pptx
@@ -5,20 +5,23 @@
     <p:sldMasterId id="2147483648" r:id="rId1"/>
   </p:sldMasterIdLst>
   <p:notesMasterIdLst>
-    <p:notesMasterId r:id="rId13"/>
+    <p:notesMasterId r:id="rId16"/>
   </p:notesMasterIdLst>
   <p:sldIdLst>
     <p:sldId id="256" r:id="rId2"/>
     <p:sldId id="257" r:id="rId3"/>
-    <p:sldId id="258" r:id="rId4"/>
-    <p:sldId id="259" r:id="rId5"/>
-    <p:sldId id="274" r:id="rId6"/>
-    <p:sldId id="275" r:id="rId7"/>
-    <p:sldId id="276" r:id="rId8"/>
-    <p:sldId id="277" r:id="rId9"/>
-    <p:sldId id="278" r:id="rId10"/>
-    <p:sldId id="268" r:id="rId11"/>
-    <p:sldId id="273" r:id="rId12"/>
+    <p:sldId id="279" r:id="rId4"/>
+    <p:sldId id="258" r:id="rId5"/>
+    <p:sldId id="259" r:id="rId6"/>
+    <p:sldId id="274" r:id="rId7"/>
+    <p:sldId id="275" r:id="rId8"/>
+    <p:sldId id="280" r:id="rId9"/>
+    <p:sldId id="276" r:id="rId10"/>
+    <p:sldId id="277" r:id="rId11"/>
+    <p:sldId id="278" r:id="rId12"/>
+    <p:sldId id="281" r:id="rId13"/>
+    <p:sldId id="268" r:id="rId14"/>
+    <p:sldId id="273" r:id="rId15"/>
   </p:sldIdLst>
   <p:sldSz cx="12192000" cy="6858000"/>
   <p:notesSz cx="6858000" cy="9144000"/>
@@ -220,7 +223,7 @@
           <a:p>
             <a:fld id="{F0C24010-E8D4-41E0-8B4E-D4CC32926C40}" type="datetimeFigureOut">
               <a:rPr lang="pt-BR" smtClean="0"/>
-              <a:t>14/10/2022</a:t>
+              <a:t>16/10/2022</a:t>
             </a:fld>
             <a:endParaRPr lang="pt-BR"/>
           </a:p>
@@ -636,7 +639,91 @@
           <a:p>
             <a:fld id="{9808D838-9BF2-4AB0-9E88-349E4FEDF42E}" type="slidenum">
               <a:rPr lang="pt-BR" smtClean="0"/>
-              <a:t>11</a:t>
+              <a:t>2</a:t>
+            </a:fld>
+            <a:endParaRPr lang="pt-BR"/>
+          </a:p>
+        </p:txBody>
+      </p:sp>
+    </p:spTree>
+    <p:extLst>
+      <p:ext uri="{BB962C8B-B14F-4D97-AF65-F5344CB8AC3E}">
+        <p14:creationId xmlns:p14="http://schemas.microsoft.com/office/powerpoint/2010/main" val="1163086107"/>
+      </p:ext>
+    </p:extLst>
+  </p:cSld>
+  <p:clrMapOvr>
+    <a:masterClrMapping/>
+  </p:clrMapOvr>
+</p:notes>
+</file>
+
+<file path=ppt/notesSlides/notesSlide3.xml><?xml version="1.0" encoding="utf-8"?>
+<p:notes xmlns:a="http://schemas.openxmlformats.org/drawingml/2006/main" xmlns:r="http://schemas.openxmlformats.org/officeDocument/2006/relationships" xmlns:p="http://schemas.openxmlformats.org/presentationml/2006/main">
+  <p:cSld>
+    <p:spTree>
+      <p:nvGrpSpPr>
+        <p:cNvPr id="1" name=""/>
+        <p:cNvGrpSpPr/>
+        <p:nvPr/>
+      </p:nvGrpSpPr>
+      <p:grpSpPr>
+        <a:xfrm>
+          <a:off x="0" y="0"/>
+          <a:ext cx="0" cy="0"/>
+          <a:chOff x="0" y="0"/>
+          <a:chExt cx="0" cy="0"/>
+        </a:xfrm>
+      </p:grpSpPr>
+      <p:sp>
+        <p:nvSpPr>
+          <p:cNvPr id="2" name="Espaço Reservado para Imagem de Slide 1"/>
+          <p:cNvSpPr>
+            <a:spLocks noGrp="1" noRot="1" noChangeAspect="1"/>
+          </p:cNvSpPr>
+          <p:nvPr>
+            <p:ph type="sldImg"/>
+          </p:nvPr>
+        </p:nvSpPr>
+        <p:spPr/>
+      </p:sp>
+      <p:sp>
+        <p:nvSpPr>
+          <p:cNvPr id="3" name="Espaço Reservado para Anotações 2"/>
+          <p:cNvSpPr>
+            <a:spLocks noGrp="1"/>
+          </p:cNvSpPr>
+          <p:nvPr>
+            <p:ph type="body" idx="1"/>
+          </p:nvPr>
+        </p:nvSpPr>
+        <p:spPr/>
+        <p:txBody>
+          <a:bodyPr/>
+          <a:lstStyle/>
+          <a:p>
+            <a:endParaRPr lang="pt-BR" dirty="0"/>
+          </a:p>
+        </p:txBody>
+      </p:sp>
+      <p:sp>
+        <p:nvSpPr>
+          <p:cNvPr id="4" name="Espaço Reservado para Número de Slide 3"/>
+          <p:cNvSpPr>
+            <a:spLocks noGrp="1"/>
+          </p:cNvSpPr>
+          <p:nvPr>
+            <p:ph type="sldNum" sz="quarter" idx="5"/>
+          </p:nvPr>
+        </p:nvSpPr>
+        <p:spPr/>
+        <p:txBody>
+          <a:bodyPr/>
+          <a:lstStyle/>
+          <a:p>
+            <a:fld id="{9808D838-9BF2-4AB0-9E88-349E4FEDF42E}" type="slidenum">
+              <a:rPr lang="pt-BR" smtClean="0"/>
+              <a:t>14</a:t>
             </a:fld>
             <a:endParaRPr lang="pt-BR"/>
           </a:p>
@@ -802,7 +889,7 @@
           <a:p>
             <a:fld id="{AC998E2E-4392-4F2E-A9FA-FE0BBF1FA00F}" type="datetimeFigureOut">
               <a:rPr lang="pt-BR" smtClean="0"/>
-              <a:t>14/10/2022</a:t>
+              <a:t>16/10/2022</a:t>
             </a:fld>
             <a:endParaRPr lang="pt-BR"/>
           </a:p>
@@ -1000,7 +1087,7 @@
           <a:p>
             <a:fld id="{AC998E2E-4392-4F2E-A9FA-FE0BBF1FA00F}" type="datetimeFigureOut">
               <a:rPr lang="pt-BR" smtClean="0"/>
-              <a:t>14/10/2022</a:t>
+              <a:t>16/10/2022</a:t>
             </a:fld>
             <a:endParaRPr lang="pt-BR"/>
           </a:p>
@@ -1208,7 +1295,7 @@
           <a:p>
             <a:fld id="{AC998E2E-4392-4F2E-A9FA-FE0BBF1FA00F}" type="datetimeFigureOut">
               <a:rPr lang="pt-BR" smtClean="0"/>
-              <a:t>14/10/2022</a:t>
+              <a:t>16/10/2022</a:t>
             </a:fld>
             <a:endParaRPr lang="pt-BR"/>
           </a:p>
@@ -1406,7 +1493,7 @@
           <a:p>
             <a:fld id="{AC998E2E-4392-4F2E-A9FA-FE0BBF1FA00F}" type="datetimeFigureOut">
               <a:rPr lang="pt-BR" smtClean="0"/>
-              <a:t>14/10/2022</a:t>
+              <a:t>16/10/2022</a:t>
             </a:fld>
             <a:endParaRPr lang="pt-BR"/>
           </a:p>
@@ -1681,7 +1768,7 @@
           <a:p>
             <a:fld id="{AC998E2E-4392-4F2E-A9FA-FE0BBF1FA00F}" type="datetimeFigureOut">
               <a:rPr lang="pt-BR" smtClean="0"/>
-              <a:t>14/10/2022</a:t>
+              <a:t>16/10/2022</a:t>
             </a:fld>
             <a:endParaRPr lang="pt-BR"/>
           </a:p>
@@ -1946,7 +2033,7 @@
           <a:p>
             <a:fld id="{AC998E2E-4392-4F2E-A9FA-FE0BBF1FA00F}" type="datetimeFigureOut">
               <a:rPr lang="pt-BR" smtClean="0"/>
-              <a:t>14/10/2022</a:t>
+              <a:t>16/10/2022</a:t>
             </a:fld>
             <a:endParaRPr lang="pt-BR"/>
           </a:p>
@@ -2358,7 +2445,7 @@
           <a:p>
             <a:fld id="{AC998E2E-4392-4F2E-A9FA-FE0BBF1FA00F}" type="datetimeFigureOut">
               <a:rPr lang="pt-BR" smtClean="0"/>
-              <a:t>14/10/2022</a:t>
+              <a:t>16/10/2022</a:t>
             </a:fld>
             <a:endParaRPr lang="pt-BR"/>
           </a:p>
@@ -2499,7 +2586,7 @@
           <a:p>
             <a:fld id="{AC998E2E-4392-4F2E-A9FA-FE0BBF1FA00F}" type="datetimeFigureOut">
               <a:rPr lang="pt-BR" smtClean="0"/>
-              <a:t>14/10/2022</a:t>
+              <a:t>16/10/2022</a:t>
             </a:fld>
             <a:endParaRPr lang="pt-BR"/>
           </a:p>
@@ -2612,7 +2699,7 @@
           <a:p>
             <a:fld id="{AC998E2E-4392-4F2E-A9FA-FE0BBF1FA00F}" type="datetimeFigureOut">
               <a:rPr lang="pt-BR" smtClean="0"/>
-              <a:t>14/10/2022</a:t>
+              <a:t>16/10/2022</a:t>
             </a:fld>
             <a:endParaRPr lang="pt-BR"/>
           </a:p>
@@ -2923,7 +3010,7 @@
           <a:p>
             <a:fld id="{AC998E2E-4392-4F2E-A9FA-FE0BBF1FA00F}" type="datetimeFigureOut">
               <a:rPr lang="pt-BR" smtClean="0"/>
-              <a:t>14/10/2022</a:t>
+              <a:t>16/10/2022</a:t>
             </a:fld>
             <a:endParaRPr lang="pt-BR"/>
           </a:p>
@@ -3211,7 +3298,7 @@
           <a:p>
             <a:fld id="{AC998E2E-4392-4F2E-A9FA-FE0BBF1FA00F}" type="datetimeFigureOut">
               <a:rPr lang="pt-BR" smtClean="0"/>
-              <a:t>14/10/2022</a:t>
+              <a:t>16/10/2022</a:t>
             </a:fld>
             <a:endParaRPr lang="pt-BR"/>
           </a:p>
@@ -3452,7 +3539,7 @@
           <a:p>
             <a:fld id="{AC998E2E-4392-4F2E-A9FA-FE0BBF1FA00F}" type="datetimeFigureOut">
               <a:rPr lang="pt-BR" smtClean="0"/>
-              <a:t>14/10/2022</a:t>
+              <a:t>16/10/2022</a:t>
             </a:fld>
             <a:endParaRPr lang="pt-BR"/>
           </a:p>
@@ -3951,10 +4038,257 @@
       </p:grpSpPr>
       <p:sp>
         <p:nvSpPr>
+          <p:cNvPr id="3" name="Título 1">
+            <a:extLst>
+              <a:ext uri="{FF2B5EF4-FFF2-40B4-BE49-F238E27FC236}">
+                <a16:creationId xmlns:a16="http://schemas.microsoft.com/office/drawing/2014/main" id="{7E79CF7A-7FE5-B044-1FBF-C041F2AF7A31}"/>
+              </a:ext>
+            </a:extLst>
+          </p:cNvPr>
+          <p:cNvSpPr txBox="1">
+            <a:spLocks/>
+          </p:cNvSpPr>
+          <p:nvPr/>
+        </p:nvSpPr>
+        <p:spPr>
+          <a:xfrm>
+            <a:off x="838200" y="156878"/>
+            <a:ext cx="10515600" cy="1037230"/>
+          </a:xfrm>
+          <a:prstGeom prst="rect">
+            <a:avLst/>
+          </a:prstGeom>
+        </p:spPr>
+        <p:txBody>
+          <a:bodyPr vert="horz" lIns="91440" tIns="45720" rIns="91440" bIns="45720" rtlCol="0" anchor="ctr">
+            <a:normAutofit/>
+          </a:bodyPr>
+          <a:lstStyle>
+            <a:lvl1pPr algn="l" defTabSz="914400" rtl="0" eaLnBrk="1" latinLnBrk="0" hangingPunct="1">
+              <a:lnSpc>
+                <a:spcPct val="90000"/>
+              </a:lnSpc>
+              <a:spcBef>
+                <a:spcPct val="0"/>
+              </a:spcBef>
+              <a:buNone/>
+              <a:defRPr sz="4400" kern="1200">
+                <a:solidFill>
+                  <a:schemeClr val="tx1"/>
+                </a:solidFill>
+                <a:latin typeface="+mj-lt"/>
+                <a:ea typeface="+mj-ea"/>
+                <a:cs typeface="+mj-cs"/>
+              </a:defRPr>
+            </a:lvl1pPr>
+          </a:lstStyle>
+          <a:p>
+            <a:pPr algn="ctr"/>
+            <a:r>
+              <a:rPr lang="pt-BR" sz="4000">
+                <a:solidFill>
+                  <a:srgbClr val="1B1C1B"/>
+                </a:solidFill>
+                <a:latin typeface="Abadi" panose="020B0604020104020204" pitchFamily="34" charset="0"/>
+              </a:rPr>
+              <a:t>Diagrama de sequência</a:t>
+            </a:r>
+            <a:endParaRPr lang="pt-BR" sz="4000" dirty="0">
+              <a:solidFill>
+                <a:srgbClr val="1B1C1B"/>
+              </a:solidFill>
+              <a:latin typeface="Abadi" panose="020B0604020104020204" pitchFamily="34" charset="0"/>
+            </a:endParaRPr>
+          </a:p>
+        </p:txBody>
+      </p:sp>
+      <p:pic>
+        <p:nvPicPr>
+          <p:cNvPr id="2" name="Imagem 1" descr="Ícone&#10;&#10;Descrição gerada automaticamente">
+            <a:extLst>
+              <a:ext uri="{FF2B5EF4-FFF2-40B4-BE49-F238E27FC236}">
+                <a16:creationId xmlns:a16="http://schemas.microsoft.com/office/drawing/2014/main" id="{D1E3E396-07E7-BF38-DA8E-8062C7AFB219}"/>
+              </a:ext>
+            </a:extLst>
+          </p:cNvPr>
+          <p:cNvPicPr>
+            <a:picLocks noChangeAspect="1"/>
+          </p:cNvPicPr>
+          <p:nvPr/>
+        </p:nvPicPr>
+        <p:blipFill rotWithShape="1">
+          <a:blip r:embed="rId2">
+            <a:extLst>
+              <a:ext uri="{28A0092B-C50C-407E-A947-70E740481C1C}">
+                <a14:useLocalDpi xmlns:a14="http://schemas.microsoft.com/office/drawing/2010/main" val="0"/>
+              </a:ext>
+            </a:extLst>
+          </a:blip>
+          <a:srcRect l="7696" t="10233" r="9454" b="6869"/>
+          <a:stretch/>
+        </p:blipFill>
+        <p:spPr>
+          <a:xfrm>
+            <a:off x="11282104" y="6067847"/>
+            <a:ext cx="673037" cy="660177"/>
+          </a:xfrm>
+          <a:prstGeom prst="roundRect">
+            <a:avLst/>
+          </a:prstGeom>
+          <a:ln>
+            <a:noFill/>
+          </a:ln>
+          <a:effectLst>
+            <a:outerShdw blurRad="50800" dist="50800" dir="3600000" sx="1000" sy="1000" algn="ctr" rotWithShape="0">
+              <a:srgbClr val="1C1D1E"/>
+            </a:outerShdw>
+            <a:softEdge rad="0"/>
+          </a:effectLst>
+        </p:spPr>
+      </p:pic>
+    </p:spTree>
+    <p:extLst>
+      <p:ext uri="{BB962C8B-B14F-4D97-AF65-F5344CB8AC3E}">
+        <p14:creationId xmlns:p14="http://schemas.microsoft.com/office/powerpoint/2010/main" val="3360479658"/>
+      </p:ext>
+    </p:extLst>
+  </p:cSld>
+  <p:clrMapOvr>
+    <a:masterClrMapping/>
+  </p:clrMapOvr>
+  <p:transition spd="slow">
+    <p:push dir="u"/>
+  </p:transition>
+</p:sld>
+</file>
+
+<file path=ppt/slides/slide11.xml><?xml version="1.0" encoding="utf-8"?>
+<p:sld xmlns:a="http://schemas.openxmlformats.org/drawingml/2006/main" xmlns:r="http://schemas.openxmlformats.org/officeDocument/2006/relationships" xmlns:p="http://schemas.openxmlformats.org/presentationml/2006/main">
+  <p:cSld>
+    <p:spTree>
+      <p:nvGrpSpPr>
+        <p:cNvPr id="1" name=""/>
+        <p:cNvGrpSpPr/>
+        <p:nvPr/>
+      </p:nvGrpSpPr>
+      <p:grpSpPr>
+        <a:xfrm>
+          <a:off x="0" y="0"/>
+          <a:ext cx="0" cy="0"/>
+          <a:chOff x="0" y="0"/>
+          <a:chExt cx="0" cy="0"/>
+        </a:xfrm>
+      </p:grpSpPr>
+      <p:sp>
+        <p:nvSpPr>
+          <p:cNvPr id="3" name="Título 1">
+            <a:extLst>
+              <a:ext uri="{FF2B5EF4-FFF2-40B4-BE49-F238E27FC236}">
+                <a16:creationId xmlns:a16="http://schemas.microsoft.com/office/drawing/2014/main" id="{7E79CF7A-7FE5-B044-1FBF-C041F2AF7A31}"/>
+              </a:ext>
+            </a:extLst>
+          </p:cNvPr>
+          <p:cNvSpPr txBox="1">
+            <a:spLocks/>
+          </p:cNvSpPr>
+          <p:nvPr/>
+        </p:nvSpPr>
+        <p:spPr>
+          <a:xfrm>
+            <a:off x="837909" y="2910385"/>
+            <a:ext cx="10515600" cy="1037230"/>
+          </a:xfrm>
+          <a:prstGeom prst="rect">
+            <a:avLst/>
+          </a:prstGeom>
+        </p:spPr>
+        <p:txBody>
+          <a:bodyPr vert="horz" lIns="91440" tIns="45720" rIns="91440" bIns="45720" rtlCol="0" anchor="ctr">
+            <a:normAutofit/>
+          </a:bodyPr>
+          <a:lstStyle>
+            <a:lvl1pPr algn="l" defTabSz="914400" rtl="0" eaLnBrk="1" latinLnBrk="0" hangingPunct="1">
+              <a:lnSpc>
+                <a:spcPct val="90000"/>
+              </a:lnSpc>
+              <a:spcBef>
+                <a:spcPct val="0"/>
+              </a:spcBef>
+              <a:buNone/>
+              <a:defRPr sz="4400" kern="1200">
+                <a:solidFill>
+                  <a:schemeClr val="tx1"/>
+                </a:solidFill>
+                <a:latin typeface="+mj-lt"/>
+                <a:ea typeface="+mj-ea"/>
+                <a:cs typeface="+mj-cs"/>
+              </a:defRPr>
+            </a:lvl1pPr>
+          </a:lstStyle>
+          <a:p>
+            <a:pPr algn="ctr"/>
+            <a:r>
+              <a:rPr lang="pt-BR" sz="4000" dirty="0">
+                <a:solidFill>
+                  <a:srgbClr val="1B1C1B"/>
+                </a:solidFill>
+                <a:latin typeface="Abadi" panose="020B0604020104020204" pitchFamily="34" charset="0"/>
+              </a:rPr>
+              <a:t>APLICAÇÃO PYTHON</a:t>
+            </a:r>
+          </a:p>
+        </p:txBody>
+      </p:sp>
+      <p:pic>
+        <p:nvPicPr>
+          <p:cNvPr id="5" name="Imagem 4" descr="Ícone&#10;&#10;Descrição gerada automaticamente">
+            <a:extLst>
+              <a:ext uri="{FF2B5EF4-FFF2-40B4-BE49-F238E27FC236}">
+                <a16:creationId xmlns:a16="http://schemas.microsoft.com/office/drawing/2014/main" id="{B7DBC07A-12E0-9FC1-AA4C-D14246ED075D}"/>
+              </a:ext>
+            </a:extLst>
+          </p:cNvPr>
+          <p:cNvPicPr>
+            <a:picLocks noChangeAspect="1"/>
+          </p:cNvPicPr>
+          <p:nvPr/>
+        </p:nvPicPr>
+        <p:blipFill rotWithShape="1">
+          <a:blip r:embed="rId2">
+            <a:extLst>
+              <a:ext uri="{28A0092B-C50C-407E-A947-70E740481C1C}">
+                <a14:useLocalDpi xmlns:a14="http://schemas.microsoft.com/office/drawing/2010/main" val="0"/>
+              </a:ext>
+            </a:extLst>
+          </a:blip>
+          <a:srcRect l="7696" t="10233" r="9454" b="6869"/>
+          <a:stretch/>
+        </p:blipFill>
+        <p:spPr>
+          <a:xfrm>
+            <a:off x="11282104" y="6067847"/>
+            <a:ext cx="673037" cy="660177"/>
+          </a:xfrm>
+          <a:prstGeom prst="roundRect">
+            <a:avLst/>
+          </a:prstGeom>
+          <a:ln>
+            <a:noFill/>
+          </a:ln>
+          <a:effectLst>
+            <a:outerShdw blurRad="50800" dist="50800" dir="3600000" sx="1000" sy="1000" algn="ctr" rotWithShape="0">
+              <a:srgbClr val="1C1D1E"/>
+            </a:outerShdw>
+            <a:softEdge rad="0"/>
+          </a:effectLst>
+        </p:spPr>
+      </p:pic>
+      <p:sp>
+        <p:nvSpPr>
           <p:cNvPr id="4" name="Retângulo 3">
             <a:extLst>
               <a:ext uri="{FF2B5EF4-FFF2-40B4-BE49-F238E27FC236}">
-                <a16:creationId xmlns:a16="http://schemas.microsoft.com/office/drawing/2014/main" id="{867856B4-B505-E8AA-0DB7-DA5C402BE556}"/>
+                <a16:creationId xmlns:a16="http://schemas.microsoft.com/office/drawing/2014/main" id="{37E32D17-3B44-4BCE-6C14-FA1D35DD91EB}"/>
               </a:ext>
             </a:extLst>
           </p:cNvPr>
@@ -3963,26 +4297,15 @@
         </p:nvSpPr>
         <p:spPr>
           <a:xfrm>
-            <a:off x="0" y="-47767"/>
-            <a:ext cx="586854" cy="6953534"/>
+            <a:off x="0" y="2381250"/>
+            <a:ext cx="12192000" cy="2095500"/>
           </a:xfrm>
           <a:prstGeom prst="rect">
             <a:avLst/>
           </a:prstGeom>
-          <a:gradFill flip="none" rotWithShape="1">
-            <a:gsLst>
-              <a:gs pos="0">
-                <a:srgbClr val="05FF57"/>
-              </a:gs>
-              <a:gs pos="36000">
-                <a:srgbClr val="1B1C1B"/>
-              </a:gs>
-            </a:gsLst>
-            <a:path path="circle">
-              <a:fillToRect l="100000" t="100000"/>
-            </a:path>
-            <a:tileRect r="-100000" b="-100000"/>
-          </a:gradFill>
+          <a:solidFill>
+            <a:srgbClr val="05FF57"/>
+          </a:solidFill>
           <a:ln>
             <a:noFill/>
           </a:ln>
@@ -4014,10 +4337,207 @@
       </p:sp>
       <p:sp>
         <p:nvSpPr>
-          <p:cNvPr id="49" name="Retângulo 48">
-            <a:extLst>
-              <a:ext uri="{FF2B5EF4-FFF2-40B4-BE49-F238E27FC236}">
-                <a16:creationId xmlns:a16="http://schemas.microsoft.com/office/drawing/2014/main" id="{2A5D6142-3804-3742-C0B4-22F648234A09}"/>
+          <p:cNvPr id="6" name="Título 1">
+            <a:extLst>
+              <a:ext uri="{FF2B5EF4-FFF2-40B4-BE49-F238E27FC236}">
+                <a16:creationId xmlns:a16="http://schemas.microsoft.com/office/drawing/2014/main" id="{971E4F17-3D30-EB62-A2E4-A4B60234B494}"/>
+              </a:ext>
+            </a:extLst>
+          </p:cNvPr>
+          <p:cNvSpPr txBox="1">
+            <a:spLocks/>
+          </p:cNvSpPr>
+          <p:nvPr/>
+        </p:nvSpPr>
+        <p:spPr>
+          <a:xfrm>
+            <a:off x="837909" y="2910385"/>
+            <a:ext cx="10515600" cy="1037230"/>
+          </a:xfrm>
+          <a:prstGeom prst="rect">
+            <a:avLst/>
+          </a:prstGeom>
+        </p:spPr>
+        <p:txBody>
+          <a:bodyPr vert="horz" lIns="91440" tIns="45720" rIns="91440" bIns="45720" rtlCol="0" anchor="ctr">
+            <a:normAutofit/>
+          </a:bodyPr>
+          <a:lstStyle>
+            <a:lvl1pPr algn="l" defTabSz="914400" rtl="0" eaLnBrk="1" latinLnBrk="0" hangingPunct="1">
+              <a:lnSpc>
+                <a:spcPct val="90000"/>
+              </a:lnSpc>
+              <a:spcBef>
+                <a:spcPct val="0"/>
+              </a:spcBef>
+              <a:buNone/>
+              <a:defRPr sz="4400" kern="1200">
+                <a:solidFill>
+                  <a:schemeClr val="tx1"/>
+                </a:solidFill>
+                <a:latin typeface="+mj-lt"/>
+                <a:ea typeface="+mj-ea"/>
+                <a:cs typeface="+mj-cs"/>
+              </a:defRPr>
+            </a:lvl1pPr>
+          </a:lstStyle>
+          <a:p>
+            <a:pPr algn="ctr"/>
+            <a:r>
+              <a:rPr lang="pt-BR" sz="5400" b="1" dirty="0">
+                <a:solidFill>
+                  <a:srgbClr val="1B1C1B"/>
+                </a:solidFill>
+                <a:latin typeface="Abadi" panose="020B0604020104020204" pitchFamily="34" charset="0"/>
+              </a:rPr>
+              <a:t>Aplicação Python</a:t>
+            </a:r>
+          </a:p>
+        </p:txBody>
+      </p:sp>
+    </p:spTree>
+    <p:extLst>
+      <p:ext uri="{BB962C8B-B14F-4D97-AF65-F5344CB8AC3E}">
+        <p14:creationId xmlns:p14="http://schemas.microsoft.com/office/powerpoint/2010/main" val="2994446673"/>
+      </p:ext>
+    </p:extLst>
+  </p:cSld>
+  <p:clrMapOvr>
+    <a:masterClrMapping/>
+  </p:clrMapOvr>
+  <p:transition spd="slow">
+    <p:push/>
+  </p:transition>
+</p:sld>
+</file>
+
+<file path=ppt/slides/slide12.xml><?xml version="1.0" encoding="utf-8"?>
+<p:sld xmlns:a="http://schemas.openxmlformats.org/drawingml/2006/main" xmlns:r="http://schemas.openxmlformats.org/officeDocument/2006/relationships" xmlns:p="http://schemas.openxmlformats.org/presentationml/2006/main">
+  <p:cSld>
+    <p:spTree>
+      <p:nvGrpSpPr>
+        <p:cNvPr id="1" name=""/>
+        <p:cNvGrpSpPr/>
+        <p:nvPr/>
+      </p:nvGrpSpPr>
+      <p:grpSpPr>
+        <a:xfrm>
+          <a:off x="0" y="0"/>
+          <a:ext cx="0" cy="0"/>
+          <a:chOff x="0" y="0"/>
+          <a:chExt cx="0" cy="0"/>
+        </a:xfrm>
+      </p:grpSpPr>
+      <p:sp>
+        <p:nvSpPr>
+          <p:cNvPr id="3" name="Título 1">
+            <a:extLst>
+              <a:ext uri="{FF2B5EF4-FFF2-40B4-BE49-F238E27FC236}">
+                <a16:creationId xmlns:a16="http://schemas.microsoft.com/office/drawing/2014/main" id="{7E79CF7A-7FE5-B044-1FBF-C041F2AF7A31}"/>
+              </a:ext>
+            </a:extLst>
+          </p:cNvPr>
+          <p:cNvSpPr txBox="1">
+            <a:spLocks/>
+          </p:cNvSpPr>
+          <p:nvPr/>
+        </p:nvSpPr>
+        <p:spPr>
+          <a:xfrm>
+            <a:off x="837909" y="2910385"/>
+            <a:ext cx="10515600" cy="1037230"/>
+          </a:xfrm>
+          <a:prstGeom prst="rect">
+            <a:avLst/>
+          </a:prstGeom>
+        </p:spPr>
+        <p:txBody>
+          <a:bodyPr vert="horz" lIns="91440" tIns="45720" rIns="91440" bIns="45720" rtlCol="0" anchor="ctr">
+            <a:normAutofit/>
+          </a:bodyPr>
+          <a:lstStyle>
+            <a:lvl1pPr algn="l" defTabSz="914400" rtl="0" eaLnBrk="1" latinLnBrk="0" hangingPunct="1">
+              <a:lnSpc>
+                <a:spcPct val="90000"/>
+              </a:lnSpc>
+              <a:spcBef>
+                <a:spcPct val="0"/>
+              </a:spcBef>
+              <a:buNone/>
+              <a:defRPr sz="4400" kern="1200">
+                <a:solidFill>
+                  <a:schemeClr val="tx1"/>
+                </a:solidFill>
+                <a:latin typeface="+mj-lt"/>
+                <a:ea typeface="+mj-ea"/>
+                <a:cs typeface="+mj-cs"/>
+              </a:defRPr>
+            </a:lvl1pPr>
+          </a:lstStyle>
+          <a:p>
+            <a:pPr algn="ctr"/>
+            <a:r>
+              <a:rPr lang="pt-BR" sz="4000" dirty="0">
+                <a:solidFill>
+                  <a:srgbClr val="1B1C1B"/>
+                </a:solidFill>
+                <a:latin typeface="Abadi" panose="020B0604020104020204" pitchFamily="34" charset="0"/>
+              </a:rPr>
+              <a:t>APLICAÇÃO PYTHON</a:t>
+            </a:r>
+          </a:p>
+        </p:txBody>
+      </p:sp>
+      <p:pic>
+        <p:nvPicPr>
+          <p:cNvPr id="5" name="Imagem 4" descr="Ícone&#10;&#10;Descrição gerada automaticamente">
+            <a:extLst>
+              <a:ext uri="{FF2B5EF4-FFF2-40B4-BE49-F238E27FC236}">
+                <a16:creationId xmlns:a16="http://schemas.microsoft.com/office/drawing/2014/main" id="{B7DBC07A-12E0-9FC1-AA4C-D14246ED075D}"/>
+              </a:ext>
+            </a:extLst>
+          </p:cNvPr>
+          <p:cNvPicPr>
+            <a:picLocks noChangeAspect="1"/>
+          </p:cNvPicPr>
+          <p:nvPr/>
+        </p:nvPicPr>
+        <p:blipFill rotWithShape="1">
+          <a:blip r:embed="rId2">
+            <a:extLst>
+              <a:ext uri="{28A0092B-C50C-407E-A947-70E740481C1C}">
+                <a14:useLocalDpi xmlns:a14="http://schemas.microsoft.com/office/drawing/2010/main" val="0"/>
+              </a:ext>
+            </a:extLst>
+          </a:blip>
+          <a:srcRect l="7696" t="10233" r="9454" b="6869"/>
+          <a:stretch/>
+        </p:blipFill>
+        <p:spPr>
+          <a:xfrm>
+            <a:off x="11282104" y="6067847"/>
+            <a:ext cx="673037" cy="660177"/>
+          </a:xfrm>
+          <a:prstGeom prst="roundRect">
+            <a:avLst/>
+          </a:prstGeom>
+          <a:ln>
+            <a:noFill/>
+          </a:ln>
+          <a:effectLst>
+            <a:outerShdw blurRad="50800" dist="50800" dir="3600000" sx="1000" sy="1000" algn="ctr" rotWithShape="0">
+              <a:srgbClr val="1C1D1E"/>
+            </a:outerShdw>
+            <a:softEdge rad="0"/>
+          </a:effectLst>
+        </p:spPr>
+      </p:pic>
+      <p:sp>
+        <p:nvSpPr>
+          <p:cNvPr id="4" name="Retângulo 3">
+            <a:extLst>
+              <a:ext uri="{FF2B5EF4-FFF2-40B4-BE49-F238E27FC236}">
+                <a16:creationId xmlns:a16="http://schemas.microsoft.com/office/drawing/2014/main" id="{37E32D17-3B44-4BCE-6C14-FA1D35DD91EB}"/>
               </a:ext>
             </a:extLst>
           </p:cNvPr>
@@ -4026,26 +4546,15 @@
         </p:nvSpPr>
         <p:spPr>
           <a:xfrm>
-            <a:off x="11604564" y="-95534"/>
-            <a:ext cx="586854" cy="6953534"/>
+            <a:off x="0" y="2381250"/>
+            <a:ext cx="12192000" cy="2095500"/>
           </a:xfrm>
           <a:prstGeom prst="rect">
             <a:avLst/>
           </a:prstGeom>
-          <a:gradFill flip="none" rotWithShape="1">
-            <a:gsLst>
-              <a:gs pos="0">
-                <a:srgbClr val="05FF57"/>
-              </a:gs>
-              <a:gs pos="36000">
-                <a:srgbClr val="1B1C1B"/>
-              </a:gs>
-            </a:gsLst>
-            <a:path path="circle">
-              <a:fillToRect l="100000" t="100000"/>
-            </a:path>
-            <a:tileRect r="-100000" b="-100000"/>
-          </a:gradFill>
+          <a:solidFill>
+            <a:srgbClr val="05FF57"/>
+          </a:solidFill>
           <a:ln>
             <a:noFill/>
           </a:ln>
@@ -4077,6 +4586,99 @@
       </p:sp>
       <p:sp>
         <p:nvSpPr>
+          <p:cNvPr id="6" name="Título 1">
+            <a:extLst>
+              <a:ext uri="{FF2B5EF4-FFF2-40B4-BE49-F238E27FC236}">
+                <a16:creationId xmlns:a16="http://schemas.microsoft.com/office/drawing/2014/main" id="{971E4F17-3D30-EB62-A2E4-A4B60234B494}"/>
+              </a:ext>
+            </a:extLst>
+          </p:cNvPr>
+          <p:cNvSpPr txBox="1">
+            <a:spLocks/>
+          </p:cNvSpPr>
+          <p:nvPr/>
+        </p:nvSpPr>
+        <p:spPr>
+          <a:xfrm>
+            <a:off x="837909" y="2910385"/>
+            <a:ext cx="10515600" cy="1037230"/>
+          </a:xfrm>
+          <a:prstGeom prst="rect">
+            <a:avLst/>
+          </a:prstGeom>
+        </p:spPr>
+        <p:txBody>
+          <a:bodyPr vert="horz" lIns="91440" tIns="45720" rIns="91440" bIns="45720" rtlCol="0" anchor="ctr">
+            <a:normAutofit/>
+          </a:bodyPr>
+          <a:lstStyle>
+            <a:lvl1pPr algn="l" defTabSz="914400" rtl="0" eaLnBrk="1" latinLnBrk="0" hangingPunct="1">
+              <a:lnSpc>
+                <a:spcPct val="90000"/>
+              </a:lnSpc>
+              <a:spcBef>
+                <a:spcPct val="0"/>
+              </a:spcBef>
+              <a:buNone/>
+              <a:defRPr sz="4400" kern="1200">
+                <a:solidFill>
+                  <a:schemeClr val="tx1"/>
+                </a:solidFill>
+                <a:latin typeface="+mj-lt"/>
+                <a:ea typeface="+mj-ea"/>
+                <a:cs typeface="+mj-cs"/>
+              </a:defRPr>
+            </a:lvl1pPr>
+          </a:lstStyle>
+          <a:p>
+            <a:pPr algn="ctr"/>
+            <a:r>
+              <a:rPr lang="pt-BR" sz="5400" b="1" dirty="0">
+                <a:solidFill>
+                  <a:srgbClr val="1B1C1B"/>
+                </a:solidFill>
+                <a:latin typeface="Abadi" panose="020B0604020104020204" pitchFamily="34" charset="0"/>
+              </a:rPr>
+              <a:t>Aplicação Java</a:t>
+            </a:r>
+          </a:p>
+        </p:txBody>
+      </p:sp>
+    </p:spTree>
+    <p:extLst>
+      <p:ext uri="{BB962C8B-B14F-4D97-AF65-F5344CB8AC3E}">
+        <p14:creationId xmlns:p14="http://schemas.microsoft.com/office/powerpoint/2010/main" val="30827122"/>
+      </p:ext>
+    </p:extLst>
+  </p:cSld>
+  <p:clrMapOvr>
+    <a:masterClrMapping/>
+  </p:clrMapOvr>
+  <p:transition spd="slow">
+    <p:push/>
+  </p:transition>
+</p:sld>
+</file>
+
+<file path=ppt/slides/slide13.xml><?xml version="1.0" encoding="utf-8"?>
+<p:sld xmlns:a="http://schemas.openxmlformats.org/drawingml/2006/main" xmlns:r="http://schemas.openxmlformats.org/officeDocument/2006/relationships" xmlns:p="http://schemas.openxmlformats.org/presentationml/2006/main">
+  <p:cSld>
+    <p:spTree>
+      <p:nvGrpSpPr>
+        <p:cNvPr id="1" name=""/>
+        <p:cNvGrpSpPr/>
+        <p:nvPr/>
+      </p:nvGrpSpPr>
+      <p:grpSpPr>
+        <a:xfrm>
+          <a:off x="0" y="0"/>
+          <a:ext cx="0" cy="0"/>
+          <a:chOff x="0" y="0"/>
+          <a:chExt cx="0" cy="0"/>
+        </a:xfrm>
+      </p:grpSpPr>
+      <p:sp>
+        <p:nvSpPr>
           <p:cNvPr id="2" name="Título 1">
             <a:extLst>
               <a:ext uri="{FF2B5EF4-FFF2-40B4-BE49-F238E27FC236}">
@@ -4136,8 +4738,8 @@
         </p:nvSpPr>
         <p:spPr>
           <a:xfrm>
-            <a:off x="1993264" y="2182595"/>
-            <a:ext cx="7492623" cy="400110"/>
+            <a:off x="2699694" y="2069560"/>
+            <a:ext cx="6792613" cy="461665"/>
           </a:xfrm>
           <a:prstGeom prst="rect">
             <a:avLst/>
@@ -4155,10 +4757,10 @@
               <a:buChar char="v"/>
             </a:pPr>
             <a:r>
-              <a:rPr lang="pt-BR" sz="2000" dirty="0">
+              <a:rPr lang="pt-BR" sz="2400" dirty="0">
                 <a:latin typeface="Abadi" panose="020B0604020104020204" pitchFamily="34" charset="0"/>
               </a:rPr>
-              <a:t>Envio de alertas para o Slack</a:t>
+              <a:t> Envio de alertas para o Slack</a:t>
             </a:r>
           </a:p>
         </p:txBody>
@@ -4212,13 +4814,22 @@
           <a:p>
             <a:pPr algn="ctr"/>
             <a:r>
+              <a:rPr lang="pt-BR" sz="3200" dirty="0">
+                <a:solidFill>
+                  <a:srgbClr val="1B1C1B"/>
+                </a:solidFill>
+                <a:latin typeface="Abadi" panose="020B0604020104020204" pitchFamily="34" charset="0"/>
+              </a:rPr>
+              <a:t>Próximos</a:t>
+            </a:r>
+            <a:r>
               <a:rPr lang="pt-BR" sz="2800" dirty="0">
                 <a:solidFill>
                   <a:srgbClr val="1B1C1B"/>
                 </a:solidFill>
                 <a:latin typeface="Abadi" panose="020B0604020104020204" pitchFamily="34" charset="0"/>
               </a:rPr>
-              <a:t>Próximos Passos:</a:t>
+              <a:t> Passos:</a:t>
             </a:r>
           </a:p>
         </p:txBody>
@@ -4237,8 +4848,8 @@
         </p:nvSpPr>
         <p:spPr>
           <a:xfrm>
-            <a:off x="1993264" y="3159085"/>
-            <a:ext cx="7492623" cy="400110"/>
+            <a:off x="2699694" y="3197139"/>
+            <a:ext cx="6792613" cy="461665"/>
           </a:xfrm>
           <a:prstGeom prst="rect">
             <a:avLst/>
@@ -4256,10 +4867,10 @@
               <a:buChar char="v"/>
             </a:pPr>
             <a:r>
-              <a:rPr lang="pt-BR" sz="2000" dirty="0">
+              <a:rPr lang="pt-BR" sz="2400" dirty="0">
                 <a:latin typeface="Abadi" panose="020B0604020104020204" pitchFamily="34" charset="0"/>
               </a:rPr>
-              <a:t>Site em nuvem</a:t>
+              <a:t> Site em nuvem</a:t>
             </a:r>
           </a:p>
         </p:txBody>
@@ -4292,7 +4903,7 @@
         </p:blipFill>
         <p:spPr>
           <a:xfrm>
-            <a:off x="9304738" y="919295"/>
+            <a:off x="10270029" y="788644"/>
             <a:ext cx="1083189" cy="1083189"/>
           </a:xfrm>
           <a:prstGeom prst="rect">
@@ -4328,7 +4939,7 @@
         </p:blipFill>
         <p:spPr>
           <a:xfrm>
-            <a:off x="837618" y="4788441"/>
+            <a:off x="570918" y="5247847"/>
             <a:ext cx="1155646" cy="1155646"/>
           </a:xfrm>
           <a:prstGeom prst="rect">
@@ -4336,12 +4947,94 @@
           </a:prstGeom>
         </p:spPr>
       </p:pic>
+      <p:sp>
+        <p:nvSpPr>
+          <p:cNvPr id="6" name="CaixaDeTexto 5">
+            <a:extLst>
+              <a:ext uri="{FF2B5EF4-FFF2-40B4-BE49-F238E27FC236}">
+                <a16:creationId xmlns:a16="http://schemas.microsoft.com/office/drawing/2014/main" id="{554752D9-9D50-168D-6998-634DA7DBEF7B}"/>
+              </a:ext>
+            </a:extLst>
+          </p:cNvPr>
+          <p:cNvSpPr txBox="1"/>
+          <p:nvPr/>
+        </p:nvSpPr>
+        <p:spPr>
+          <a:xfrm>
+            <a:off x="2699694" y="2622338"/>
+            <a:ext cx="6792613" cy="461665"/>
+          </a:xfrm>
+          <a:prstGeom prst="rect">
+            <a:avLst/>
+          </a:prstGeom>
+          <a:noFill/>
+        </p:spPr>
+        <p:txBody>
+          <a:bodyPr wrap="square" rtlCol="0">
+            <a:spAutoFit/>
+          </a:bodyPr>
+          <a:lstStyle/>
+          <a:p>
+            <a:pPr marL="285750" indent="-285750">
+              <a:buFont typeface="Wingdings" panose="05000000000000000000" pitchFamily="2" charset="2"/>
+              <a:buChar char="v"/>
+            </a:pPr>
+            <a:r>
+              <a:rPr lang="pt-BR" sz="2400" dirty="0">
+                <a:latin typeface="Abadi" panose="020B0604020104020204" pitchFamily="34" charset="0"/>
+              </a:rPr>
+              <a:t> Banco de dados em nuvem</a:t>
+            </a:r>
+          </a:p>
+        </p:txBody>
+      </p:sp>
+      <p:sp>
+        <p:nvSpPr>
+          <p:cNvPr id="10" name="CaixaDeTexto 9">
+            <a:extLst>
+              <a:ext uri="{FF2B5EF4-FFF2-40B4-BE49-F238E27FC236}">
+                <a16:creationId xmlns:a16="http://schemas.microsoft.com/office/drawing/2014/main" id="{004EC0EF-B7D9-2717-A171-E446272C63CD}"/>
+              </a:ext>
+            </a:extLst>
+          </p:cNvPr>
+          <p:cNvSpPr txBox="1"/>
+          <p:nvPr/>
+        </p:nvSpPr>
+        <p:spPr>
+          <a:xfrm>
+            <a:off x="2699694" y="3771738"/>
+            <a:ext cx="6792613" cy="461665"/>
+          </a:xfrm>
+          <a:prstGeom prst="rect">
+            <a:avLst/>
+          </a:prstGeom>
+          <a:noFill/>
+        </p:spPr>
+        <p:txBody>
+          <a:bodyPr wrap="square" rtlCol="0">
+            <a:spAutoFit/>
+          </a:bodyPr>
+          <a:lstStyle/>
+          <a:p>
+            <a:pPr marL="285750" indent="-285750">
+              <a:buFont typeface="Wingdings" panose="05000000000000000000" pitchFamily="2" charset="2"/>
+              <a:buChar char="v"/>
+            </a:pPr>
+            <a:r>
+              <a:rPr lang="pt-BR" sz="2400" dirty="0">
+                <a:latin typeface="Abadi" panose="020B0604020104020204" pitchFamily="34" charset="0"/>
+              </a:rPr>
+              <a:t> Novas dashboards de análise</a:t>
+            </a:r>
+          </a:p>
+        </p:txBody>
+      </p:sp>
       <p:pic>
         <p:nvPicPr>
-          <p:cNvPr id="15" name="Imagem 14" descr="Ícone&#10;&#10;Descrição gerada automaticamente">
-            <a:extLst>
-              <a:ext uri="{FF2B5EF4-FFF2-40B4-BE49-F238E27FC236}">
-                <a16:creationId xmlns:a16="http://schemas.microsoft.com/office/drawing/2014/main" id="{5EBF2701-127D-49B7-2B3E-C332DBD2F08C}"/>
+          <p:cNvPr id="7" name="Imagem 6" descr="Ícone&#10;&#10;Descrição gerada automaticamente">
+            <a:extLst>
+              <a:ext uri="{FF2B5EF4-FFF2-40B4-BE49-F238E27FC236}">
+                <a16:creationId xmlns:a16="http://schemas.microsoft.com/office/drawing/2014/main" id="{62DC6CE7-6F3D-01AC-1A5B-AF0D80CCE47C}"/>
               </a:ext>
             </a:extLst>
           </p:cNvPr>
@@ -4363,7 +5056,7 @@
         </p:blipFill>
         <p:spPr>
           <a:xfrm>
-            <a:off x="10805854" y="6142068"/>
+            <a:off x="11282104" y="6067847"/>
             <a:ext cx="673037" cy="660177"/>
           </a:xfrm>
           <a:prstGeom prst="roundRect">
@@ -4380,88 +5073,6 @@
           </a:effectLst>
         </p:spPr>
       </p:pic>
-      <p:sp>
-        <p:nvSpPr>
-          <p:cNvPr id="6" name="CaixaDeTexto 5">
-            <a:extLst>
-              <a:ext uri="{FF2B5EF4-FFF2-40B4-BE49-F238E27FC236}">
-                <a16:creationId xmlns:a16="http://schemas.microsoft.com/office/drawing/2014/main" id="{554752D9-9D50-168D-6998-634DA7DBEF7B}"/>
-              </a:ext>
-            </a:extLst>
-          </p:cNvPr>
-          <p:cNvSpPr txBox="1"/>
-          <p:nvPr/>
-        </p:nvSpPr>
-        <p:spPr>
-          <a:xfrm>
-            <a:off x="2001040" y="2670840"/>
-            <a:ext cx="7492623" cy="400110"/>
-          </a:xfrm>
-          <a:prstGeom prst="rect">
-            <a:avLst/>
-          </a:prstGeom>
-          <a:noFill/>
-        </p:spPr>
-        <p:txBody>
-          <a:bodyPr wrap="square" rtlCol="0">
-            <a:spAutoFit/>
-          </a:bodyPr>
-          <a:lstStyle/>
-          <a:p>
-            <a:pPr marL="285750" indent="-285750">
-              <a:buFont typeface="Wingdings" panose="05000000000000000000" pitchFamily="2" charset="2"/>
-              <a:buChar char="v"/>
-            </a:pPr>
-            <a:r>
-              <a:rPr lang="pt-BR" sz="2000" dirty="0">
-                <a:latin typeface="Abadi" panose="020B0604020104020204" pitchFamily="34" charset="0"/>
-              </a:rPr>
-              <a:t>Banco de dados em nuvem</a:t>
-            </a:r>
-          </a:p>
-        </p:txBody>
-      </p:sp>
-      <p:sp>
-        <p:nvSpPr>
-          <p:cNvPr id="10" name="CaixaDeTexto 9">
-            <a:extLst>
-              <a:ext uri="{FF2B5EF4-FFF2-40B4-BE49-F238E27FC236}">
-                <a16:creationId xmlns:a16="http://schemas.microsoft.com/office/drawing/2014/main" id="{004EC0EF-B7D9-2717-A171-E446272C63CD}"/>
-              </a:ext>
-            </a:extLst>
-          </p:cNvPr>
-          <p:cNvSpPr txBox="1"/>
-          <p:nvPr/>
-        </p:nvSpPr>
-        <p:spPr>
-          <a:xfrm>
-            <a:off x="2001040" y="3640982"/>
-            <a:ext cx="7492623" cy="400110"/>
-          </a:xfrm>
-          <a:prstGeom prst="rect">
-            <a:avLst/>
-          </a:prstGeom>
-          <a:noFill/>
-        </p:spPr>
-        <p:txBody>
-          <a:bodyPr wrap="square" rtlCol="0">
-            <a:spAutoFit/>
-          </a:bodyPr>
-          <a:lstStyle/>
-          <a:p>
-            <a:pPr marL="285750" indent="-285750">
-              <a:buFont typeface="Wingdings" panose="05000000000000000000" pitchFamily="2" charset="2"/>
-              <a:buChar char="v"/>
-            </a:pPr>
-            <a:r>
-              <a:rPr lang="pt-BR" sz="2000" dirty="0">
-                <a:latin typeface="Abadi" panose="020B0604020104020204" pitchFamily="34" charset="0"/>
-              </a:rPr>
-              <a:t>Novas dashboards de análise</a:t>
-            </a:r>
-          </a:p>
-        </p:txBody>
-      </p:sp>
     </p:spTree>
     <p:extLst>
       <p:ext uri="{BB962C8B-B14F-4D97-AF65-F5344CB8AC3E}">
@@ -4509,177 +5120,6 @@
                                           </p:stCondLst>
                                         </p:cTn>
                                         <p:tgtEl>
-                                          <p:spTgt spid="13"/>
-                                        </p:tgtEl>
-                                        <p:attrNameLst>
-                                          <p:attrName>style.visibility</p:attrName>
-                                        </p:attrNameLst>
-                                      </p:cBhvr>
-                                      <p:to>
-                                        <p:strVal val="visible"/>
-                                      </p:to>
-                                    </p:set>
-                                    <p:animEffect transition="in" filter="fade">
-                                      <p:cBhvr>
-                                        <p:cTn id="7" dur="500"/>
-                                        <p:tgtEl>
-                                          <p:spTgt spid="13"/>
-                                        </p:tgtEl>
-                                      </p:cBhvr>
-                                    </p:animEffect>
-                                    <p:anim calcmode="lin" valueType="num">
-                                      <p:cBhvr>
-                                        <p:cTn id="8" dur="500" fill="hold"/>
-                                        <p:tgtEl>
-                                          <p:spTgt spid="13"/>
-                                        </p:tgtEl>
-                                        <p:attrNameLst>
-                                          <p:attrName>ppt_x</p:attrName>
-                                        </p:attrNameLst>
-                                      </p:cBhvr>
-                                      <p:tavLst>
-                                        <p:tav tm="0">
-                                          <p:val>
-                                            <p:strVal val="#ppt_x"/>
-                                          </p:val>
-                                        </p:tav>
-                                        <p:tav tm="100000">
-                                          <p:val>
-                                            <p:strVal val="#ppt_x"/>
-                                          </p:val>
-                                        </p:tav>
-                                      </p:tavLst>
-                                    </p:anim>
-                                    <p:anim calcmode="lin" valueType="num">
-                                      <p:cBhvr>
-                                        <p:cTn id="9" dur="500" fill="hold"/>
-                                        <p:tgtEl>
-                                          <p:spTgt spid="13"/>
-                                        </p:tgtEl>
-                                        <p:attrNameLst>
-                                          <p:attrName>ppt_y</p:attrName>
-                                        </p:attrNameLst>
-                                      </p:cBhvr>
-                                      <p:tavLst>
-                                        <p:tav tm="0">
-                                          <p:val>
-                                            <p:strVal val="#ppt_y+.1"/>
-                                          </p:val>
-                                        </p:tav>
-                                        <p:tav tm="100000">
-                                          <p:val>
-                                            <p:strVal val="#ppt_y"/>
-                                          </p:val>
-                                        </p:tav>
-                                      </p:tavLst>
-                                    </p:anim>
-                                  </p:childTnLst>
-                                </p:cTn>
-                              </p:par>
-                              <p:par>
-                                <p:cTn id="10" presetID="42" presetClass="entr" presetSubtype="0" fill="hold" nodeType="withEffect">
-                                  <p:stCondLst>
-                                    <p:cond delay="0"/>
-                                  </p:stCondLst>
-                                  <p:childTnLst>
-                                    <p:set>
-                                      <p:cBhvr>
-                                        <p:cTn id="11" dur="1" fill="hold">
-                                          <p:stCondLst>
-                                            <p:cond delay="0"/>
-                                          </p:stCondLst>
-                                        </p:cTn>
-                                        <p:tgtEl>
-                                          <p:spTgt spid="8"/>
-                                        </p:tgtEl>
-                                        <p:attrNameLst>
-                                          <p:attrName>style.visibility</p:attrName>
-                                        </p:attrNameLst>
-                                      </p:cBhvr>
-                                      <p:to>
-                                        <p:strVal val="visible"/>
-                                      </p:to>
-                                    </p:set>
-                                    <p:animEffect transition="in" filter="fade">
-                                      <p:cBhvr>
-                                        <p:cTn id="12" dur="500"/>
-                                        <p:tgtEl>
-                                          <p:spTgt spid="8"/>
-                                        </p:tgtEl>
-                                      </p:cBhvr>
-                                    </p:animEffect>
-                                    <p:anim calcmode="lin" valueType="num">
-                                      <p:cBhvr>
-                                        <p:cTn id="13" dur="500" fill="hold"/>
-                                        <p:tgtEl>
-                                          <p:spTgt spid="8"/>
-                                        </p:tgtEl>
-                                        <p:attrNameLst>
-                                          <p:attrName>ppt_x</p:attrName>
-                                        </p:attrNameLst>
-                                      </p:cBhvr>
-                                      <p:tavLst>
-                                        <p:tav tm="0">
-                                          <p:val>
-                                            <p:strVal val="#ppt_x"/>
-                                          </p:val>
-                                        </p:tav>
-                                        <p:tav tm="100000">
-                                          <p:val>
-                                            <p:strVal val="#ppt_x"/>
-                                          </p:val>
-                                        </p:tav>
-                                      </p:tavLst>
-                                    </p:anim>
-                                    <p:anim calcmode="lin" valueType="num">
-                                      <p:cBhvr>
-                                        <p:cTn id="14" dur="500" fill="hold"/>
-                                        <p:tgtEl>
-                                          <p:spTgt spid="8"/>
-                                        </p:tgtEl>
-                                        <p:attrNameLst>
-                                          <p:attrName>ppt_y</p:attrName>
-                                        </p:attrNameLst>
-                                      </p:cBhvr>
-                                      <p:tavLst>
-                                        <p:tav tm="0">
-                                          <p:val>
-                                            <p:strVal val="#ppt_y+.1"/>
-                                          </p:val>
-                                        </p:tav>
-                                        <p:tav tm="100000">
-                                          <p:val>
-                                            <p:strVal val="#ppt_y"/>
-                                          </p:val>
-                                        </p:tav>
-                                      </p:tavLst>
-                                    </p:anim>
-                                  </p:childTnLst>
-                                </p:cTn>
-                              </p:par>
-                            </p:childTnLst>
-                          </p:cTn>
-                        </p:par>
-                        <p:par>
-                          <p:cTn id="15" fill="hold">
-                            <p:stCondLst>
-                              <p:cond delay="500"/>
-                            </p:stCondLst>
-                            <p:childTnLst>
-                              <p:par>
-                                <p:cTn id="16" presetID="42" presetClass="entr" presetSubtype="0" fill="hold" grpId="0" nodeType="afterEffect">
-                                  <p:stCondLst>
-                                    <p:cond delay="0"/>
-                                  </p:stCondLst>
-                                  <p:childTnLst>
-                                    <p:set>
-                                      <p:cBhvr>
-                                        <p:cTn id="17" dur="1" fill="hold">
-                                          <p:stCondLst>
-                                            <p:cond delay="0"/>
-                                          </p:stCondLst>
-                                        </p:cTn>
-                                        <p:tgtEl>
                                           <p:spTgt spid="3"/>
                                         </p:tgtEl>
                                         <p:attrNameLst>
@@ -4692,7 +5132,7 @@
                                     </p:set>
                                     <p:animEffect transition="in" filter="fade">
                                       <p:cBhvr>
-                                        <p:cTn id="18" dur="500"/>
+                                        <p:cTn id="7" dur="1000"/>
                                         <p:tgtEl>
                                           <p:spTgt spid="3"/>
                                         </p:tgtEl>
@@ -4700,7 +5140,7 @@
                                     </p:animEffect>
                                     <p:anim calcmode="lin" valueType="num">
                                       <p:cBhvr>
-                                        <p:cTn id="19" dur="500" fill="hold"/>
+                                        <p:cTn id="8" dur="1000" fill="hold"/>
                                         <p:tgtEl>
                                           <p:spTgt spid="3"/>
                                         </p:tgtEl>
@@ -4723,7 +5163,7 @@
                                     </p:anim>
                                     <p:anim calcmode="lin" valueType="num">
                                       <p:cBhvr>
-                                        <p:cTn id="20" dur="500" fill="hold"/>
+                                        <p:cTn id="9" dur="1000" fill="hold"/>
                                         <p:tgtEl>
                                           <p:spTgt spid="3"/>
                                         </p:tgtEl>
@@ -4750,21 +5190,30 @@
                             </p:childTnLst>
                           </p:cTn>
                         </p:par>
+                      </p:childTnLst>
+                    </p:cTn>
+                  </p:par>
+                  <p:par>
+                    <p:cTn id="10" fill="hold">
+                      <p:stCondLst>
+                        <p:cond delay="indefinite"/>
+                      </p:stCondLst>
+                      <p:childTnLst>
                         <p:par>
-                          <p:cTn id="21" fill="hold">
+                          <p:cTn id="11" fill="hold">
                             <p:stCondLst>
-                              <p:cond delay="1000"/>
+                              <p:cond delay="0"/>
                             </p:stCondLst>
                             <p:childTnLst>
                               <p:par>
-                                <p:cTn id="22" presetID="2" presetClass="entr" presetSubtype="4" fill="hold" grpId="0" nodeType="afterEffect">
+                                <p:cTn id="12" presetID="42" presetClass="entr" presetSubtype="0" fill="hold" grpId="0" nodeType="clickEffect">
                                   <p:stCondLst>
                                     <p:cond delay="0"/>
                                   </p:stCondLst>
                                   <p:childTnLst>
                                     <p:set>
                                       <p:cBhvr>
-                                        <p:cTn id="23" dur="1" fill="hold">
+                                        <p:cTn id="13" dur="1" fill="hold">
                                           <p:stCondLst>
                                             <p:cond delay="0"/>
                                           </p:stCondLst>
@@ -4780,9 +5229,17 @@
                                         <p:strVal val="visible"/>
                                       </p:to>
                                     </p:set>
+                                    <p:animEffect transition="in" filter="fade">
+                                      <p:cBhvr>
+                                        <p:cTn id="14" dur="1000"/>
+                                        <p:tgtEl>
+                                          <p:spTgt spid="6"/>
+                                        </p:tgtEl>
+                                      </p:cBhvr>
+                                    </p:animEffect>
                                     <p:anim calcmode="lin" valueType="num">
-                                      <p:cBhvr additive="base">
-                                        <p:cTn id="24" dur="500" fill="hold"/>
+                                      <p:cBhvr>
+                                        <p:cTn id="15" dur="1000" fill="hold"/>
                                         <p:tgtEl>
                                           <p:spTgt spid="6"/>
                                         </p:tgtEl>
@@ -4804,8 +5261,8 @@
                                       </p:tavLst>
                                     </p:anim>
                                     <p:anim calcmode="lin" valueType="num">
-                                      <p:cBhvr additive="base">
-                                        <p:cTn id="25" dur="500" fill="hold"/>
+                                      <p:cBhvr>
+                                        <p:cTn id="16" dur="1000" fill="hold"/>
                                         <p:tgtEl>
                                           <p:spTgt spid="6"/>
                                         </p:tgtEl>
@@ -4816,7 +5273,7 @@
                                       <p:tavLst>
                                         <p:tav tm="0">
                                           <p:val>
-                                            <p:strVal val="1+#ppt_h/2"/>
+                                            <p:strVal val="#ppt_y+.1"/>
                                           </p:val>
                                         </p:tav>
                                         <p:tav tm="100000">
@@ -4832,21 +5289,30 @@
                             </p:childTnLst>
                           </p:cTn>
                         </p:par>
+                      </p:childTnLst>
+                    </p:cTn>
+                  </p:par>
+                  <p:par>
+                    <p:cTn id="17" fill="hold">
+                      <p:stCondLst>
+                        <p:cond delay="indefinite"/>
+                      </p:stCondLst>
+                      <p:childTnLst>
                         <p:par>
-                          <p:cTn id="26" fill="hold">
+                          <p:cTn id="18" fill="hold">
                             <p:stCondLst>
-                              <p:cond delay="1500"/>
+                              <p:cond delay="0"/>
                             </p:stCondLst>
                             <p:childTnLst>
                               <p:par>
-                                <p:cTn id="27" presetID="42" presetClass="entr" presetSubtype="0" fill="hold" nodeType="afterEffect">
+                                <p:cTn id="19" presetID="42" presetClass="entr" presetSubtype="0" fill="hold" nodeType="clickEffect">
                                   <p:stCondLst>
                                     <p:cond delay="0"/>
                                   </p:stCondLst>
                                   <p:childTnLst>
                                     <p:set>
                                       <p:cBhvr>
-                                        <p:cTn id="28" dur="1" fill="hold">
+                                        <p:cTn id="20" dur="1" fill="hold">
                                           <p:stCondLst>
                                             <p:cond delay="0"/>
                                           </p:stCondLst>
@@ -4868,7 +5334,7 @@
                                     </p:set>
                                     <p:animEffect transition="in" filter="fade">
                                       <p:cBhvr>
-                                        <p:cTn id="29" dur="500"/>
+                                        <p:cTn id="21" dur="500"/>
                                         <p:tgtEl>
                                           <p:spTgt spid="14">
                                             <p:txEl>
@@ -4880,7 +5346,7 @@
                                     </p:animEffect>
                                     <p:anim calcmode="lin" valueType="num">
                                       <p:cBhvr>
-                                        <p:cTn id="30" dur="500" fill="hold"/>
+                                        <p:cTn id="22" dur="500" fill="hold"/>
                                         <p:tgtEl>
                                           <p:spTgt spid="14">
                                             <p:txEl>
@@ -4907,7 +5373,7 @@
                                     </p:anim>
                                     <p:anim calcmode="lin" valueType="num">
                                       <p:cBhvr>
-                                        <p:cTn id="31" dur="500" fill="hold"/>
+                                        <p:cTn id="23" dur="500" fill="hold"/>
                                         <p:tgtEl>
                                           <p:spTgt spid="14">
                                             <p:txEl>
@@ -4935,105 +5401,33 @@
                                   </p:childTnLst>
                                 </p:cTn>
                               </p:par>
+                            </p:childTnLst>
+                          </p:cTn>
+                        </p:par>
+                      </p:childTnLst>
+                    </p:cTn>
+                  </p:par>
+                  <p:par>
+                    <p:cTn id="24" fill="hold">
+                      <p:stCondLst>
+                        <p:cond delay="indefinite"/>
+                      </p:stCondLst>
+                      <p:childTnLst>
+                        <p:par>
+                          <p:cTn id="25" fill="hold">
+                            <p:stCondLst>
+                              <p:cond delay="0"/>
+                            </p:stCondLst>
+                            <p:childTnLst>
                               <p:par>
-                                <p:cTn id="32" presetID="42" presetClass="entr" presetSubtype="0" fill="hold" nodeType="withEffect">
+                                <p:cTn id="26" presetID="42" presetClass="entr" presetSubtype="0" fill="hold" nodeType="clickEffect">
                                   <p:stCondLst>
                                     <p:cond delay="0"/>
                                   </p:stCondLst>
                                   <p:childTnLst>
                                     <p:set>
                                       <p:cBhvr>
-                                        <p:cTn id="33" dur="1" fill="hold">
-                                          <p:stCondLst>
-                                            <p:cond delay="0"/>
-                                          </p:stCondLst>
-                                        </p:cTn>
-                                        <p:tgtEl>
-                                          <p:spTgt spid="12"/>
-                                        </p:tgtEl>
-                                        <p:attrNameLst>
-                                          <p:attrName>style.visibility</p:attrName>
-                                        </p:attrNameLst>
-                                      </p:cBhvr>
-                                      <p:to>
-                                        <p:strVal val="visible"/>
-                                      </p:to>
-                                    </p:set>
-                                    <p:animEffect transition="in" filter="fade">
-                                      <p:cBhvr>
-                                        <p:cTn id="34" dur="500"/>
-                                        <p:tgtEl>
-                                          <p:spTgt spid="12"/>
-                                        </p:tgtEl>
-                                      </p:cBhvr>
-                                    </p:animEffect>
-                                    <p:anim calcmode="lin" valueType="num">
-                                      <p:cBhvr>
-                                        <p:cTn id="35" dur="500" fill="hold"/>
-                                        <p:tgtEl>
-                                          <p:spTgt spid="12"/>
-                                        </p:tgtEl>
-                                        <p:attrNameLst>
-                                          <p:attrName>ppt_x</p:attrName>
-                                        </p:attrNameLst>
-                                      </p:cBhvr>
-                                      <p:tavLst>
-                                        <p:tav tm="0">
-                                          <p:val>
-                                            <p:strVal val="#ppt_x"/>
-                                          </p:val>
-                                        </p:tav>
-                                        <p:tav tm="100000">
-                                          <p:val>
-                                            <p:strVal val="#ppt_x"/>
-                                          </p:val>
-                                        </p:tav>
-                                      </p:tavLst>
-                                    </p:anim>
-                                    <p:anim calcmode="lin" valueType="num">
-                                      <p:cBhvr>
-                                        <p:cTn id="36" dur="500" fill="hold"/>
-                                        <p:tgtEl>
-                                          <p:spTgt spid="12"/>
-                                        </p:tgtEl>
-                                        <p:attrNameLst>
-                                          <p:attrName>ppt_y</p:attrName>
-                                        </p:attrNameLst>
-                                      </p:cBhvr>
-                                      <p:tavLst>
-                                        <p:tav tm="0">
-                                          <p:val>
-                                            <p:strVal val="#ppt_y+.1"/>
-                                          </p:val>
-                                        </p:tav>
-                                        <p:tav tm="100000">
-                                          <p:val>
-                                            <p:strVal val="#ppt_y"/>
-                                          </p:val>
-                                        </p:tav>
-                                      </p:tavLst>
-                                    </p:anim>
-                                  </p:childTnLst>
-                                </p:cTn>
-                              </p:par>
-                            </p:childTnLst>
-                          </p:cTn>
-                        </p:par>
-                        <p:par>
-                          <p:cTn id="37" fill="hold">
-                            <p:stCondLst>
-                              <p:cond delay="2000"/>
-                            </p:stCondLst>
-                            <p:childTnLst>
-                              <p:par>
-                                <p:cTn id="38" presetID="42" presetClass="entr" presetSubtype="0" fill="hold" nodeType="afterEffect">
-                                  <p:stCondLst>
-                                    <p:cond delay="0"/>
-                                  </p:stCondLst>
-                                  <p:childTnLst>
-                                    <p:set>
-                                      <p:cBhvr>
-                                        <p:cTn id="39" dur="1" fill="hold">
+                                        <p:cTn id="27" dur="1" fill="hold">
                                           <p:stCondLst>
                                             <p:cond delay="0"/>
                                           </p:stCondLst>
@@ -5055,7 +5449,7 @@
                                     </p:set>
                                     <p:animEffect transition="in" filter="fade">
                                       <p:cBhvr>
-                                        <p:cTn id="40" dur="500"/>
+                                        <p:cTn id="28" dur="500"/>
                                         <p:tgtEl>
                                           <p:spTgt spid="10">
                                             <p:txEl>
@@ -5067,7 +5461,7 @@
                                     </p:animEffect>
                                     <p:anim calcmode="lin" valueType="num">
                                       <p:cBhvr>
-                                        <p:cTn id="41" dur="500" fill="hold"/>
+                                        <p:cTn id="29" dur="500" fill="hold"/>
                                         <p:tgtEl>
                                           <p:spTgt spid="10">
                                             <p:txEl>
@@ -5094,7 +5488,7 @@
                                     </p:anim>
                                     <p:anim calcmode="lin" valueType="num">
                                       <p:cBhvr>
-                                        <p:cTn id="42" dur="500" fill="hold"/>
+                                        <p:cTn id="30" dur="500" fill="hold"/>
                                         <p:tgtEl>
                                           <p:spTgt spid="10">
                                             <p:txEl>
@@ -5151,14 +5545,13 @@
     </p:tnLst>
     <p:bldLst>
       <p:bldP spid="3" grpId="0"/>
-      <p:bldP spid="13" grpId="0"/>
       <p:bldP spid="6" grpId="0"/>
     </p:bldLst>
   </p:timing>
 </p:sld>
 </file>
 
-<file path=ppt/slides/slide11.xml><?xml version="1.0" encoding="utf-8"?>
+<file path=ppt/slides/slide14.xml><?xml version="1.0" encoding="utf-8"?>
 <p:sld xmlns:a="http://schemas.openxmlformats.org/drawingml/2006/main" xmlns:r="http://schemas.openxmlformats.org/officeDocument/2006/relationships" xmlns:p="http://schemas.openxmlformats.org/presentationml/2006/main">
   <p:cSld>
     <p:spTree>
@@ -5381,1007 +5774,923 @@
           </a:p>
         </p:txBody>
       </p:sp>
-      <p:sp>
-        <p:nvSpPr>
-          <p:cNvPr id="4" name="Retângulo 3">
-            <a:extLst>
-              <a:ext uri="{FF2B5EF4-FFF2-40B4-BE49-F238E27FC236}">
-                <a16:creationId xmlns:a16="http://schemas.microsoft.com/office/drawing/2014/main" id="{867856B4-B505-E8AA-0DB7-DA5C402BE556}"/>
-              </a:ext>
-            </a:extLst>
-          </p:cNvPr>
-          <p:cNvSpPr/>
+      <p:grpSp>
+        <p:nvGrpSpPr>
+          <p:cNvPr id="6" name="Agrupar 5">
+            <a:extLst>
+              <a:ext uri="{FF2B5EF4-FFF2-40B4-BE49-F238E27FC236}">
+                <a16:creationId xmlns:a16="http://schemas.microsoft.com/office/drawing/2014/main" id="{108DC42F-9662-8F49-CD09-411F0C6A0BDE}"/>
+              </a:ext>
+            </a:extLst>
+          </p:cNvPr>
+          <p:cNvGrpSpPr/>
           <p:nvPr/>
-        </p:nvSpPr>
-        <p:spPr>
+        </p:nvGrpSpPr>
+        <p:grpSpPr>
           <a:xfrm>
-            <a:off x="0" y="-47767"/>
-            <a:ext cx="586854" cy="6953534"/>
+            <a:off x="-10061785" y="4196917"/>
+            <a:ext cx="10061785" cy="2386150"/>
+            <a:chOff x="586854" y="4196917"/>
+            <a:chExt cx="10061785" cy="2386150"/>
           </a:xfrm>
-          <a:prstGeom prst="rect">
-            <a:avLst/>
-          </a:prstGeom>
-          <a:gradFill flip="none" rotWithShape="1">
-            <a:gsLst>
-              <a:gs pos="0">
-                <a:srgbClr val="05FF57"/>
-              </a:gs>
-              <a:gs pos="36000">
+        </p:grpSpPr>
+        <p:pic>
+          <p:nvPicPr>
+            <p:cNvPr id="15" name="Imagem 14">
+              <a:extLst>
+                <a:ext uri="{FF2B5EF4-FFF2-40B4-BE49-F238E27FC236}">
+                  <a16:creationId xmlns:a16="http://schemas.microsoft.com/office/drawing/2014/main" id="{00FDB3E3-2E5A-3800-6913-E67A37456D2F}"/>
+                </a:ext>
+              </a:extLst>
+            </p:cNvPr>
+            <p:cNvPicPr>
+              <a:picLocks noChangeAspect="1"/>
+            </p:cNvPicPr>
+            <p:nvPr/>
+          </p:nvPicPr>
+          <p:blipFill>
+            <a:blip r:embed="rId3">
+              <a:extLst>
+                <a:ext uri="{28A0092B-C50C-407E-A947-70E740481C1C}">
+                  <a14:useLocalDpi xmlns:a14="http://schemas.microsoft.com/office/drawing/2010/main" val="0"/>
+                </a:ext>
+              </a:extLst>
+            </a:blip>
+            <a:srcRect t="759" b="759"/>
+            <a:stretch/>
+          </p:blipFill>
+          <p:spPr>
+            <a:xfrm>
+              <a:off x="1495659" y="4456689"/>
+              <a:ext cx="1612511" cy="1588028"/>
+            </a:xfrm>
+            <a:prstGeom prst="ellipse">
+              <a:avLst/>
+            </a:prstGeom>
+          </p:spPr>
+        </p:pic>
+        <p:pic>
+          <p:nvPicPr>
+            <p:cNvPr id="16" name="Imagem 15">
+              <a:extLst>
+                <a:ext uri="{FF2B5EF4-FFF2-40B4-BE49-F238E27FC236}">
+                  <a16:creationId xmlns:a16="http://schemas.microsoft.com/office/drawing/2014/main" id="{9906031F-3088-EE41-C23B-05E1270AE65C}"/>
+                </a:ext>
+              </a:extLst>
+            </p:cNvPr>
+            <p:cNvPicPr>
+              <a:picLocks noChangeAspect="1"/>
+            </p:cNvPicPr>
+            <p:nvPr/>
+          </p:nvPicPr>
+          <p:blipFill>
+            <a:blip r:embed="rId4">
+              <a:extLst>
+                <a:ext uri="{28A0092B-C50C-407E-A947-70E740481C1C}">
+                  <a14:useLocalDpi xmlns:a14="http://schemas.microsoft.com/office/drawing/2010/main" val="0"/>
+                </a:ext>
+              </a:extLst>
+            </a:blip>
+            <a:srcRect t="12546" b="12546"/>
+            <a:stretch/>
+          </p:blipFill>
+          <p:spPr>
+            <a:xfrm>
+              <a:off x="5237887" y="4433825"/>
+              <a:ext cx="1666724" cy="1637647"/>
+            </a:xfrm>
+            <a:prstGeom prst="ellipse">
+              <a:avLst/>
+            </a:prstGeom>
+          </p:spPr>
+        </p:pic>
+        <p:pic>
+          <p:nvPicPr>
+            <p:cNvPr id="17" name="Imagem 16">
+              <a:extLst>
+                <a:ext uri="{FF2B5EF4-FFF2-40B4-BE49-F238E27FC236}">
+                  <a16:creationId xmlns:a16="http://schemas.microsoft.com/office/drawing/2014/main" id="{48EC17D7-F28E-DD98-A3DC-5CAF5AFC93D7}"/>
+                </a:ext>
+              </a:extLst>
+            </p:cNvPr>
+            <p:cNvPicPr>
+              <a:picLocks noChangeAspect="1"/>
+            </p:cNvPicPr>
+            <p:nvPr/>
+          </p:nvPicPr>
+          <p:blipFill>
+            <a:blip r:embed="rId5">
+              <a:extLst>
+                <a:ext uri="{28A0092B-C50C-407E-A947-70E740481C1C}">
+                  <a14:useLocalDpi xmlns:a14="http://schemas.microsoft.com/office/drawing/2010/main" val="0"/>
+                </a:ext>
+              </a:extLst>
+            </a:blip>
+            <a:srcRect t="12500" b="12500"/>
+            <a:stretch/>
+          </p:blipFill>
+          <p:spPr>
+            <a:xfrm>
+              <a:off x="8851791" y="4422630"/>
+              <a:ext cx="1666724" cy="1666724"/>
+            </a:xfrm>
+            <a:prstGeom prst="ellipse">
+              <a:avLst/>
+            </a:prstGeom>
+          </p:spPr>
+        </p:pic>
+        <p:cxnSp>
+          <p:nvCxnSpPr>
+            <p:cNvPr id="21" name="Conector reto 20">
+              <a:extLst>
+                <a:ext uri="{FF2B5EF4-FFF2-40B4-BE49-F238E27FC236}">
+                  <a16:creationId xmlns:a16="http://schemas.microsoft.com/office/drawing/2014/main" id="{B6C8D8BB-A8B0-962A-800C-374404102B52}"/>
+                </a:ext>
+              </a:extLst>
+            </p:cNvPr>
+            <p:cNvCxnSpPr>
+              <a:cxnSpLocks/>
+            </p:cNvCxnSpPr>
+            <p:nvPr/>
+          </p:nvCxnSpPr>
+          <p:spPr>
+            <a:xfrm flipV="1">
+              <a:off x="586854" y="4196917"/>
+              <a:ext cx="9646378" cy="6379"/>
+            </a:xfrm>
+            <a:prstGeom prst="line">
+              <a:avLst/>
+            </a:prstGeom>
+            <a:ln w="28575">
+              <a:solidFill>
                 <a:srgbClr val="1B1C1B"/>
-              </a:gs>
-            </a:gsLst>
-            <a:path path="circle">
-              <a:fillToRect l="100000" t="100000"/>
-            </a:path>
-            <a:tileRect r="-100000" b="-100000"/>
-          </a:gradFill>
-          <a:ln>
+              </a:solidFill>
+            </a:ln>
+          </p:spPr>
+          <p:style>
+            <a:lnRef idx="1">
+              <a:schemeClr val="accent1"/>
+            </a:lnRef>
+            <a:fillRef idx="0">
+              <a:schemeClr val="accent1"/>
+            </a:fillRef>
+            <a:effectRef idx="0">
+              <a:schemeClr val="accent1"/>
+            </a:effectRef>
+            <a:fontRef idx="minor">
+              <a:schemeClr val="tx1"/>
+            </a:fontRef>
+          </p:style>
+        </p:cxnSp>
+        <p:cxnSp>
+          <p:nvCxnSpPr>
+            <p:cNvPr id="40" name="Conector reto 39">
+              <a:extLst>
+                <a:ext uri="{FF2B5EF4-FFF2-40B4-BE49-F238E27FC236}">
+                  <a16:creationId xmlns:a16="http://schemas.microsoft.com/office/drawing/2014/main" id="{D7FE9FEC-355F-DB06-0BC4-027F742B5F14}"/>
+                </a:ext>
+              </a:extLst>
+            </p:cNvPr>
+            <p:cNvCxnSpPr/>
+            <p:nvPr/>
+          </p:nvCxnSpPr>
+          <p:spPr>
+            <a:xfrm>
+              <a:off x="2301915" y="4196917"/>
+              <a:ext cx="0" cy="423665"/>
+            </a:xfrm>
+            <a:prstGeom prst="line">
+              <a:avLst/>
+            </a:prstGeom>
+            <a:ln w="28575">
+              <a:solidFill>
+                <a:srgbClr val="1B1C1B"/>
+              </a:solidFill>
+            </a:ln>
+          </p:spPr>
+          <p:style>
+            <a:lnRef idx="1">
+              <a:schemeClr val="accent1"/>
+            </a:lnRef>
+            <a:fillRef idx="0">
+              <a:schemeClr val="accent1"/>
+            </a:fillRef>
+            <a:effectRef idx="0">
+              <a:schemeClr val="accent1"/>
+            </a:effectRef>
+            <a:fontRef idx="minor">
+              <a:schemeClr val="tx1"/>
+            </a:fontRef>
+          </p:style>
+        </p:cxnSp>
+        <p:cxnSp>
+          <p:nvCxnSpPr>
+            <p:cNvPr id="41" name="Conector reto 40">
+              <a:extLst>
+                <a:ext uri="{FF2B5EF4-FFF2-40B4-BE49-F238E27FC236}">
+                  <a16:creationId xmlns:a16="http://schemas.microsoft.com/office/drawing/2014/main" id="{6E5352DE-5A85-11BE-C282-86F5CA31B556}"/>
+                </a:ext>
+              </a:extLst>
+            </p:cNvPr>
+            <p:cNvCxnSpPr>
+              <a:cxnSpLocks/>
+            </p:cNvCxnSpPr>
+            <p:nvPr/>
+          </p:nvCxnSpPr>
+          <p:spPr>
+            <a:xfrm>
+              <a:off x="5983958" y="4196917"/>
+              <a:ext cx="0" cy="230529"/>
+            </a:xfrm>
+            <a:prstGeom prst="line">
+              <a:avLst/>
+            </a:prstGeom>
+            <a:ln w="28575">
+              <a:solidFill>
+                <a:srgbClr val="1B1C1B"/>
+              </a:solidFill>
+            </a:ln>
+          </p:spPr>
+          <p:style>
+            <a:lnRef idx="1">
+              <a:schemeClr val="accent1"/>
+            </a:lnRef>
+            <a:fillRef idx="0">
+              <a:schemeClr val="accent1"/>
+            </a:fillRef>
+            <a:effectRef idx="0">
+              <a:schemeClr val="accent1"/>
+            </a:effectRef>
+            <a:fontRef idx="minor">
+              <a:schemeClr val="tx1"/>
+            </a:fontRef>
+          </p:style>
+        </p:cxnSp>
+        <p:cxnSp>
+          <p:nvCxnSpPr>
+            <p:cNvPr id="42" name="Conector reto 41">
+              <a:extLst>
+                <a:ext uri="{FF2B5EF4-FFF2-40B4-BE49-F238E27FC236}">
+                  <a16:creationId xmlns:a16="http://schemas.microsoft.com/office/drawing/2014/main" id="{4262A7A2-703E-B68A-4883-979A5D0AE481}"/>
+                </a:ext>
+              </a:extLst>
+            </p:cNvPr>
+            <p:cNvCxnSpPr>
+              <a:cxnSpLocks/>
+            </p:cNvCxnSpPr>
+            <p:nvPr/>
+          </p:nvCxnSpPr>
+          <p:spPr>
+            <a:xfrm>
+              <a:off x="9666001" y="4203296"/>
+              <a:ext cx="0" cy="230529"/>
+            </a:xfrm>
+            <a:prstGeom prst="line">
+              <a:avLst/>
+            </a:prstGeom>
+            <a:ln w="28575">
+              <a:solidFill>
+                <a:srgbClr val="1B1C1B"/>
+              </a:solidFill>
+            </a:ln>
+          </p:spPr>
+          <p:style>
+            <a:lnRef idx="1">
+              <a:schemeClr val="accent1"/>
+            </a:lnRef>
+            <a:fillRef idx="0">
+              <a:schemeClr val="accent1"/>
+            </a:fillRef>
+            <a:effectRef idx="0">
+              <a:schemeClr val="accent1"/>
+            </a:effectRef>
+            <a:fontRef idx="minor">
+              <a:schemeClr val="tx1"/>
+            </a:fontRef>
+          </p:style>
+        </p:cxnSp>
+        <p:sp>
+          <p:nvSpPr>
+            <p:cNvPr id="46" name="CaixaDeTexto 45">
+              <a:extLst>
+                <a:ext uri="{FF2B5EF4-FFF2-40B4-BE49-F238E27FC236}">
+                  <a16:creationId xmlns:a16="http://schemas.microsoft.com/office/drawing/2014/main" id="{59E6559C-6BB8-1574-4A52-FFCAA4F4BF02}"/>
+                </a:ext>
+              </a:extLst>
+            </p:cNvPr>
+            <p:cNvSpPr txBox="1"/>
+            <p:nvPr/>
+          </p:nvSpPr>
+          <p:spPr>
+            <a:xfrm>
+              <a:off x="1374350" y="6212206"/>
+              <a:ext cx="1965277" cy="369332"/>
+            </a:xfrm>
+            <a:prstGeom prst="rect">
+              <a:avLst/>
+            </a:prstGeom>
             <a:noFill/>
-          </a:ln>
-        </p:spPr>
-        <p:style>
-          <a:lnRef idx="2">
-            <a:schemeClr val="accent1">
-              <a:shade val="50000"/>
-            </a:schemeClr>
-          </a:lnRef>
-          <a:fillRef idx="1">
-            <a:schemeClr val="accent1"/>
-          </a:fillRef>
-          <a:effectRef idx="0">
-            <a:schemeClr val="accent1"/>
-          </a:effectRef>
-          <a:fontRef idx="minor">
-            <a:schemeClr val="lt1"/>
-          </a:fontRef>
-        </p:style>
-        <p:txBody>
-          <a:bodyPr rtlCol="0" anchor="ctr"/>
-          <a:lstStyle/>
-          <a:p>
-            <a:pPr algn="ctr"/>
-            <a:endParaRPr lang="pt-BR"/>
-          </a:p>
-        </p:txBody>
-      </p:sp>
-      <p:pic>
-        <p:nvPicPr>
-          <p:cNvPr id="12" name="Imagem 11">
-            <a:extLst>
-              <a:ext uri="{FF2B5EF4-FFF2-40B4-BE49-F238E27FC236}">
-                <a16:creationId xmlns:a16="http://schemas.microsoft.com/office/drawing/2014/main" id="{C8329839-93E2-3BA1-48B7-1DC114B6E22F}"/>
-              </a:ext>
-            </a:extLst>
-          </p:cNvPr>
-          <p:cNvPicPr>
-            <a:picLocks noChangeAspect="1"/>
-          </p:cNvPicPr>
-          <p:nvPr/>
-        </p:nvPicPr>
-        <p:blipFill>
-          <a:blip r:embed="rId2">
-            <a:extLst>
-              <a:ext uri="{28A0092B-C50C-407E-A947-70E740481C1C}">
-                <a14:useLocalDpi xmlns:a14="http://schemas.microsoft.com/office/drawing/2010/main" val="0"/>
-              </a:ext>
-            </a:extLst>
-          </a:blip>
-          <a:srcRect t="11149" b="11149"/>
-          <a:stretch/>
-        </p:blipFill>
-        <p:spPr>
-          <a:xfrm>
-            <a:off x="1523628" y="1762276"/>
-            <a:ext cx="1666723" cy="1727714"/>
-          </a:xfrm>
-          <a:prstGeom prst="ellipse">
-            <a:avLst/>
-          </a:prstGeom>
-        </p:spPr>
-      </p:pic>
-      <p:pic>
-        <p:nvPicPr>
-          <p:cNvPr id="14" name="Imagem 13">
-            <a:extLst>
-              <a:ext uri="{FF2B5EF4-FFF2-40B4-BE49-F238E27FC236}">
-                <a16:creationId xmlns:a16="http://schemas.microsoft.com/office/drawing/2014/main" id="{D156B1CA-0E2F-D462-3CD4-3EE6BC065C08}"/>
-              </a:ext>
-            </a:extLst>
-          </p:cNvPr>
-          <p:cNvPicPr>
-            <a:picLocks noChangeAspect="1"/>
-          </p:cNvPicPr>
-          <p:nvPr/>
-        </p:nvPicPr>
-        <p:blipFill>
-          <a:blip r:embed="rId3">
-            <a:extLst>
-              <a:ext uri="{28A0092B-C50C-407E-A947-70E740481C1C}">
-                <a14:useLocalDpi xmlns:a14="http://schemas.microsoft.com/office/drawing/2010/main" val="0"/>
-              </a:ext>
-            </a:extLst>
-          </a:blip>
-          <a:srcRect l="1317" r="1317"/>
-          <a:stretch/>
-        </p:blipFill>
-        <p:spPr>
-          <a:xfrm>
-            <a:off x="8824181" y="1717185"/>
-            <a:ext cx="1666722" cy="1711815"/>
-          </a:xfrm>
-          <a:prstGeom prst="ellipse">
-            <a:avLst/>
-          </a:prstGeom>
-        </p:spPr>
-      </p:pic>
-      <p:pic>
-        <p:nvPicPr>
-          <p:cNvPr id="15" name="Imagem 14">
-            <a:extLst>
-              <a:ext uri="{FF2B5EF4-FFF2-40B4-BE49-F238E27FC236}">
-                <a16:creationId xmlns:a16="http://schemas.microsoft.com/office/drawing/2014/main" id="{00FDB3E3-2E5A-3800-6913-E67A37456D2F}"/>
-              </a:ext>
-            </a:extLst>
-          </p:cNvPr>
-          <p:cNvPicPr>
-            <a:picLocks noChangeAspect="1"/>
-          </p:cNvPicPr>
-          <p:nvPr/>
-        </p:nvPicPr>
-        <p:blipFill>
-          <a:blip r:embed="rId4">
-            <a:extLst>
-              <a:ext uri="{28A0092B-C50C-407E-A947-70E740481C1C}">
-                <a14:useLocalDpi xmlns:a14="http://schemas.microsoft.com/office/drawing/2010/main" val="0"/>
-              </a:ext>
-            </a:extLst>
-          </a:blip>
-          <a:srcRect t="759" b="759"/>
-          <a:stretch/>
-        </p:blipFill>
-        <p:spPr>
-          <a:xfrm>
-            <a:off x="1495659" y="4456689"/>
-            <a:ext cx="1612511" cy="1588028"/>
-          </a:xfrm>
-          <a:prstGeom prst="ellipse">
-            <a:avLst/>
-          </a:prstGeom>
-        </p:spPr>
-      </p:pic>
-      <p:pic>
-        <p:nvPicPr>
-          <p:cNvPr id="16" name="Imagem 15">
-            <a:extLst>
-              <a:ext uri="{FF2B5EF4-FFF2-40B4-BE49-F238E27FC236}">
-                <a16:creationId xmlns:a16="http://schemas.microsoft.com/office/drawing/2014/main" id="{9906031F-3088-EE41-C23B-05E1270AE65C}"/>
-              </a:ext>
-            </a:extLst>
-          </p:cNvPr>
-          <p:cNvPicPr>
-            <a:picLocks noChangeAspect="1"/>
-          </p:cNvPicPr>
-          <p:nvPr/>
-        </p:nvPicPr>
-        <p:blipFill>
-          <a:blip r:embed="rId5">
-            <a:extLst>
-              <a:ext uri="{28A0092B-C50C-407E-A947-70E740481C1C}">
-                <a14:useLocalDpi xmlns:a14="http://schemas.microsoft.com/office/drawing/2010/main" val="0"/>
-              </a:ext>
-            </a:extLst>
-          </a:blip>
-          <a:srcRect t="12546" b="12546"/>
-          <a:stretch/>
-        </p:blipFill>
-        <p:spPr>
-          <a:xfrm>
-            <a:off x="5237887" y="4433825"/>
-            <a:ext cx="1666724" cy="1637647"/>
-          </a:xfrm>
-          <a:prstGeom prst="ellipse">
-            <a:avLst/>
-          </a:prstGeom>
-        </p:spPr>
-      </p:pic>
-      <p:pic>
-        <p:nvPicPr>
-          <p:cNvPr id="17" name="Imagem 16">
-            <a:extLst>
-              <a:ext uri="{FF2B5EF4-FFF2-40B4-BE49-F238E27FC236}">
-                <a16:creationId xmlns:a16="http://schemas.microsoft.com/office/drawing/2014/main" id="{48EC17D7-F28E-DD98-A3DC-5CAF5AFC93D7}"/>
-              </a:ext>
-            </a:extLst>
-          </p:cNvPr>
-          <p:cNvPicPr>
-            <a:picLocks noChangeAspect="1"/>
-          </p:cNvPicPr>
-          <p:nvPr/>
-        </p:nvPicPr>
-        <p:blipFill>
-          <a:blip r:embed="rId6">
-            <a:extLst>
-              <a:ext uri="{28A0092B-C50C-407E-A947-70E740481C1C}">
-                <a14:useLocalDpi xmlns:a14="http://schemas.microsoft.com/office/drawing/2010/main" val="0"/>
-              </a:ext>
-            </a:extLst>
-          </a:blip>
-          <a:srcRect t="12500" b="12500"/>
-          <a:stretch/>
-        </p:blipFill>
-        <p:spPr>
-          <a:xfrm>
-            <a:off x="8851791" y="4422630"/>
-            <a:ext cx="1666724" cy="1666724"/>
-          </a:xfrm>
-          <a:prstGeom prst="ellipse">
-            <a:avLst/>
-          </a:prstGeom>
-        </p:spPr>
-      </p:pic>
-      <p:cxnSp>
-        <p:nvCxnSpPr>
-          <p:cNvPr id="19" name="Conector reto 18">
-            <a:extLst>
-              <a:ext uri="{FF2B5EF4-FFF2-40B4-BE49-F238E27FC236}">
-                <a16:creationId xmlns:a16="http://schemas.microsoft.com/office/drawing/2014/main" id="{8D926C05-BA68-C193-CD13-CE6EA36FE635}"/>
-              </a:ext>
-            </a:extLst>
-          </p:cNvPr>
-          <p:cNvCxnSpPr>
-            <a:cxnSpLocks/>
-          </p:cNvCxnSpPr>
-          <p:nvPr/>
-        </p:nvCxnSpPr>
-        <p:spPr>
-          <a:xfrm>
-            <a:off x="1323833" y="3665072"/>
-            <a:ext cx="10280731" cy="0"/>
-          </a:xfrm>
-          <a:prstGeom prst="line">
-            <a:avLst/>
-          </a:prstGeom>
-          <a:ln w="28575">
-            <a:solidFill>
-              <a:srgbClr val="1B1C1B"/>
-            </a:solidFill>
-          </a:ln>
-        </p:spPr>
-        <p:style>
-          <a:lnRef idx="1">
-            <a:schemeClr val="accent1"/>
-          </a:lnRef>
-          <a:fillRef idx="0">
-            <a:schemeClr val="accent1"/>
-          </a:fillRef>
-          <a:effectRef idx="0">
-            <a:schemeClr val="accent1"/>
-          </a:effectRef>
-          <a:fontRef idx="minor">
-            <a:schemeClr val="tx1"/>
-          </a:fontRef>
-        </p:style>
-      </p:cxnSp>
-      <p:cxnSp>
-        <p:nvCxnSpPr>
-          <p:cNvPr id="21" name="Conector reto 20">
-            <a:extLst>
-              <a:ext uri="{FF2B5EF4-FFF2-40B4-BE49-F238E27FC236}">
-                <a16:creationId xmlns:a16="http://schemas.microsoft.com/office/drawing/2014/main" id="{B6C8D8BB-A8B0-962A-800C-374404102B52}"/>
-              </a:ext>
-            </a:extLst>
-          </p:cNvPr>
-          <p:cNvCxnSpPr>
-            <a:cxnSpLocks/>
-          </p:cNvCxnSpPr>
-          <p:nvPr/>
-        </p:nvCxnSpPr>
-        <p:spPr>
-          <a:xfrm flipV="1">
-            <a:off x="586854" y="4196917"/>
-            <a:ext cx="9646378" cy="6379"/>
-          </a:xfrm>
-          <a:prstGeom prst="line">
-            <a:avLst/>
-          </a:prstGeom>
-          <a:ln w="28575">
-            <a:solidFill>
-              <a:srgbClr val="1B1C1B"/>
-            </a:solidFill>
-          </a:ln>
-        </p:spPr>
-        <p:style>
-          <a:lnRef idx="1">
-            <a:schemeClr val="accent1"/>
-          </a:lnRef>
-          <a:fillRef idx="0">
-            <a:schemeClr val="accent1"/>
-          </a:fillRef>
-          <a:effectRef idx="0">
-            <a:schemeClr val="accent1"/>
-          </a:effectRef>
-          <a:fontRef idx="minor">
-            <a:schemeClr val="tx1"/>
-          </a:fontRef>
-        </p:style>
-      </p:cxnSp>
-      <p:cxnSp>
-        <p:nvCxnSpPr>
-          <p:cNvPr id="24" name="Conector reto 23">
-            <a:extLst>
-              <a:ext uri="{FF2B5EF4-FFF2-40B4-BE49-F238E27FC236}">
-                <a16:creationId xmlns:a16="http://schemas.microsoft.com/office/drawing/2014/main" id="{7B9E7443-AF73-4902-98F4-790BFBFFFA4C}"/>
-              </a:ext>
-            </a:extLst>
-          </p:cNvPr>
-          <p:cNvCxnSpPr>
-            <a:cxnSpLocks/>
-            <a:stCxn id="12" idx="4"/>
-          </p:cNvCxnSpPr>
-          <p:nvPr/>
-        </p:nvCxnSpPr>
-        <p:spPr>
-          <a:xfrm>
-            <a:off x="2356990" y="3489990"/>
-            <a:ext cx="0" cy="169539"/>
-          </a:xfrm>
-          <a:prstGeom prst="line">
-            <a:avLst/>
-          </a:prstGeom>
-          <a:ln w="28575">
-            <a:solidFill>
-              <a:srgbClr val="1B1C1B"/>
-            </a:solidFill>
-          </a:ln>
-        </p:spPr>
-        <p:style>
-          <a:lnRef idx="1">
-            <a:schemeClr val="accent1"/>
-          </a:lnRef>
-          <a:fillRef idx="0">
-            <a:schemeClr val="accent1"/>
-          </a:fillRef>
-          <a:effectRef idx="0">
-            <a:schemeClr val="accent1"/>
-          </a:effectRef>
-          <a:fontRef idx="minor">
-            <a:schemeClr val="tx1"/>
-          </a:fontRef>
-        </p:style>
-      </p:cxnSp>
-      <p:cxnSp>
-        <p:nvCxnSpPr>
-          <p:cNvPr id="25" name="Conector reto 24">
-            <a:extLst>
-              <a:ext uri="{FF2B5EF4-FFF2-40B4-BE49-F238E27FC236}">
-                <a16:creationId xmlns:a16="http://schemas.microsoft.com/office/drawing/2014/main" id="{CE8595B8-3E6A-A48F-A045-A33DE9F6CCC4}"/>
-              </a:ext>
-            </a:extLst>
-          </p:cNvPr>
-          <p:cNvCxnSpPr>
-            <a:cxnSpLocks/>
-          </p:cNvCxnSpPr>
-          <p:nvPr/>
-        </p:nvCxnSpPr>
-        <p:spPr>
-          <a:xfrm>
-            <a:off x="5983958" y="3429000"/>
-            <a:ext cx="0" cy="230529"/>
-          </a:xfrm>
-          <a:prstGeom prst="line">
-            <a:avLst/>
-          </a:prstGeom>
-          <a:ln w="28575">
-            <a:solidFill>
-              <a:srgbClr val="1B1C1B"/>
-            </a:solidFill>
-          </a:ln>
-        </p:spPr>
-        <p:style>
-          <a:lnRef idx="1">
-            <a:schemeClr val="accent1"/>
-          </a:lnRef>
-          <a:fillRef idx="0">
-            <a:schemeClr val="accent1"/>
-          </a:fillRef>
-          <a:effectRef idx="0">
-            <a:schemeClr val="accent1"/>
-          </a:effectRef>
-          <a:fontRef idx="minor">
-            <a:schemeClr val="tx1"/>
-          </a:fontRef>
-        </p:style>
-      </p:cxnSp>
-      <p:cxnSp>
-        <p:nvCxnSpPr>
-          <p:cNvPr id="27" name="Conector reto 26">
-            <a:extLst>
-              <a:ext uri="{FF2B5EF4-FFF2-40B4-BE49-F238E27FC236}">
-                <a16:creationId xmlns:a16="http://schemas.microsoft.com/office/drawing/2014/main" id="{61CEE922-59EB-4C38-6F8F-23D8BF32A1E0}"/>
-              </a:ext>
-            </a:extLst>
-          </p:cNvPr>
-          <p:cNvCxnSpPr>
-            <a:cxnSpLocks/>
-            <a:stCxn id="14" idx="4"/>
-          </p:cNvCxnSpPr>
-          <p:nvPr/>
-        </p:nvCxnSpPr>
-        <p:spPr>
-          <a:xfrm>
-            <a:off x="9657542" y="3429000"/>
-            <a:ext cx="8459" cy="230529"/>
-          </a:xfrm>
-          <a:prstGeom prst="line">
-            <a:avLst/>
-          </a:prstGeom>
-          <a:ln w="28575">
-            <a:solidFill>
-              <a:srgbClr val="1B1C1B"/>
-            </a:solidFill>
-          </a:ln>
-        </p:spPr>
-        <p:style>
-          <a:lnRef idx="1">
-            <a:schemeClr val="accent1"/>
-          </a:lnRef>
-          <a:fillRef idx="0">
-            <a:schemeClr val="accent1"/>
-          </a:fillRef>
-          <a:effectRef idx="0">
-            <a:schemeClr val="accent1"/>
-          </a:effectRef>
-          <a:fontRef idx="minor">
-            <a:schemeClr val="tx1"/>
-          </a:fontRef>
-        </p:style>
-      </p:cxnSp>
-      <p:cxnSp>
-        <p:nvCxnSpPr>
-          <p:cNvPr id="40" name="Conector reto 39">
-            <a:extLst>
-              <a:ext uri="{FF2B5EF4-FFF2-40B4-BE49-F238E27FC236}">
-                <a16:creationId xmlns:a16="http://schemas.microsoft.com/office/drawing/2014/main" id="{D7FE9FEC-355F-DB06-0BC4-027F742B5F14}"/>
-              </a:ext>
-            </a:extLst>
-          </p:cNvPr>
-          <p:cNvCxnSpPr/>
-          <p:nvPr/>
-        </p:nvCxnSpPr>
-        <p:spPr>
-          <a:xfrm>
-            <a:off x="2301915" y="4196917"/>
-            <a:ext cx="0" cy="423665"/>
-          </a:xfrm>
-          <a:prstGeom prst="line">
-            <a:avLst/>
-          </a:prstGeom>
-          <a:ln w="28575">
-            <a:solidFill>
-              <a:srgbClr val="1B1C1B"/>
-            </a:solidFill>
-          </a:ln>
-        </p:spPr>
-        <p:style>
-          <a:lnRef idx="1">
-            <a:schemeClr val="accent1"/>
-          </a:lnRef>
-          <a:fillRef idx="0">
-            <a:schemeClr val="accent1"/>
-          </a:fillRef>
-          <a:effectRef idx="0">
-            <a:schemeClr val="accent1"/>
-          </a:effectRef>
-          <a:fontRef idx="minor">
-            <a:schemeClr val="tx1"/>
-          </a:fontRef>
-        </p:style>
-      </p:cxnSp>
-      <p:cxnSp>
-        <p:nvCxnSpPr>
-          <p:cNvPr id="41" name="Conector reto 40">
-            <a:extLst>
-              <a:ext uri="{FF2B5EF4-FFF2-40B4-BE49-F238E27FC236}">
-                <a16:creationId xmlns:a16="http://schemas.microsoft.com/office/drawing/2014/main" id="{6E5352DE-5A85-11BE-C282-86F5CA31B556}"/>
-              </a:ext>
-            </a:extLst>
-          </p:cNvPr>
-          <p:cNvCxnSpPr>
-            <a:cxnSpLocks/>
-          </p:cNvCxnSpPr>
-          <p:nvPr/>
-        </p:nvCxnSpPr>
-        <p:spPr>
-          <a:xfrm>
-            <a:off x="5983958" y="4196917"/>
-            <a:ext cx="0" cy="230529"/>
-          </a:xfrm>
-          <a:prstGeom prst="line">
-            <a:avLst/>
-          </a:prstGeom>
-          <a:ln w="28575">
-            <a:solidFill>
-              <a:srgbClr val="1B1C1B"/>
-            </a:solidFill>
-          </a:ln>
-        </p:spPr>
-        <p:style>
-          <a:lnRef idx="1">
-            <a:schemeClr val="accent1"/>
-          </a:lnRef>
-          <a:fillRef idx="0">
-            <a:schemeClr val="accent1"/>
-          </a:fillRef>
-          <a:effectRef idx="0">
-            <a:schemeClr val="accent1"/>
-          </a:effectRef>
-          <a:fontRef idx="minor">
-            <a:schemeClr val="tx1"/>
-          </a:fontRef>
-        </p:style>
-      </p:cxnSp>
-      <p:cxnSp>
-        <p:nvCxnSpPr>
-          <p:cNvPr id="42" name="Conector reto 41">
-            <a:extLst>
-              <a:ext uri="{FF2B5EF4-FFF2-40B4-BE49-F238E27FC236}">
-                <a16:creationId xmlns:a16="http://schemas.microsoft.com/office/drawing/2014/main" id="{4262A7A2-703E-B68A-4883-979A5D0AE481}"/>
-              </a:ext>
-            </a:extLst>
-          </p:cNvPr>
-          <p:cNvCxnSpPr>
-            <a:cxnSpLocks/>
-          </p:cNvCxnSpPr>
-          <p:nvPr/>
-        </p:nvCxnSpPr>
-        <p:spPr>
-          <a:xfrm>
-            <a:off x="9666001" y="4203296"/>
-            <a:ext cx="0" cy="230529"/>
-          </a:xfrm>
-          <a:prstGeom prst="line">
-            <a:avLst/>
-          </a:prstGeom>
-          <a:ln w="28575">
-            <a:solidFill>
-              <a:srgbClr val="1B1C1B"/>
-            </a:solidFill>
-          </a:ln>
-        </p:spPr>
-        <p:style>
-          <a:lnRef idx="1">
-            <a:schemeClr val="accent1"/>
-          </a:lnRef>
-          <a:fillRef idx="0">
-            <a:schemeClr val="accent1"/>
-          </a:fillRef>
-          <a:effectRef idx="0">
-            <a:schemeClr val="accent1"/>
-          </a:effectRef>
-          <a:fontRef idx="minor">
-            <a:schemeClr val="tx1"/>
-          </a:fontRef>
-        </p:style>
-      </p:cxnSp>
-      <p:sp>
-        <p:nvSpPr>
-          <p:cNvPr id="43" name="CaixaDeTexto 42">
-            <a:extLst>
-              <a:ext uri="{FF2B5EF4-FFF2-40B4-BE49-F238E27FC236}">
-                <a16:creationId xmlns:a16="http://schemas.microsoft.com/office/drawing/2014/main" id="{076156DC-34D0-133E-A41C-0D750E2842D2}"/>
-              </a:ext>
-            </a:extLst>
-          </p:cNvPr>
-          <p:cNvSpPr txBox="1"/>
-          <p:nvPr/>
-        </p:nvSpPr>
-        <p:spPr>
-          <a:xfrm>
-            <a:off x="1117673" y="1292465"/>
-            <a:ext cx="2478629" cy="369332"/>
-          </a:xfrm>
-          <a:prstGeom prst="rect">
-            <a:avLst/>
-          </a:prstGeom>
-          <a:noFill/>
-        </p:spPr>
-        <p:txBody>
-          <a:bodyPr wrap="square" rtlCol="0">
-            <a:spAutoFit/>
-          </a:bodyPr>
-          <a:lstStyle/>
-          <a:p>
-            <a:pPr algn="ctr"/>
-            <a:r>
-              <a:rPr lang="pt-BR" dirty="0" err="1">
-                <a:solidFill>
-                  <a:srgbClr val="1B1C1B"/>
-                </a:solidFill>
-                <a:latin typeface="Abadi" panose="020B0604020104020204" pitchFamily="34" charset="0"/>
-              </a:rPr>
-              <a:t>Agda</a:t>
-            </a:r>
-            <a:r>
-              <a:rPr lang="pt-BR" dirty="0">
-                <a:solidFill>
-                  <a:srgbClr val="1B1C1B"/>
-                </a:solidFill>
-                <a:latin typeface="Abadi" panose="020B0604020104020204" pitchFamily="34" charset="0"/>
-              </a:rPr>
-              <a:t> </a:t>
-            </a:r>
-            <a:r>
-              <a:rPr lang="pt-BR" dirty="0">
+          </p:spPr>
+          <p:txBody>
+            <a:bodyPr wrap="square" rtlCol="0">
+              <a:spAutoFit/>
+            </a:bodyPr>
+            <a:lstStyle/>
+            <a:p>
+              <a:pPr algn="ctr"/>
+              <a:r>
+                <a:rPr lang="pt-BR" dirty="0">
+                  <a:solidFill>
+                    <a:srgbClr val="1B1C1B"/>
+                  </a:solidFill>
+                  <a:latin typeface="Abadi" panose="020B0604020104020204" pitchFamily="34" charset="0"/>
+                </a:rPr>
+                <a:t>Gabriel </a:t>
+              </a:r>
+              <a:r>
+                <a:rPr lang="pt-BR" dirty="0" err="1">
+                  <a:solidFill>
+                    <a:srgbClr val="009E35"/>
+                  </a:solidFill>
+                  <a:latin typeface="Abadi" panose="020B0604020104020204" pitchFamily="34" charset="0"/>
+                </a:rPr>
+                <a:t>Yuuzu</a:t>
+              </a:r>
+              <a:endParaRPr lang="pt-BR" dirty="0">
                 <a:solidFill>
                   <a:srgbClr val="009E35"/>
                 </a:solidFill>
                 <a:latin typeface="Abadi" panose="020B0604020104020204" pitchFamily="34" charset="0"/>
-              </a:rPr>
-              <a:t>Taniguchi </a:t>
-            </a:r>
-          </a:p>
-        </p:txBody>
-      </p:sp>
-      <p:sp>
-        <p:nvSpPr>
-          <p:cNvPr id="44" name="CaixaDeTexto 43">
-            <a:extLst>
-              <a:ext uri="{FF2B5EF4-FFF2-40B4-BE49-F238E27FC236}">
-                <a16:creationId xmlns:a16="http://schemas.microsoft.com/office/drawing/2014/main" id="{D64714EA-69B1-1EAD-AD89-6959DE56CB33}"/>
-              </a:ext>
-            </a:extLst>
-          </p:cNvPr>
-          <p:cNvSpPr txBox="1"/>
+              </a:endParaRPr>
+            </a:p>
+          </p:txBody>
+        </p:sp>
+        <p:sp>
+          <p:nvSpPr>
+            <p:cNvPr id="47" name="CaixaDeTexto 46">
+              <a:extLst>
+                <a:ext uri="{FF2B5EF4-FFF2-40B4-BE49-F238E27FC236}">
+                  <a16:creationId xmlns:a16="http://schemas.microsoft.com/office/drawing/2014/main" id="{CA9FD742-89CE-AEAA-3F7C-91A880BDC213}"/>
+                </a:ext>
+              </a:extLst>
+            </p:cNvPr>
+            <p:cNvSpPr txBox="1"/>
+            <p:nvPr/>
+          </p:nvSpPr>
+          <p:spPr>
+            <a:xfrm>
+              <a:off x="4814685" y="6213735"/>
+              <a:ext cx="2359148" cy="369332"/>
+            </a:xfrm>
+            <a:prstGeom prst="rect">
+              <a:avLst/>
+            </a:prstGeom>
+            <a:noFill/>
+          </p:spPr>
+          <p:txBody>
+            <a:bodyPr wrap="square" rtlCol="0">
+              <a:spAutoFit/>
+            </a:bodyPr>
+            <a:lstStyle/>
+            <a:p>
+              <a:pPr algn="ctr"/>
+              <a:r>
+                <a:rPr lang="pt-BR" dirty="0">
+                  <a:solidFill>
+                    <a:srgbClr val="1B1C1B"/>
+                  </a:solidFill>
+                  <a:latin typeface="Abadi" panose="020B0604020104020204" pitchFamily="34" charset="0"/>
+                </a:rPr>
+                <a:t>Guilherme </a:t>
+              </a:r>
+              <a:r>
+                <a:rPr lang="pt-BR" dirty="0">
+                  <a:solidFill>
+                    <a:srgbClr val="009E35"/>
+                  </a:solidFill>
+                  <a:latin typeface="Abadi" panose="020B0604020104020204" pitchFamily="34" charset="0"/>
+                </a:rPr>
+                <a:t>Alves</a:t>
+              </a:r>
+            </a:p>
+          </p:txBody>
+        </p:sp>
+        <p:sp>
+          <p:nvSpPr>
+            <p:cNvPr id="48" name="CaixaDeTexto 47">
+              <a:extLst>
+                <a:ext uri="{FF2B5EF4-FFF2-40B4-BE49-F238E27FC236}">
+                  <a16:creationId xmlns:a16="http://schemas.microsoft.com/office/drawing/2014/main" id="{E38F8087-D732-972F-DC9B-E28004663AC3}"/>
+                </a:ext>
+              </a:extLst>
+            </p:cNvPr>
+            <p:cNvSpPr txBox="1"/>
+            <p:nvPr/>
+          </p:nvSpPr>
+          <p:spPr>
+            <a:xfrm>
+              <a:off x="8683362" y="6212206"/>
+              <a:ext cx="1965277" cy="369332"/>
+            </a:xfrm>
+            <a:prstGeom prst="rect">
+              <a:avLst/>
+            </a:prstGeom>
+            <a:noFill/>
+          </p:spPr>
+          <p:txBody>
+            <a:bodyPr wrap="square" rtlCol="0">
+              <a:spAutoFit/>
+            </a:bodyPr>
+            <a:lstStyle/>
+            <a:p>
+              <a:pPr algn="ctr"/>
+              <a:r>
+                <a:rPr lang="pt-BR" dirty="0">
+                  <a:solidFill>
+                    <a:srgbClr val="1B1C1B"/>
+                  </a:solidFill>
+                  <a:latin typeface="Abadi" panose="020B0604020104020204" pitchFamily="34" charset="0"/>
+                </a:rPr>
+                <a:t>Ivan </a:t>
+              </a:r>
+              <a:r>
+                <a:rPr lang="pt-BR" dirty="0">
+                  <a:solidFill>
+                    <a:srgbClr val="009E35"/>
+                  </a:solidFill>
+                  <a:latin typeface="Abadi" panose="020B0604020104020204" pitchFamily="34" charset="0"/>
+                </a:rPr>
+                <a:t>Freire </a:t>
+              </a:r>
+            </a:p>
+          </p:txBody>
+        </p:sp>
+      </p:grpSp>
+      <p:grpSp>
+        <p:nvGrpSpPr>
+          <p:cNvPr id="5" name="Agrupar 4">
+            <a:extLst>
+              <a:ext uri="{FF2B5EF4-FFF2-40B4-BE49-F238E27FC236}">
+                <a16:creationId xmlns:a16="http://schemas.microsoft.com/office/drawing/2014/main" id="{ECBE18D4-3F14-83CE-1D4F-2138952999F0}"/>
+              </a:ext>
+            </a:extLst>
+          </p:cNvPr>
+          <p:cNvGrpSpPr/>
           <p:nvPr/>
-        </p:nvSpPr>
-        <p:spPr>
+        </p:nvGrpSpPr>
+        <p:grpSpPr>
           <a:xfrm>
-            <a:off x="4988254" y="1270925"/>
-            <a:ext cx="1965277" cy="369332"/>
+            <a:off x="12191418" y="1270925"/>
+            <a:ext cx="10486891" cy="2394147"/>
+            <a:chOff x="1117673" y="1270925"/>
+            <a:chExt cx="10486891" cy="2394147"/>
           </a:xfrm>
-          <a:prstGeom prst="rect">
-            <a:avLst/>
-          </a:prstGeom>
-          <a:noFill/>
-        </p:spPr>
-        <p:txBody>
-          <a:bodyPr wrap="square" rtlCol="0">
-            <a:spAutoFit/>
-          </a:bodyPr>
-          <a:lstStyle/>
-          <a:p>
-            <a:pPr algn="ctr"/>
-            <a:r>
-              <a:rPr lang="pt-BR" dirty="0">
+        </p:grpSpPr>
+        <p:pic>
+          <p:nvPicPr>
+            <p:cNvPr id="12" name="Imagem 11">
+              <a:extLst>
+                <a:ext uri="{FF2B5EF4-FFF2-40B4-BE49-F238E27FC236}">
+                  <a16:creationId xmlns:a16="http://schemas.microsoft.com/office/drawing/2014/main" id="{C8329839-93E2-3BA1-48B7-1DC114B6E22F}"/>
+                </a:ext>
+              </a:extLst>
+            </p:cNvPr>
+            <p:cNvPicPr>
+              <a:picLocks noChangeAspect="1"/>
+            </p:cNvPicPr>
+            <p:nvPr/>
+          </p:nvPicPr>
+          <p:blipFill>
+            <a:blip r:embed="rId6">
+              <a:extLst>
+                <a:ext uri="{28A0092B-C50C-407E-A947-70E740481C1C}">
+                  <a14:useLocalDpi xmlns:a14="http://schemas.microsoft.com/office/drawing/2010/main" val="0"/>
+                </a:ext>
+              </a:extLst>
+            </a:blip>
+            <a:srcRect t="11149" b="11149"/>
+            <a:stretch/>
+          </p:blipFill>
+          <p:spPr>
+            <a:xfrm>
+              <a:off x="1523628" y="1762276"/>
+              <a:ext cx="1666723" cy="1727714"/>
+            </a:xfrm>
+            <a:prstGeom prst="ellipse">
+              <a:avLst/>
+            </a:prstGeom>
+          </p:spPr>
+        </p:pic>
+        <p:pic>
+          <p:nvPicPr>
+            <p:cNvPr id="14" name="Imagem 13">
+              <a:extLst>
+                <a:ext uri="{FF2B5EF4-FFF2-40B4-BE49-F238E27FC236}">
+                  <a16:creationId xmlns:a16="http://schemas.microsoft.com/office/drawing/2014/main" id="{D156B1CA-0E2F-D462-3CD4-3EE6BC065C08}"/>
+                </a:ext>
+              </a:extLst>
+            </p:cNvPr>
+            <p:cNvPicPr>
+              <a:picLocks noChangeAspect="1"/>
+            </p:cNvPicPr>
+            <p:nvPr/>
+          </p:nvPicPr>
+          <p:blipFill>
+            <a:blip r:embed="rId7">
+              <a:extLst>
+                <a:ext uri="{28A0092B-C50C-407E-A947-70E740481C1C}">
+                  <a14:useLocalDpi xmlns:a14="http://schemas.microsoft.com/office/drawing/2010/main" val="0"/>
+                </a:ext>
+              </a:extLst>
+            </a:blip>
+            <a:srcRect l="1317" r="1317"/>
+            <a:stretch/>
+          </p:blipFill>
+          <p:spPr>
+            <a:xfrm>
+              <a:off x="8824181" y="1717185"/>
+              <a:ext cx="1666722" cy="1711815"/>
+            </a:xfrm>
+            <a:prstGeom prst="ellipse">
+              <a:avLst/>
+            </a:prstGeom>
+          </p:spPr>
+        </p:pic>
+        <p:cxnSp>
+          <p:nvCxnSpPr>
+            <p:cNvPr id="19" name="Conector reto 18">
+              <a:extLst>
+                <a:ext uri="{FF2B5EF4-FFF2-40B4-BE49-F238E27FC236}">
+                  <a16:creationId xmlns:a16="http://schemas.microsoft.com/office/drawing/2014/main" id="{8D926C05-BA68-C193-CD13-CE6EA36FE635}"/>
+                </a:ext>
+              </a:extLst>
+            </p:cNvPr>
+            <p:cNvCxnSpPr>
+              <a:cxnSpLocks/>
+            </p:cNvCxnSpPr>
+            <p:nvPr/>
+          </p:nvCxnSpPr>
+          <p:spPr>
+            <a:xfrm>
+              <a:off x="1323833" y="3665072"/>
+              <a:ext cx="10280731" cy="0"/>
+            </a:xfrm>
+            <a:prstGeom prst="line">
+              <a:avLst/>
+            </a:prstGeom>
+            <a:ln w="28575">
+              <a:solidFill>
+                <a:srgbClr val="1B1C1B"/>
+              </a:solidFill>
+            </a:ln>
+          </p:spPr>
+          <p:style>
+            <a:lnRef idx="1">
+              <a:schemeClr val="accent1"/>
+            </a:lnRef>
+            <a:fillRef idx="0">
+              <a:schemeClr val="accent1"/>
+            </a:fillRef>
+            <a:effectRef idx="0">
+              <a:schemeClr val="accent1"/>
+            </a:effectRef>
+            <a:fontRef idx="minor">
+              <a:schemeClr val="tx1"/>
+            </a:fontRef>
+          </p:style>
+        </p:cxnSp>
+        <p:cxnSp>
+          <p:nvCxnSpPr>
+            <p:cNvPr id="24" name="Conector reto 23">
+              <a:extLst>
+                <a:ext uri="{FF2B5EF4-FFF2-40B4-BE49-F238E27FC236}">
+                  <a16:creationId xmlns:a16="http://schemas.microsoft.com/office/drawing/2014/main" id="{7B9E7443-AF73-4902-98F4-790BFBFFFA4C}"/>
+                </a:ext>
+              </a:extLst>
+            </p:cNvPr>
+            <p:cNvCxnSpPr>
+              <a:cxnSpLocks/>
+              <a:stCxn id="12" idx="4"/>
+            </p:cNvCxnSpPr>
+            <p:nvPr/>
+          </p:nvCxnSpPr>
+          <p:spPr>
+            <a:xfrm>
+              <a:off x="2356990" y="3489990"/>
+              <a:ext cx="0" cy="169539"/>
+            </a:xfrm>
+            <a:prstGeom prst="line">
+              <a:avLst/>
+            </a:prstGeom>
+            <a:ln w="28575">
+              <a:solidFill>
+                <a:srgbClr val="1B1C1B"/>
+              </a:solidFill>
+            </a:ln>
+          </p:spPr>
+          <p:style>
+            <a:lnRef idx="1">
+              <a:schemeClr val="accent1"/>
+            </a:lnRef>
+            <a:fillRef idx="0">
+              <a:schemeClr val="accent1"/>
+            </a:fillRef>
+            <a:effectRef idx="0">
+              <a:schemeClr val="accent1"/>
+            </a:effectRef>
+            <a:fontRef idx="minor">
+              <a:schemeClr val="tx1"/>
+            </a:fontRef>
+          </p:style>
+        </p:cxnSp>
+        <p:cxnSp>
+          <p:nvCxnSpPr>
+            <p:cNvPr id="25" name="Conector reto 24">
+              <a:extLst>
+                <a:ext uri="{FF2B5EF4-FFF2-40B4-BE49-F238E27FC236}">
+                  <a16:creationId xmlns:a16="http://schemas.microsoft.com/office/drawing/2014/main" id="{CE8595B8-3E6A-A48F-A045-A33DE9F6CCC4}"/>
+                </a:ext>
+              </a:extLst>
+            </p:cNvPr>
+            <p:cNvCxnSpPr>
+              <a:cxnSpLocks/>
+            </p:cNvCxnSpPr>
+            <p:nvPr/>
+          </p:nvCxnSpPr>
+          <p:spPr>
+            <a:xfrm>
+              <a:off x="5983958" y="3429000"/>
+              <a:ext cx="0" cy="230529"/>
+            </a:xfrm>
+            <a:prstGeom prst="line">
+              <a:avLst/>
+            </a:prstGeom>
+            <a:ln w="28575">
+              <a:solidFill>
+                <a:srgbClr val="1B1C1B"/>
+              </a:solidFill>
+            </a:ln>
+          </p:spPr>
+          <p:style>
+            <a:lnRef idx="1">
+              <a:schemeClr val="accent1"/>
+            </a:lnRef>
+            <a:fillRef idx="0">
+              <a:schemeClr val="accent1"/>
+            </a:fillRef>
+            <a:effectRef idx="0">
+              <a:schemeClr val="accent1"/>
+            </a:effectRef>
+            <a:fontRef idx="minor">
+              <a:schemeClr val="tx1"/>
+            </a:fontRef>
+          </p:style>
+        </p:cxnSp>
+        <p:cxnSp>
+          <p:nvCxnSpPr>
+            <p:cNvPr id="27" name="Conector reto 26">
+              <a:extLst>
+                <a:ext uri="{FF2B5EF4-FFF2-40B4-BE49-F238E27FC236}">
+                  <a16:creationId xmlns:a16="http://schemas.microsoft.com/office/drawing/2014/main" id="{61CEE922-59EB-4C38-6F8F-23D8BF32A1E0}"/>
+                </a:ext>
+              </a:extLst>
+            </p:cNvPr>
+            <p:cNvCxnSpPr>
+              <a:cxnSpLocks/>
+              <a:stCxn id="14" idx="4"/>
+            </p:cNvCxnSpPr>
+            <p:nvPr/>
+          </p:nvCxnSpPr>
+          <p:spPr>
+            <a:xfrm>
+              <a:off x="9657542" y="3429000"/>
+              <a:ext cx="8459" cy="230529"/>
+            </a:xfrm>
+            <a:prstGeom prst="line">
+              <a:avLst/>
+            </a:prstGeom>
+            <a:ln w="28575">
+              <a:solidFill>
+                <a:srgbClr val="1B1C1B"/>
+              </a:solidFill>
+            </a:ln>
+          </p:spPr>
+          <p:style>
+            <a:lnRef idx="1">
+              <a:schemeClr val="accent1"/>
+            </a:lnRef>
+            <a:fillRef idx="0">
+              <a:schemeClr val="accent1"/>
+            </a:fillRef>
+            <a:effectRef idx="0">
+              <a:schemeClr val="accent1"/>
+            </a:effectRef>
+            <a:fontRef idx="minor">
+              <a:schemeClr val="tx1"/>
+            </a:fontRef>
+          </p:style>
+        </p:cxnSp>
+        <p:sp>
+          <p:nvSpPr>
+            <p:cNvPr id="43" name="CaixaDeTexto 42">
+              <a:extLst>
+                <a:ext uri="{FF2B5EF4-FFF2-40B4-BE49-F238E27FC236}">
+                  <a16:creationId xmlns:a16="http://schemas.microsoft.com/office/drawing/2014/main" id="{076156DC-34D0-133E-A41C-0D750E2842D2}"/>
+                </a:ext>
+              </a:extLst>
+            </p:cNvPr>
+            <p:cNvSpPr txBox="1"/>
+            <p:nvPr/>
+          </p:nvSpPr>
+          <p:spPr>
+            <a:xfrm>
+              <a:off x="1117673" y="1292465"/>
+              <a:ext cx="2478629" cy="369332"/>
+            </a:xfrm>
+            <a:prstGeom prst="rect">
+              <a:avLst/>
+            </a:prstGeom>
+            <a:noFill/>
+          </p:spPr>
+          <p:txBody>
+            <a:bodyPr wrap="square" rtlCol="0">
+              <a:spAutoFit/>
+            </a:bodyPr>
+            <a:lstStyle/>
+            <a:p>
+              <a:pPr algn="ctr"/>
+              <a:r>
+                <a:rPr lang="pt-BR" dirty="0" err="1">
+                  <a:solidFill>
+                    <a:srgbClr val="1B1C1B"/>
+                  </a:solidFill>
+                  <a:latin typeface="Abadi" panose="020B0604020104020204" pitchFamily="34" charset="0"/>
+                </a:rPr>
+                <a:t>Agda</a:t>
+              </a:r>
+              <a:r>
+                <a:rPr lang="pt-BR" dirty="0">
+                  <a:solidFill>
+                    <a:srgbClr val="1B1C1B"/>
+                  </a:solidFill>
+                  <a:latin typeface="Abadi" panose="020B0604020104020204" pitchFamily="34" charset="0"/>
+                </a:rPr>
+                <a:t> </a:t>
+              </a:r>
+              <a:r>
+                <a:rPr lang="pt-BR" dirty="0">
+                  <a:solidFill>
+                    <a:srgbClr val="009E35"/>
+                  </a:solidFill>
+                  <a:latin typeface="Abadi" panose="020B0604020104020204" pitchFamily="34" charset="0"/>
+                </a:rPr>
+                <a:t>Taniguchi </a:t>
+              </a:r>
+            </a:p>
+          </p:txBody>
+        </p:sp>
+        <p:sp>
+          <p:nvSpPr>
+            <p:cNvPr id="44" name="CaixaDeTexto 43">
+              <a:extLst>
+                <a:ext uri="{FF2B5EF4-FFF2-40B4-BE49-F238E27FC236}">
+                  <a16:creationId xmlns:a16="http://schemas.microsoft.com/office/drawing/2014/main" id="{D64714EA-69B1-1EAD-AD89-6959DE56CB33}"/>
+                </a:ext>
+              </a:extLst>
+            </p:cNvPr>
+            <p:cNvSpPr txBox="1"/>
+            <p:nvPr/>
+          </p:nvSpPr>
+          <p:spPr>
+            <a:xfrm>
+              <a:off x="4988254" y="1270925"/>
+              <a:ext cx="1965277" cy="369332"/>
+            </a:xfrm>
+            <a:prstGeom prst="rect">
+              <a:avLst/>
+            </a:prstGeom>
+            <a:noFill/>
+          </p:spPr>
+          <p:txBody>
+            <a:bodyPr wrap="square" rtlCol="0">
+              <a:spAutoFit/>
+            </a:bodyPr>
+            <a:lstStyle/>
+            <a:p>
+              <a:pPr algn="ctr"/>
+              <a:r>
+                <a:rPr lang="pt-BR" dirty="0">
+                  <a:solidFill>
+                    <a:srgbClr val="1B1C1B"/>
+                  </a:solidFill>
+                  <a:latin typeface="Abadi" panose="020B0604020104020204" pitchFamily="34" charset="0"/>
+                </a:rPr>
+                <a:t>Alessandra </a:t>
+              </a:r>
+              <a:r>
+                <a:rPr lang="pt-BR" dirty="0" err="1">
+                  <a:solidFill>
+                    <a:srgbClr val="009E35"/>
+                  </a:solidFill>
+                  <a:latin typeface="Abadi" panose="020B0604020104020204" pitchFamily="34" charset="0"/>
+                </a:rPr>
+                <a:t>Baccin</a:t>
+              </a:r>
+              <a:endParaRPr lang="pt-BR" dirty="0">
                 <a:solidFill>
-                  <a:srgbClr val="1B1C1B"/>
+                  <a:srgbClr val="05FF57"/>
                 </a:solidFill>
                 <a:latin typeface="Abadi" panose="020B0604020104020204" pitchFamily="34" charset="0"/>
-              </a:rPr>
-              <a:t>Alessandra </a:t>
-            </a:r>
-            <a:r>
-              <a:rPr lang="pt-BR" dirty="0" err="1">
-                <a:solidFill>
-                  <a:srgbClr val="009E35"/>
-                </a:solidFill>
-                <a:latin typeface="Abadi" panose="020B0604020104020204" pitchFamily="34" charset="0"/>
-              </a:rPr>
-              <a:t>Baccin</a:t>
-            </a:r>
-            <a:endParaRPr lang="pt-BR" dirty="0">
-              <a:solidFill>
-                <a:srgbClr val="05FF57"/>
-              </a:solidFill>
-              <a:latin typeface="Abadi" panose="020B0604020104020204" pitchFamily="34" charset="0"/>
-            </a:endParaRPr>
-          </a:p>
-        </p:txBody>
-      </p:sp>
-      <p:sp>
-        <p:nvSpPr>
-          <p:cNvPr id="45" name="CaixaDeTexto 44">
-            <a:extLst>
-              <a:ext uri="{FF2B5EF4-FFF2-40B4-BE49-F238E27FC236}">
-                <a16:creationId xmlns:a16="http://schemas.microsoft.com/office/drawing/2014/main" id="{E4D05F82-4E67-DAD4-AB5F-1B67ABC12708}"/>
-              </a:ext>
-            </a:extLst>
-          </p:cNvPr>
-          <p:cNvSpPr txBox="1"/>
-          <p:nvPr/>
-        </p:nvSpPr>
-        <p:spPr>
-          <a:xfrm>
-            <a:off x="8629937" y="1274908"/>
-            <a:ext cx="1965277" cy="369332"/>
-          </a:xfrm>
-          <a:prstGeom prst="rect">
-            <a:avLst/>
-          </a:prstGeom>
-          <a:noFill/>
-        </p:spPr>
-        <p:txBody>
-          <a:bodyPr wrap="square" rtlCol="0">
-            <a:spAutoFit/>
-          </a:bodyPr>
-          <a:lstStyle/>
-          <a:p>
-            <a:pPr algn="ctr"/>
-            <a:r>
-              <a:rPr lang="pt-BR" dirty="0">
-                <a:solidFill>
-                  <a:srgbClr val="1B1C1B"/>
-                </a:solidFill>
-                <a:latin typeface="Abadi" panose="020B0604020104020204" pitchFamily="34" charset="0"/>
-              </a:rPr>
-              <a:t>Felipe </a:t>
-            </a:r>
-            <a:r>
-              <a:rPr lang="pt-BR" dirty="0">
-                <a:solidFill>
-                  <a:srgbClr val="009E35"/>
-                </a:solidFill>
-                <a:latin typeface="Abadi" panose="020B0604020104020204" pitchFamily="34" charset="0"/>
-              </a:rPr>
-              <a:t>Grossi</a:t>
-            </a:r>
-          </a:p>
-        </p:txBody>
-      </p:sp>
-      <p:sp>
-        <p:nvSpPr>
-          <p:cNvPr id="46" name="CaixaDeTexto 45">
-            <a:extLst>
-              <a:ext uri="{FF2B5EF4-FFF2-40B4-BE49-F238E27FC236}">
-                <a16:creationId xmlns:a16="http://schemas.microsoft.com/office/drawing/2014/main" id="{59E6559C-6BB8-1574-4A52-FFCAA4F4BF02}"/>
-              </a:ext>
-            </a:extLst>
-          </p:cNvPr>
-          <p:cNvSpPr txBox="1"/>
-          <p:nvPr/>
-        </p:nvSpPr>
-        <p:spPr>
-          <a:xfrm>
-            <a:off x="1374350" y="6212206"/>
-            <a:ext cx="1965277" cy="369332"/>
-          </a:xfrm>
-          <a:prstGeom prst="rect">
-            <a:avLst/>
-          </a:prstGeom>
-          <a:noFill/>
-        </p:spPr>
-        <p:txBody>
-          <a:bodyPr wrap="square" rtlCol="0">
-            <a:spAutoFit/>
-          </a:bodyPr>
-          <a:lstStyle/>
-          <a:p>
-            <a:pPr algn="ctr"/>
-            <a:r>
-              <a:rPr lang="pt-BR" dirty="0">
-                <a:solidFill>
-                  <a:srgbClr val="1B1C1B"/>
-                </a:solidFill>
-                <a:latin typeface="Abadi" panose="020B0604020104020204" pitchFamily="34" charset="0"/>
-              </a:rPr>
-              <a:t>Gabriel </a:t>
-            </a:r>
-            <a:r>
-              <a:rPr lang="pt-BR" dirty="0" err="1">
-                <a:solidFill>
-                  <a:srgbClr val="009E35"/>
-                </a:solidFill>
-                <a:latin typeface="Abadi" panose="020B0604020104020204" pitchFamily="34" charset="0"/>
-              </a:rPr>
-              <a:t>Yuuzu</a:t>
-            </a:r>
-            <a:endParaRPr lang="pt-BR" dirty="0">
-              <a:solidFill>
-                <a:srgbClr val="009E35"/>
-              </a:solidFill>
-              <a:latin typeface="Abadi" panose="020B0604020104020204" pitchFamily="34" charset="0"/>
-            </a:endParaRPr>
-          </a:p>
-        </p:txBody>
-      </p:sp>
-      <p:sp>
-        <p:nvSpPr>
-          <p:cNvPr id="47" name="CaixaDeTexto 46">
-            <a:extLst>
-              <a:ext uri="{FF2B5EF4-FFF2-40B4-BE49-F238E27FC236}">
-                <a16:creationId xmlns:a16="http://schemas.microsoft.com/office/drawing/2014/main" id="{CA9FD742-89CE-AEAA-3F7C-91A880BDC213}"/>
-              </a:ext>
-            </a:extLst>
-          </p:cNvPr>
-          <p:cNvSpPr txBox="1"/>
-          <p:nvPr/>
-        </p:nvSpPr>
-        <p:spPr>
-          <a:xfrm>
-            <a:off x="4814685" y="6213735"/>
-            <a:ext cx="2359148" cy="369332"/>
-          </a:xfrm>
-          <a:prstGeom prst="rect">
-            <a:avLst/>
-          </a:prstGeom>
-          <a:noFill/>
-        </p:spPr>
-        <p:txBody>
-          <a:bodyPr wrap="square" rtlCol="0">
-            <a:spAutoFit/>
-          </a:bodyPr>
-          <a:lstStyle/>
-          <a:p>
-            <a:pPr algn="ctr"/>
-            <a:r>
-              <a:rPr lang="pt-BR" dirty="0">
-                <a:solidFill>
-                  <a:srgbClr val="1B1C1B"/>
-                </a:solidFill>
-                <a:latin typeface="Abadi" panose="020B0604020104020204" pitchFamily="34" charset="0"/>
-              </a:rPr>
-              <a:t>Guilherme </a:t>
-            </a:r>
-            <a:r>
-              <a:rPr lang="pt-BR" dirty="0">
-                <a:solidFill>
-                  <a:srgbClr val="009E35"/>
-                </a:solidFill>
-                <a:latin typeface="Abadi" panose="020B0604020104020204" pitchFamily="34" charset="0"/>
-              </a:rPr>
-              <a:t>Alves</a:t>
-            </a:r>
-          </a:p>
-        </p:txBody>
-      </p:sp>
-      <p:sp>
-        <p:nvSpPr>
-          <p:cNvPr id="48" name="CaixaDeTexto 47">
-            <a:extLst>
-              <a:ext uri="{FF2B5EF4-FFF2-40B4-BE49-F238E27FC236}">
-                <a16:creationId xmlns:a16="http://schemas.microsoft.com/office/drawing/2014/main" id="{E38F8087-D732-972F-DC9B-E28004663AC3}"/>
-              </a:ext>
-            </a:extLst>
-          </p:cNvPr>
-          <p:cNvSpPr txBox="1"/>
-          <p:nvPr/>
-        </p:nvSpPr>
-        <p:spPr>
-          <a:xfrm>
-            <a:off x="8683362" y="6212206"/>
-            <a:ext cx="1965277" cy="369332"/>
-          </a:xfrm>
-          <a:prstGeom prst="rect">
-            <a:avLst/>
-          </a:prstGeom>
-          <a:noFill/>
-        </p:spPr>
-        <p:txBody>
-          <a:bodyPr wrap="square" rtlCol="0">
-            <a:spAutoFit/>
-          </a:bodyPr>
-          <a:lstStyle/>
-          <a:p>
-            <a:pPr algn="ctr"/>
-            <a:r>
-              <a:rPr lang="pt-BR" dirty="0">
-                <a:solidFill>
-                  <a:srgbClr val="1B1C1B"/>
-                </a:solidFill>
-                <a:latin typeface="Abadi" panose="020B0604020104020204" pitchFamily="34" charset="0"/>
-              </a:rPr>
-              <a:t>Ivan </a:t>
-            </a:r>
-            <a:r>
-              <a:rPr lang="pt-BR" dirty="0">
-                <a:solidFill>
-                  <a:srgbClr val="009E35"/>
-                </a:solidFill>
-                <a:latin typeface="Abadi" panose="020B0604020104020204" pitchFamily="34" charset="0"/>
-              </a:rPr>
-              <a:t>Freire </a:t>
-            </a:r>
-          </a:p>
-        </p:txBody>
-      </p:sp>
-      <p:sp>
-        <p:nvSpPr>
-          <p:cNvPr id="49" name="Retângulo 48">
-            <a:extLst>
-              <a:ext uri="{FF2B5EF4-FFF2-40B4-BE49-F238E27FC236}">
-                <a16:creationId xmlns:a16="http://schemas.microsoft.com/office/drawing/2014/main" id="{2A5D6142-3804-3742-C0B4-22F648234A09}"/>
-              </a:ext>
-            </a:extLst>
-          </p:cNvPr>
-          <p:cNvSpPr/>
-          <p:nvPr/>
-        </p:nvSpPr>
-        <p:spPr>
-          <a:xfrm>
-            <a:off x="11604564" y="-95534"/>
-            <a:ext cx="586854" cy="6953534"/>
-          </a:xfrm>
-          <a:prstGeom prst="rect">
-            <a:avLst/>
-          </a:prstGeom>
-          <a:gradFill flip="none" rotWithShape="1">
-            <a:gsLst>
-              <a:gs pos="0">
-                <a:srgbClr val="05FF57"/>
-              </a:gs>
-              <a:gs pos="36000">
-                <a:srgbClr val="1B1C1B"/>
-              </a:gs>
-            </a:gsLst>
-            <a:path path="circle">
-              <a:fillToRect l="100000" t="100000"/>
-            </a:path>
-            <a:tileRect r="-100000" b="-100000"/>
-          </a:gradFill>
-          <a:ln>
+              </a:endParaRPr>
+            </a:p>
+          </p:txBody>
+        </p:sp>
+        <p:sp>
+          <p:nvSpPr>
+            <p:cNvPr id="45" name="CaixaDeTexto 44">
+              <a:extLst>
+                <a:ext uri="{FF2B5EF4-FFF2-40B4-BE49-F238E27FC236}">
+                  <a16:creationId xmlns:a16="http://schemas.microsoft.com/office/drawing/2014/main" id="{E4D05F82-4E67-DAD4-AB5F-1B67ABC12708}"/>
+                </a:ext>
+              </a:extLst>
+            </p:cNvPr>
+            <p:cNvSpPr txBox="1"/>
+            <p:nvPr/>
+          </p:nvSpPr>
+          <p:spPr>
+            <a:xfrm>
+              <a:off x="8629937" y="1274908"/>
+              <a:ext cx="1965277" cy="369332"/>
+            </a:xfrm>
+            <a:prstGeom prst="rect">
+              <a:avLst/>
+            </a:prstGeom>
             <a:noFill/>
-          </a:ln>
-        </p:spPr>
-        <p:style>
-          <a:lnRef idx="2">
-            <a:schemeClr val="accent1">
-              <a:shade val="50000"/>
-            </a:schemeClr>
-          </a:lnRef>
-          <a:fillRef idx="1">
-            <a:schemeClr val="accent1"/>
-          </a:fillRef>
-          <a:effectRef idx="0">
-            <a:schemeClr val="accent1"/>
-          </a:effectRef>
-          <a:fontRef idx="minor">
-            <a:schemeClr val="lt1"/>
-          </a:fontRef>
-        </p:style>
-        <p:txBody>
-          <a:bodyPr rtlCol="0" anchor="ctr"/>
-          <a:lstStyle/>
-          <a:p>
-            <a:pPr algn="ctr"/>
-            <a:endParaRPr lang="pt-BR"/>
-          </a:p>
-        </p:txBody>
-      </p:sp>
-      <p:pic>
-        <p:nvPicPr>
-          <p:cNvPr id="3" name="Picture 4">
-            <a:extLst>
-              <a:ext uri="{FF2B5EF4-FFF2-40B4-BE49-F238E27FC236}">
-                <a16:creationId xmlns:a16="http://schemas.microsoft.com/office/drawing/2014/main" id="{3D222CB0-C38C-F178-EDEE-1DC8CC8B557E}"/>
-              </a:ext>
-            </a:extLst>
-          </p:cNvPr>
-          <p:cNvPicPr>
-            <a:picLocks noChangeAspect="1"/>
-          </p:cNvPicPr>
-          <p:nvPr/>
-        </p:nvPicPr>
-        <p:blipFill>
-          <a:blip r:embed="rId7">
-            <a:extLst>
-              <a:ext uri="{28A0092B-C50C-407E-A947-70E740481C1C}">
-                <a14:useLocalDpi xmlns:a14="http://schemas.microsoft.com/office/drawing/2010/main" val="0"/>
-              </a:ext>
-            </a:extLst>
-          </a:blip>
-          <a:srcRect t="23517" b="23517"/>
-          <a:stretch/>
-        </p:blipFill>
-        <p:spPr>
-          <a:xfrm>
-            <a:off x="5081385" y="1759356"/>
-            <a:ext cx="1825748" cy="1719179"/>
-          </a:xfrm>
-          <a:prstGeom prst="ellipse">
-            <a:avLst/>
-          </a:prstGeom>
-        </p:spPr>
-      </p:pic>
+          </p:spPr>
+          <p:txBody>
+            <a:bodyPr wrap="square" rtlCol="0">
+              <a:spAutoFit/>
+            </a:bodyPr>
+            <a:lstStyle/>
+            <a:p>
+              <a:pPr algn="ctr"/>
+              <a:r>
+                <a:rPr lang="pt-BR" dirty="0">
+                  <a:solidFill>
+                    <a:srgbClr val="1B1C1B"/>
+                  </a:solidFill>
+                  <a:latin typeface="Abadi" panose="020B0604020104020204" pitchFamily="34" charset="0"/>
+                </a:rPr>
+                <a:t>Felipe </a:t>
+              </a:r>
+              <a:r>
+                <a:rPr lang="pt-BR" dirty="0">
+                  <a:solidFill>
+                    <a:srgbClr val="009E35"/>
+                  </a:solidFill>
+                  <a:latin typeface="Abadi" panose="020B0604020104020204" pitchFamily="34" charset="0"/>
+                </a:rPr>
+                <a:t>Grossi</a:t>
+              </a:r>
+            </a:p>
+          </p:txBody>
+        </p:sp>
+        <p:pic>
+          <p:nvPicPr>
+            <p:cNvPr id="3" name="Picture 4">
+              <a:extLst>
+                <a:ext uri="{FF2B5EF4-FFF2-40B4-BE49-F238E27FC236}">
+                  <a16:creationId xmlns:a16="http://schemas.microsoft.com/office/drawing/2014/main" id="{3D222CB0-C38C-F178-EDEE-1DC8CC8B557E}"/>
+                </a:ext>
+              </a:extLst>
+            </p:cNvPr>
+            <p:cNvPicPr>
+              <a:picLocks noChangeAspect="1"/>
+            </p:cNvPicPr>
+            <p:nvPr/>
+          </p:nvPicPr>
+          <p:blipFill>
+            <a:blip r:embed="rId8">
+              <a:extLst>
+                <a:ext uri="{28A0092B-C50C-407E-A947-70E740481C1C}">
+                  <a14:useLocalDpi xmlns:a14="http://schemas.microsoft.com/office/drawing/2010/main" val="0"/>
+                </a:ext>
+              </a:extLst>
+            </a:blip>
+            <a:srcRect t="23517" b="23517"/>
+            <a:stretch/>
+          </p:blipFill>
+          <p:spPr>
+            <a:xfrm>
+              <a:off x="5081385" y="1759356"/>
+              <a:ext cx="1825748" cy="1719179"/>
+            </a:xfrm>
+            <a:prstGeom prst="ellipse">
+              <a:avLst/>
+            </a:prstGeom>
+          </p:spPr>
+        </p:pic>
+      </p:grpSp>
     </p:spTree>
     <p:extLst>
       <p:ext uri="{BB962C8B-B14F-4D97-AF65-F5344CB8AC3E}">
@@ -6392,985 +6701,9 @@
   <p:clrMapOvr>
     <a:masterClrMapping/>
   </p:clrMapOvr>
-  <p:transition spd="slow">
+  <p:transition spd="slow" advClick="0" advTm="100">
     <p:push dir="r"/>
   </p:transition>
-  <p:timing>
-    <p:tnLst>
-      <p:par>
-        <p:cTn id="1" dur="indefinite" restart="never" nodeType="tmRoot">
-          <p:childTnLst>
-            <p:seq concurrent="1" nextAc="seek">
-              <p:cTn id="2" dur="indefinite" nodeType="mainSeq">
-                <p:childTnLst>
-                  <p:par>
-                    <p:cTn id="3" fill="hold">
-                      <p:stCondLst>
-                        <p:cond delay="indefinite"/>
-                        <p:cond evt="onBegin" delay="0">
-                          <p:tn val="2"/>
-                        </p:cond>
-                      </p:stCondLst>
-                      <p:childTnLst>
-                        <p:par>
-                          <p:cTn id="4" fill="hold">
-                            <p:stCondLst>
-                              <p:cond delay="0"/>
-                            </p:stCondLst>
-                            <p:childTnLst>
-                              <p:par>
-                                <p:cTn id="5" presetID="22" presetClass="entr" presetSubtype="8" fill="hold" nodeType="afterEffect">
-                                  <p:stCondLst>
-                                    <p:cond delay="0"/>
-                                  </p:stCondLst>
-                                  <p:childTnLst>
-                                    <p:set>
-                                      <p:cBhvr>
-                                        <p:cTn id="6" dur="1" fill="hold">
-                                          <p:stCondLst>
-                                            <p:cond delay="0"/>
-                                          </p:stCondLst>
-                                        </p:cTn>
-                                        <p:tgtEl>
-                                          <p:spTgt spid="19"/>
-                                        </p:tgtEl>
-                                        <p:attrNameLst>
-                                          <p:attrName>style.visibility</p:attrName>
-                                        </p:attrNameLst>
-                                      </p:cBhvr>
-                                      <p:to>
-                                        <p:strVal val="visible"/>
-                                      </p:to>
-                                    </p:set>
-                                    <p:animEffect transition="in" filter="wipe(left)">
-                                      <p:cBhvr>
-                                        <p:cTn id="7" dur="1000"/>
-                                        <p:tgtEl>
-                                          <p:spTgt spid="19"/>
-                                        </p:tgtEl>
-                                      </p:cBhvr>
-                                    </p:animEffect>
-                                  </p:childTnLst>
-                                </p:cTn>
-                              </p:par>
-                            </p:childTnLst>
-                          </p:cTn>
-                        </p:par>
-                        <p:par>
-                          <p:cTn id="8" fill="hold">
-                            <p:stCondLst>
-                              <p:cond delay="1000"/>
-                            </p:stCondLst>
-                            <p:childTnLst>
-                              <p:par>
-                                <p:cTn id="9" presetID="22" presetClass="entr" presetSubtype="4" fill="hold" nodeType="afterEffect">
-                                  <p:stCondLst>
-                                    <p:cond delay="0"/>
-                                  </p:stCondLst>
-                                  <p:childTnLst>
-                                    <p:set>
-                                      <p:cBhvr>
-                                        <p:cTn id="10" dur="1" fill="hold">
-                                          <p:stCondLst>
-                                            <p:cond delay="0"/>
-                                          </p:stCondLst>
-                                        </p:cTn>
-                                        <p:tgtEl>
-                                          <p:spTgt spid="24"/>
-                                        </p:tgtEl>
-                                        <p:attrNameLst>
-                                          <p:attrName>style.visibility</p:attrName>
-                                        </p:attrNameLst>
-                                      </p:cBhvr>
-                                      <p:to>
-                                        <p:strVal val="visible"/>
-                                      </p:to>
-                                    </p:set>
-                                    <p:animEffect transition="in" filter="wipe(down)">
-                                      <p:cBhvr>
-                                        <p:cTn id="11" dur="250"/>
-                                        <p:tgtEl>
-                                          <p:spTgt spid="24"/>
-                                        </p:tgtEl>
-                                      </p:cBhvr>
-                                    </p:animEffect>
-                                  </p:childTnLst>
-                                </p:cTn>
-                              </p:par>
-                            </p:childTnLst>
-                          </p:cTn>
-                        </p:par>
-                        <p:par>
-                          <p:cTn id="12" fill="hold">
-                            <p:stCondLst>
-                              <p:cond delay="1250"/>
-                            </p:stCondLst>
-                            <p:childTnLst>
-                              <p:par>
-                                <p:cTn id="13" presetID="22" presetClass="entr" presetSubtype="4" fill="hold" nodeType="afterEffect">
-                                  <p:stCondLst>
-                                    <p:cond delay="0"/>
-                                  </p:stCondLst>
-                                  <p:childTnLst>
-                                    <p:set>
-                                      <p:cBhvr>
-                                        <p:cTn id="14" dur="1" fill="hold">
-                                          <p:stCondLst>
-                                            <p:cond delay="0"/>
-                                          </p:stCondLst>
-                                        </p:cTn>
-                                        <p:tgtEl>
-                                          <p:spTgt spid="12"/>
-                                        </p:tgtEl>
-                                        <p:attrNameLst>
-                                          <p:attrName>style.visibility</p:attrName>
-                                        </p:attrNameLst>
-                                      </p:cBhvr>
-                                      <p:to>
-                                        <p:strVal val="visible"/>
-                                      </p:to>
-                                    </p:set>
-                                    <p:animEffect transition="in" filter="wipe(down)">
-                                      <p:cBhvr>
-                                        <p:cTn id="15" dur="250"/>
-                                        <p:tgtEl>
-                                          <p:spTgt spid="12"/>
-                                        </p:tgtEl>
-                                      </p:cBhvr>
-                                    </p:animEffect>
-                                  </p:childTnLst>
-                                </p:cTn>
-                              </p:par>
-                            </p:childTnLst>
-                          </p:cTn>
-                        </p:par>
-                        <p:par>
-                          <p:cTn id="16" fill="hold">
-                            <p:stCondLst>
-                              <p:cond delay="2250"/>
-                            </p:stCondLst>
-                            <p:childTnLst>
-                              <p:par>
-                                <p:cTn id="17" presetID="22" presetClass="entr" presetSubtype="4" fill="hold" grpId="0" nodeType="afterEffect">
-                                  <p:stCondLst>
-                                    <p:cond delay="0"/>
-                                  </p:stCondLst>
-                                  <p:childTnLst>
-                                    <p:set>
-                                      <p:cBhvr>
-                                        <p:cTn id="18" dur="1" fill="hold">
-                                          <p:stCondLst>
-                                            <p:cond delay="0"/>
-                                          </p:stCondLst>
-                                        </p:cTn>
-                                        <p:tgtEl>
-                                          <p:spTgt spid="43"/>
-                                        </p:tgtEl>
-                                        <p:attrNameLst>
-                                          <p:attrName>style.visibility</p:attrName>
-                                        </p:attrNameLst>
-                                      </p:cBhvr>
-                                      <p:to>
-                                        <p:strVal val="visible"/>
-                                      </p:to>
-                                    </p:set>
-                                    <p:animEffect transition="in" filter="wipe(down)">
-                                      <p:cBhvr>
-                                        <p:cTn id="19" dur="250"/>
-                                        <p:tgtEl>
-                                          <p:spTgt spid="43"/>
-                                        </p:tgtEl>
-                                      </p:cBhvr>
-                                    </p:animEffect>
-                                  </p:childTnLst>
-                                </p:cTn>
-                              </p:par>
-                            </p:childTnLst>
-                          </p:cTn>
-                        </p:par>
-                        <p:par>
-                          <p:cTn id="20" fill="hold">
-                            <p:stCondLst>
-                              <p:cond delay="2500"/>
-                            </p:stCondLst>
-                            <p:childTnLst>
-                              <p:par>
-                                <p:cTn id="21" presetID="22" presetClass="entr" presetSubtype="4" fill="hold" nodeType="afterEffect">
-                                  <p:stCondLst>
-                                    <p:cond delay="0"/>
-                                  </p:stCondLst>
-                                  <p:childTnLst>
-                                    <p:set>
-                                      <p:cBhvr>
-                                        <p:cTn id="22" dur="1" fill="hold">
-                                          <p:stCondLst>
-                                            <p:cond delay="0"/>
-                                          </p:stCondLst>
-                                        </p:cTn>
-                                        <p:tgtEl>
-                                          <p:spTgt spid="25"/>
-                                        </p:tgtEl>
-                                        <p:attrNameLst>
-                                          <p:attrName>style.visibility</p:attrName>
-                                        </p:attrNameLst>
-                                      </p:cBhvr>
-                                      <p:to>
-                                        <p:strVal val="visible"/>
-                                      </p:to>
-                                    </p:set>
-                                    <p:animEffect transition="in" filter="wipe(down)">
-                                      <p:cBhvr>
-                                        <p:cTn id="23" dur="250"/>
-                                        <p:tgtEl>
-                                          <p:spTgt spid="25"/>
-                                        </p:tgtEl>
-                                      </p:cBhvr>
-                                    </p:animEffect>
-                                  </p:childTnLst>
-                                </p:cTn>
-                              </p:par>
-                            </p:childTnLst>
-                          </p:cTn>
-                        </p:par>
-                        <p:par>
-                          <p:cTn id="24" fill="hold">
-                            <p:stCondLst>
-                              <p:cond delay="2750"/>
-                            </p:stCondLst>
-                            <p:childTnLst>
-                              <p:par>
-                                <p:cTn id="25" presetID="42" presetClass="entr" presetSubtype="0" fill="hold" nodeType="afterEffect">
-                                  <p:stCondLst>
-                                    <p:cond delay="0"/>
-                                  </p:stCondLst>
-                                  <p:childTnLst>
-                                    <p:set>
-                                      <p:cBhvr>
-                                        <p:cTn id="26" dur="1" fill="hold">
-                                          <p:stCondLst>
-                                            <p:cond delay="0"/>
-                                          </p:stCondLst>
-                                        </p:cTn>
-                                        <p:tgtEl>
-                                          <p:spTgt spid="3"/>
-                                        </p:tgtEl>
-                                        <p:attrNameLst>
-                                          <p:attrName>style.visibility</p:attrName>
-                                        </p:attrNameLst>
-                                      </p:cBhvr>
-                                      <p:to>
-                                        <p:strVal val="visible"/>
-                                      </p:to>
-                                    </p:set>
-                                    <p:animEffect transition="in" filter="fade">
-                                      <p:cBhvr>
-                                        <p:cTn id="27" dur="250"/>
-                                        <p:tgtEl>
-                                          <p:spTgt spid="3"/>
-                                        </p:tgtEl>
-                                      </p:cBhvr>
-                                    </p:animEffect>
-                                    <p:anim calcmode="lin" valueType="num">
-                                      <p:cBhvr>
-                                        <p:cTn id="28" dur="250" fill="hold"/>
-                                        <p:tgtEl>
-                                          <p:spTgt spid="3"/>
-                                        </p:tgtEl>
-                                        <p:attrNameLst>
-                                          <p:attrName>ppt_x</p:attrName>
-                                        </p:attrNameLst>
-                                      </p:cBhvr>
-                                      <p:tavLst>
-                                        <p:tav tm="0">
-                                          <p:val>
-                                            <p:strVal val="#ppt_x"/>
-                                          </p:val>
-                                        </p:tav>
-                                        <p:tav tm="100000">
-                                          <p:val>
-                                            <p:strVal val="#ppt_x"/>
-                                          </p:val>
-                                        </p:tav>
-                                      </p:tavLst>
-                                    </p:anim>
-                                    <p:anim calcmode="lin" valueType="num">
-                                      <p:cBhvr>
-                                        <p:cTn id="29" dur="250" fill="hold"/>
-                                        <p:tgtEl>
-                                          <p:spTgt spid="3"/>
-                                        </p:tgtEl>
-                                        <p:attrNameLst>
-                                          <p:attrName>ppt_y</p:attrName>
-                                        </p:attrNameLst>
-                                      </p:cBhvr>
-                                      <p:tavLst>
-                                        <p:tav tm="0">
-                                          <p:val>
-                                            <p:strVal val="#ppt_y+.1"/>
-                                          </p:val>
-                                        </p:tav>
-                                        <p:tav tm="100000">
-                                          <p:val>
-                                            <p:strVal val="#ppt_y"/>
-                                          </p:val>
-                                        </p:tav>
-                                      </p:tavLst>
-                                    </p:anim>
-                                  </p:childTnLst>
-                                </p:cTn>
-                              </p:par>
-                            </p:childTnLst>
-                          </p:cTn>
-                        </p:par>
-                        <p:par>
-                          <p:cTn id="30" fill="hold">
-                            <p:stCondLst>
-                              <p:cond delay="3000"/>
-                            </p:stCondLst>
-                            <p:childTnLst>
-                              <p:par>
-                                <p:cTn id="31" presetID="22" presetClass="entr" presetSubtype="4" fill="hold" grpId="0" nodeType="afterEffect">
-                                  <p:stCondLst>
-                                    <p:cond delay="0"/>
-                                  </p:stCondLst>
-                                  <p:childTnLst>
-                                    <p:set>
-                                      <p:cBhvr>
-                                        <p:cTn id="32" dur="1" fill="hold">
-                                          <p:stCondLst>
-                                            <p:cond delay="0"/>
-                                          </p:stCondLst>
-                                        </p:cTn>
-                                        <p:tgtEl>
-                                          <p:spTgt spid="44"/>
-                                        </p:tgtEl>
-                                        <p:attrNameLst>
-                                          <p:attrName>style.visibility</p:attrName>
-                                        </p:attrNameLst>
-                                      </p:cBhvr>
-                                      <p:to>
-                                        <p:strVal val="visible"/>
-                                      </p:to>
-                                    </p:set>
-                                    <p:animEffect transition="in" filter="wipe(down)">
-                                      <p:cBhvr>
-                                        <p:cTn id="33" dur="250"/>
-                                        <p:tgtEl>
-                                          <p:spTgt spid="44"/>
-                                        </p:tgtEl>
-                                      </p:cBhvr>
-                                    </p:animEffect>
-                                  </p:childTnLst>
-                                </p:cTn>
-                              </p:par>
-                            </p:childTnLst>
-                          </p:cTn>
-                        </p:par>
-                        <p:par>
-                          <p:cTn id="34" fill="hold">
-                            <p:stCondLst>
-                              <p:cond delay="3250"/>
-                            </p:stCondLst>
-                            <p:childTnLst>
-                              <p:par>
-                                <p:cTn id="35" presetID="22" presetClass="entr" presetSubtype="4" fill="hold" nodeType="afterEffect">
-                                  <p:stCondLst>
-                                    <p:cond delay="0"/>
-                                  </p:stCondLst>
-                                  <p:childTnLst>
-                                    <p:set>
-                                      <p:cBhvr>
-                                        <p:cTn id="36" dur="1" fill="hold">
-                                          <p:stCondLst>
-                                            <p:cond delay="0"/>
-                                          </p:stCondLst>
-                                        </p:cTn>
-                                        <p:tgtEl>
-                                          <p:spTgt spid="27"/>
-                                        </p:tgtEl>
-                                        <p:attrNameLst>
-                                          <p:attrName>style.visibility</p:attrName>
-                                        </p:attrNameLst>
-                                      </p:cBhvr>
-                                      <p:to>
-                                        <p:strVal val="visible"/>
-                                      </p:to>
-                                    </p:set>
-                                    <p:animEffect transition="in" filter="wipe(down)">
-                                      <p:cBhvr>
-                                        <p:cTn id="37" dur="250"/>
-                                        <p:tgtEl>
-                                          <p:spTgt spid="27"/>
-                                        </p:tgtEl>
-                                      </p:cBhvr>
-                                    </p:animEffect>
-                                  </p:childTnLst>
-                                </p:cTn>
-                              </p:par>
-                            </p:childTnLst>
-                          </p:cTn>
-                        </p:par>
-                        <p:par>
-                          <p:cTn id="38" fill="hold">
-                            <p:stCondLst>
-                              <p:cond delay="3500"/>
-                            </p:stCondLst>
-                            <p:childTnLst>
-                              <p:par>
-                                <p:cTn id="39" presetID="22" presetClass="entr" presetSubtype="4" fill="hold" nodeType="afterEffect">
-                                  <p:stCondLst>
-                                    <p:cond delay="0"/>
-                                  </p:stCondLst>
-                                  <p:childTnLst>
-                                    <p:set>
-                                      <p:cBhvr>
-                                        <p:cTn id="40" dur="1" fill="hold">
-                                          <p:stCondLst>
-                                            <p:cond delay="0"/>
-                                          </p:stCondLst>
-                                        </p:cTn>
-                                        <p:tgtEl>
-                                          <p:spTgt spid="14"/>
-                                        </p:tgtEl>
-                                        <p:attrNameLst>
-                                          <p:attrName>style.visibility</p:attrName>
-                                        </p:attrNameLst>
-                                      </p:cBhvr>
-                                      <p:to>
-                                        <p:strVal val="visible"/>
-                                      </p:to>
-                                    </p:set>
-                                    <p:animEffect transition="in" filter="wipe(down)">
-                                      <p:cBhvr>
-                                        <p:cTn id="41" dur="250"/>
-                                        <p:tgtEl>
-                                          <p:spTgt spid="14"/>
-                                        </p:tgtEl>
-                                      </p:cBhvr>
-                                    </p:animEffect>
-                                  </p:childTnLst>
-                                </p:cTn>
-                              </p:par>
-                            </p:childTnLst>
-                          </p:cTn>
-                        </p:par>
-                        <p:par>
-                          <p:cTn id="42" fill="hold">
-                            <p:stCondLst>
-                              <p:cond delay="3750"/>
-                            </p:stCondLst>
-                            <p:childTnLst>
-                              <p:par>
-                                <p:cTn id="43" presetID="22" presetClass="entr" presetSubtype="4" fill="hold" grpId="0" nodeType="afterEffect">
-                                  <p:stCondLst>
-                                    <p:cond delay="0"/>
-                                  </p:stCondLst>
-                                  <p:childTnLst>
-                                    <p:set>
-                                      <p:cBhvr>
-                                        <p:cTn id="44" dur="1" fill="hold">
-                                          <p:stCondLst>
-                                            <p:cond delay="0"/>
-                                          </p:stCondLst>
-                                        </p:cTn>
-                                        <p:tgtEl>
-                                          <p:spTgt spid="45"/>
-                                        </p:tgtEl>
-                                        <p:attrNameLst>
-                                          <p:attrName>style.visibility</p:attrName>
-                                        </p:attrNameLst>
-                                      </p:cBhvr>
-                                      <p:to>
-                                        <p:strVal val="visible"/>
-                                      </p:to>
-                                    </p:set>
-                                    <p:animEffect transition="in" filter="wipe(down)">
-                                      <p:cBhvr>
-                                        <p:cTn id="45" dur="250"/>
-                                        <p:tgtEl>
-                                          <p:spTgt spid="45"/>
-                                        </p:tgtEl>
-                                      </p:cBhvr>
-                                    </p:animEffect>
-                                  </p:childTnLst>
-                                </p:cTn>
-                              </p:par>
-                            </p:childTnLst>
-                          </p:cTn>
-                        </p:par>
-                        <p:par>
-                          <p:cTn id="46" fill="hold">
-                            <p:stCondLst>
-                              <p:cond delay="4000"/>
-                            </p:stCondLst>
-                            <p:childTnLst>
-                              <p:par>
-                                <p:cTn id="47" presetID="22" presetClass="entr" presetSubtype="8" fill="hold" nodeType="afterEffect">
-                                  <p:stCondLst>
-                                    <p:cond delay="0"/>
-                                  </p:stCondLst>
-                                  <p:childTnLst>
-                                    <p:set>
-                                      <p:cBhvr>
-                                        <p:cTn id="48" dur="1" fill="hold">
-                                          <p:stCondLst>
-                                            <p:cond delay="0"/>
-                                          </p:stCondLst>
-                                        </p:cTn>
-                                        <p:tgtEl>
-                                          <p:spTgt spid="21"/>
-                                        </p:tgtEl>
-                                        <p:attrNameLst>
-                                          <p:attrName>style.visibility</p:attrName>
-                                        </p:attrNameLst>
-                                      </p:cBhvr>
-                                      <p:to>
-                                        <p:strVal val="visible"/>
-                                      </p:to>
-                                    </p:set>
-                                    <p:animEffect transition="in" filter="wipe(left)">
-                                      <p:cBhvr>
-                                        <p:cTn id="49" dur="1000"/>
-                                        <p:tgtEl>
-                                          <p:spTgt spid="21"/>
-                                        </p:tgtEl>
-                                      </p:cBhvr>
-                                    </p:animEffect>
-                                  </p:childTnLst>
-                                </p:cTn>
-                              </p:par>
-                            </p:childTnLst>
-                          </p:cTn>
-                        </p:par>
-                        <p:par>
-                          <p:cTn id="50" fill="hold">
-                            <p:stCondLst>
-                              <p:cond delay="5000"/>
-                            </p:stCondLst>
-                            <p:childTnLst>
-                              <p:par>
-                                <p:cTn id="51" presetID="22" presetClass="entr" presetSubtype="1" fill="hold" nodeType="afterEffect">
-                                  <p:stCondLst>
-                                    <p:cond delay="0"/>
-                                  </p:stCondLst>
-                                  <p:childTnLst>
-                                    <p:set>
-                                      <p:cBhvr>
-                                        <p:cTn id="52" dur="1" fill="hold">
-                                          <p:stCondLst>
-                                            <p:cond delay="0"/>
-                                          </p:stCondLst>
-                                        </p:cTn>
-                                        <p:tgtEl>
-                                          <p:spTgt spid="40"/>
-                                        </p:tgtEl>
-                                        <p:attrNameLst>
-                                          <p:attrName>style.visibility</p:attrName>
-                                        </p:attrNameLst>
-                                      </p:cBhvr>
-                                      <p:to>
-                                        <p:strVal val="visible"/>
-                                      </p:to>
-                                    </p:set>
-                                    <p:animEffect transition="in" filter="wipe(up)">
-                                      <p:cBhvr>
-                                        <p:cTn id="53" dur="250"/>
-                                        <p:tgtEl>
-                                          <p:spTgt spid="40"/>
-                                        </p:tgtEl>
-                                      </p:cBhvr>
-                                    </p:animEffect>
-                                  </p:childTnLst>
-                                </p:cTn>
-                              </p:par>
-                            </p:childTnLst>
-                          </p:cTn>
-                        </p:par>
-                        <p:par>
-                          <p:cTn id="54" fill="hold">
-                            <p:stCondLst>
-                              <p:cond delay="5250"/>
-                            </p:stCondLst>
-                            <p:childTnLst>
-                              <p:par>
-                                <p:cTn id="55" presetID="22" presetClass="entr" presetSubtype="1" fill="hold" nodeType="afterEffect">
-                                  <p:stCondLst>
-                                    <p:cond delay="0"/>
-                                  </p:stCondLst>
-                                  <p:childTnLst>
-                                    <p:set>
-                                      <p:cBhvr>
-                                        <p:cTn id="56" dur="1" fill="hold">
-                                          <p:stCondLst>
-                                            <p:cond delay="0"/>
-                                          </p:stCondLst>
-                                        </p:cTn>
-                                        <p:tgtEl>
-                                          <p:spTgt spid="15"/>
-                                        </p:tgtEl>
-                                        <p:attrNameLst>
-                                          <p:attrName>style.visibility</p:attrName>
-                                        </p:attrNameLst>
-                                      </p:cBhvr>
-                                      <p:to>
-                                        <p:strVal val="visible"/>
-                                      </p:to>
-                                    </p:set>
-                                    <p:animEffect transition="in" filter="wipe(up)">
-                                      <p:cBhvr>
-                                        <p:cTn id="57" dur="250"/>
-                                        <p:tgtEl>
-                                          <p:spTgt spid="15"/>
-                                        </p:tgtEl>
-                                      </p:cBhvr>
-                                    </p:animEffect>
-                                  </p:childTnLst>
-                                </p:cTn>
-                              </p:par>
-                            </p:childTnLst>
-                          </p:cTn>
-                        </p:par>
-                        <p:par>
-                          <p:cTn id="58" fill="hold">
-                            <p:stCondLst>
-                              <p:cond delay="5500"/>
-                            </p:stCondLst>
-                            <p:childTnLst>
-                              <p:par>
-                                <p:cTn id="59" presetID="22" presetClass="entr" presetSubtype="1" fill="hold" grpId="0" nodeType="afterEffect">
-                                  <p:stCondLst>
-                                    <p:cond delay="0"/>
-                                  </p:stCondLst>
-                                  <p:childTnLst>
-                                    <p:set>
-                                      <p:cBhvr>
-                                        <p:cTn id="60" dur="1" fill="hold">
-                                          <p:stCondLst>
-                                            <p:cond delay="0"/>
-                                          </p:stCondLst>
-                                        </p:cTn>
-                                        <p:tgtEl>
-                                          <p:spTgt spid="46"/>
-                                        </p:tgtEl>
-                                        <p:attrNameLst>
-                                          <p:attrName>style.visibility</p:attrName>
-                                        </p:attrNameLst>
-                                      </p:cBhvr>
-                                      <p:to>
-                                        <p:strVal val="visible"/>
-                                      </p:to>
-                                    </p:set>
-                                    <p:animEffect transition="in" filter="wipe(up)">
-                                      <p:cBhvr>
-                                        <p:cTn id="61" dur="250"/>
-                                        <p:tgtEl>
-                                          <p:spTgt spid="46"/>
-                                        </p:tgtEl>
-                                      </p:cBhvr>
-                                    </p:animEffect>
-                                  </p:childTnLst>
-                                </p:cTn>
-                              </p:par>
-                            </p:childTnLst>
-                          </p:cTn>
-                        </p:par>
-                        <p:par>
-                          <p:cTn id="62" fill="hold">
-                            <p:stCondLst>
-                              <p:cond delay="5750"/>
-                            </p:stCondLst>
-                            <p:childTnLst>
-                              <p:par>
-                                <p:cTn id="63" presetID="22" presetClass="entr" presetSubtype="1" fill="hold" nodeType="afterEffect">
-                                  <p:stCondLst>
-                                    <p:cond delay="0"/>
-                                  </p:stCondLst>
-                                  <p:childTnLst>
-                                    <p:set>
-                                      <p:cBhvr>
-                                        <p:cTn id="64" dur="1" fill="hold">
-                                          <p:stCondLst>
-                                            <p:cond delay="0"/>
-                                          </p:stCondLst>
-                                        </p:cTn>
-                                        <p:tgtEl>
-                                          <p:spTgt spid="41"/>
-                                        </p:tgtEl>
-                                        <p:attrNameLst>
-                                          <p:attrName>style.visibility</p:attrName>
-                                        </p:attrNameLst>
-                                      </p:cBhvr>
-                                      <p:to>
-                                        <p:strVal val="visible"/>
-                                      </p:to>
-                                    </p:set>
-                                    <p:animEffect transition="in" filter="wipe(up)">
-                                      <p:cBhvr>
-                                        <p:cTn id="65" dur="250"/>
-                                        <p:tgtEl>
-                                          <p:spTgt spid="41"/>
-                                        </p:tgtEl>
-                                      </p:cBhvr>
-                                    </p:animEffect>
-                                  </p:childTnLst>
-                                </p:cTn>
-                              </p:par>
-                            </p:childTnLst>
-                          </p:cTn>
-                        </p:par>
-                        <p:par>
-                          <p:cTn id="66" fill="hold">
-                            <p:stCondLst>
-                              <p:cond delay="6000"/>
-                            </p:stCondLst>
-                            <p:childTnLst>
-                              <p:par>
-                                <p:cTn id="67" presetID="22" presetClass="entr" presetSubtype="1" fill="hold" nodeType="afterEffect">
-                                  <p:stCondLst>
-                                    <p:cond delay="0"/>
-                                  </p:stCondLst>
-                                  <p:childTnLst>
-                                    <p:set>
-                                      <p:cBhvr>
-                                        <p:cTn id="68" dur="1" fill="hold">
-                                          <p:stCondLst>
-                                            <p:cond delay="0"/>
-                                          </p:stCondLst>
-                                        </p:cTn>
-                                        <p:tgtEl>
-                                          <p:spTgt spid="16"/>
-                                        </p:tgtEl>
-                                        <p:attrNameLst>
-                                          <p:attrName>style.visibility</p:attrName>
-                                        </p:attrNameLst>
-                                      </p:cBhvr>
-                                      <p:to>
-                                        <p:strVal val="visible"/>
-                                      </p:to>
-                                    </p:set>
-                                    <p:animEffect transition="in" filter="wipe(up)">
-                                      <p:cBhvr>
-                                        <p:cTn id="69" dur="250"/>
-                                        <p:tgtEl>
-                                          <p:spTgt spid="16"/>
-                                        </p:tgtEl>
-                                      </p:cBhvr>
-                                    </p:animEffect>
-                                  </p:childTnLst>
-                                </p:cTn>
-                              </p:par>
-                            </p:childTnLst>
-                          </p:cTn>
-                        </p:par>
-                        <p:par>
-                          <p:cTn id="70" fill="hold">
-                            <p:stCondLst>
-                              <p:cond delay="6250"/>
-                            </p:stCondLst>
-                            <p:childTnLst>
-                              <p:par>
-                                <p:cTn id="71" presetID="22" presetClass="entr" presetSubtype="1" fill="hold" grpId="0" nodeType="afterEffect">
-                                  <p:stCondLst>
-                                    <p:cond delay="0"/>
-                                  </p:stCondLst>
-                                  <p:childTnLst>
-                                    <p:set>
-                                      <p:cBhvr>
-                                        <p:cTn id="72" dur="1" fill="hold">
-                                          <p:stCondLst>
-                                            <p:cond delay="0"/>
-                                          </p:stCondLst>
-                                        </p:cTn>
-                                        <p:tgtEl>
-                                          <p:spTgt spid="47"/>
-                                        </p:tgtEl>
-                                        <p:attrNameLst>
-                                          <p:attrName>style.visibility</p:attrName>
-                                        </p:attrNameLst>
-                                      </p:cBhvr>
-                                      <p:to>
-                                        <p:strVal val="visible"/>
-                                      </p:to>
-                                    </p:set>
-                                    <p:animEffect transition="in" filter="wipe(up)">
-                                      <p:cBhvr>
-                                        <p:cTn id="73" dur="250"/>
-                                        <p:tgtEl>
-                                          <p:spTgt spid="47"/>
-                                        </p:tgtEl>
-                                      </p:cBhvr>
-                                    </p:animEffect>
-                                  </p:childTnLst>
-                                </p:cTn>
-                              </p:par>
-                            </p:childTnLst>
-                          </p:cTn>
-                        </p:par>
-                        <p:par>
-                          <p:cTn id="74" fill="hold">
-                            <p:stCondLst>
-                              <p:cond delay="6500"/>
-                            </p:stCondLst>
-                            <p:childTnLst>
-                              <p:par>
-                                <p:cTn id="75" presetID="22" presetClass="entr" presetSubtype="1" fill="hold" nodeType="afterEffect">
-                                  <p:stCondLst>
-                                    <p:cond delay="0"/>
-                                  </p:stCondLst>
-                                  <p:childTnLst>
-                                    <p:set>
-                                      <p:cBhvr>
-                                        <p:cTn id="76" dur="1" fill="hold">
-                                          <p:stCondLst>
-                                            <p:cond delay="0"/>
-                                          </p:stCondLst>
-                                        </p:cTn>
-                                        <p:tgtEl>
-                                          <p:spTgt spid="42"/>
-                                        </p:tgtEl>
-                                        <p:attrNameLst>
-                                          <p:attrName>style.visibility</p:attrName>
-                                        </p:attrNameLst>
-                                      </p:cBhvr>
-                                      <p:to>
-                                        <p:strVal val="visible"/>
-                                      </p:to>
-                                    </p:set>
-                                    <p:animEffect transition="in" filter="wipe(up)">
-                                      <p:cBhvr>
-                                        <p:cTn id="77" dur="250"/>
-                                        <p:tgtEl>
-                                          <p:spTgt spid="42"/>
-                                        </p:tgtEl>
-                                      </p:cBhvr>
-                                    </p:animEffect>
-                                  </p:childTnLst>
-                                </p:cTn>
-                              </p:par>
-                            </p:childTnLst>
-                          </p:cTn>
-                        </p:par>
-                        <p:par>
-                          <p:cTn id="78" fill="hold">
-                            <p:stCondLst>
-                              <p:cond delay="6750"/>
-                            </p:stCondLst>
-                            <p:childTnLst>
-                              <p:par>
-                                <p:cTn id="79" presetID="22" presetClass="entr" presetSubtype="1" fill="hold" nodeType="afterEffect">
-                                  <p:stCondLst>
-                                    <p:cond delay="0"/>
-                                  </p:stCondLst>
-                                  <p:childTnLst>
-                                    <p:set>
-                                      <p:cBhvr>
-                                        <p:cTn id="80" dur="1" fill="hold">
-                                          <p:stCondLst>
-                                            <p:cond delay="0"/>
-                                          </p:stCondLst>
-                                        </p:cTn>
-                                        <p:tgtEl>
-                                          <p:spTgt spid="17"/>
-                                        </p:tgtEl>
-                                        <p:attrNameLst>
-                                          <p:attrName>style.visibility</p:attrName>
-                                        </p:attrNameLst>
-                                      </p:cBhvr>
-                                      <p:to>
-                                        <p:strVal val="visible"/>
-                                      </p:to>
-                                    </p:set>
-                                    <p:animEffect transition="in" filter="wipe(up)">
-                                      <p:cBhvr>
-                                        <p:cTn id="81" dur="250"/>
-                                        <p:tgtEl>
-                                          <p:spTgt spid="17"/>
-                                        </p:tgtEl>
-                                      </p:cBhvr>
-                                    </p:animEffect>
-                                  </p:childTnLst>
-                                </p:cTn>
-                              </p:par>
-                            </p:childTnLst>
-                          </p:cTn>
-                        </p:par>
-                        <p:par>
-                          <p:cTn id="82" fill="hold">
-                            <p:stCondLst>
-                              <p:cond delay="7000"/>
-                            </p:stCondLst>
-                            <p:childTnLst>
-                              <p:par>
-                                <p:cTn id="83" presetID="22" presetClass="entr" presetSubtype="1" fill="hold" grpId="0" nodeType="afterEffect">
-                                  <p:stCondLst>
-                                    <p:cond delay="0"/>
-                                  </p:stCondLst>
-                                  <p:childTnLst>
-                                    <p:set>
-                                      <p:cBhvr>
-                                        <p:cTn id="84" dur="1" fill="hold">
-                                          <p:stCondLst>
-                                            <p:cond delay="0"/>
-                                          </p:stCondLst>
-                                        </p:cTn>
-                                        <p:tgtEl>
-                                          <p:spTgt spid="48"/>
-                                        </p:tgtEl>
-                                        <p:attrNameLst>
-                                          <p:attrName>style.visibility</p:attrName>
-                                        </p:attrNameLst>
-                                      </p:cBhvr>
-                                      <p:to>
-                                        <p:strVal val="visible"/>
-                                      </p:to>
-                                    </p:set>
-                                    <p:animEffect transition="in" filter="wipe(up)">
-                                      <p:cBhvr>
-                                        <p:cTn id="85" dur="250"/>
-                                        <p:tgtEl>
-                                          <p:spTgt spid="48"/>
-                                        </p:tgtEl>
-                                      </p:cBhvr>
-                                    </p:animEffect>
-                                  </p:childTnLst>
-                                </p:cTn>
-                              </p:par>
-                            </p:childTnLst>
-                          </p:cTn>
-                        </p:par>
-                      </p:childTnLst>
-                    </p:cTn>
-                  </p:par>
-                </p:childTnLst>
-              </p:cTn>
-              <p:prevCondLst>
-                <p:cond evt="onPrev" delay="0">
-                  <p:tgtEl>
-                    <p:sldTgt/>
-                  </p:tgtEl>
-                </p:cond>
-              </p:prevCondLst>
-              <p:nextCondLst>
-                <p:cond evt="onNext" delay="0">
-                  <p:tgtEl>
-                    <p:sldTgt/>
-                  </p:tgtEl>
-                </p:cond>
-              </p:nextCondLst>
-            </p:seq>
-          </p:childTnLst>
-        </p:cTn>
-      </p:par>
-    </p:tnLst>
-    <p:bldLst>
-      <p:bldP spid="43" grpId="0"/>
-      <p:bldP spid="44" grpId="0"/>
-      <p:bldP spid="45" grpId="0"/>
-      <p:bldP spid="46" grpId="0"/>
-      <p:bldP spid="47" grpId="0"/>
-      <p:bldP spid="48" grpId="0"/>
-    </p:bldLst>
-  </p:timing>
 </p:sld>
 </file>
 
@@ -7393,130 +6726,1048 @@
       </p:grpSpPr>
       <p:sp>
         <p:nvSpPr>
-          <p:cNvPr id="4" name="Retângulo 3">
-            <a:extLst>
-              <a:ext uri="{FF2B5EF4-FFF2-40B4-BE49-F238E27FC236}">
-                <a16:creationId xmlns:a16="http://schemas.microsoft.com/office/drawing/2014/main" id="{867856B4-B505-E8AA-0DB7-DA5C402BE556}"/>
-              </a:ext>
-            </a:extLst>
-          </p:cNvPr>
-          <p:cNvSpPr/>
-          <p:nvPr/>
+          <p:cNvPr id="2" name="Título 1">
+            <a:extLst>
+              <a:ext uri="{FF2B5EF4-FFF2-40B4-BE49-F238E27FC236}">
+                <a16:creationId xmlns:a16="http://schemas.microsoft.com/office/drawing/2014/main" id="{0B7C121C-598C-6074-A14A-309F4A476CB5}"/>
+              </a:ext>
+            </a:extLst>
+          </p:cNvPr>
+          <p:cNvSpPr>
+            <a:spLocks noGrp="1"/>
+          </p:cNvSpPr>
+          <p:nvPr>
+            <p:ph type="title"/>
+          </p:nvPr>
         </p:nvSpPr>
         <p:spPr>
           <a:xfrm>
-            <a:off x="0" y="-47767"/>
-            <a:ext cx="586854" cy="6953534"/>
+            <a:off x="838200" y="156878"/>
+            <a:ext cx="10515600" cy="1037230"/>
           </a:xfrm>
-          <a:prstGeom prst="rect">
+        </p:spPr>
+        <p:txBody>
+          <a:bodyPr>
+            <a:normAutofit/>
+          </a:bodyPr>
+          <a:lstStyle/>
+          <a:p>
+            <a:pPr algn="ctr"/>
+            <a:r>
+              <a:rPr lang="pt-BR" sz="4000" dirty="0">
+                <a:solidFill>
+                  <a:srgbClr val="1B1C1B"/>
+                </a:solidFill>
+                <a:latin typeface="Abadi" panose="020B0604020104020204" pitchFamily="34" charset="0"/>
+              </a:rPr>
+              <a:t>Equipe Desenvolvedora</a:t>
+            </a:r>
+          </a:p>
+        </p:txBody>
+      </p:sp>
+      <p:grpSp>
+        <p:nvGrpSpPr>
+          <p:cNvPr id="6" name="Agrupar 5">
+            <a:extLst>
+              <a:ext uri="{FF2B5EF4-FFF2-40B4-BE49-F238E27FC236}">
+                <a16:creationId xmlns:a16="http://schemas.microsoft.com/office/drawing/2014/main" id="{108DC42F-9662-8F49-CD09-411F0C6A0BDE}"/>
+              </a:ext>
+            </a:extLst>
+          </p:cNvPr>
+          <p:cNvGrpSpPr/>
+          <p:nvPr/>
+        </p:nvGrpSpPr>
+        <p:grpSpPr>
+          <a:xfrm>
+            <a:off x="0" y="4196917"/>
+            <a:ext cx="10061785" cy="2386150"/>
+            <a:chOff x="586854" y="4196917"/>
+            <a:chExt cx="10061785" cy="2386150"/>
+          </a:xfrm>
+        </p:grpSpPr>
+        <p:pic>
+          <p:nvPicPr>
+            <p:cNvPr id="15" name="Imagem 14">
+              <a:extLst>
+                <a:ext uri="{FF2B5EF4-FFF2-40B4-BE49-F238E27FC236}">
+                  <a16:creationId xmlns:a16="http://schemas.microsoft.com/office/drawing/2014/main" id="{00FDB3E3-2E5A-3800-6913-E67A37456D2F}"/>
+                </a:ext>
+              </a:extLst>
+            </p:cNvPr>
+            <p:cNvPicPr>
+              <a:picLocks noChangeAspect="1"/>
+            </p:cNvPicPr>
+            <p:nvPr/>
+          </p:nvPicPr>
+          <p:blipFill>
+            <a:blip r:embed="rId2">
+              <a:extLst>
+                <a:ext uri="{28A0092B-C50C-407E-A947-70E740481C1C}">
+                  <a14:useLocalDpi xmlns:a14="http://schemas.microsoft.com/office/drawing/2010/main" val="0"/>
+                </a:ext>
+              </a:extLst>
+            </a:blip>
+            <a:srcRect t="759" b="759"/>
+            <a:stretch/>
+          </p:blipFill>
+          <p:spPr>
+            <a:xfrm>
+              <a:off x="1495659" y="4456689"/>
+              <a:ext cx="1612511" cy="1588028"/>
+            </a:xfrm>
+            <a:prstGeom prst="ellipse">
+              <a:avLst/>
+            </a:prstGeom>
+          </p:spPr>
+        </p:pic>
+        <p:pic>
+          <p:nvPicPr>
+            <p:cNvPr id="16" name="Imagem 15">
+              <a:extLst>
+                <a:ext uri="{FF2B5EF4-FFF2-40B4-BE49-F238E27FC236}">
+                  <a16:creationId xmlns:a16="http://schemas.microsoft.com/office/drawing/2014/main" id="{9906031F-3088-EE41-C23B-05E1270AE65C}"/>
+                </a:ext>
+              </a:extLst>
+            </p:cNvPr>
+            <p:cNvPicPr>
+              <a:picLocks noChangeAspect="1"/>
+            </p:cNvPicPr>
+            <p:nvPr/>
+          </p:nvPicPr>
+          <p:blipFill>
+            <a:blip r:embed="rId3">
+              <a:extLst>
+                <a:ext uri="{28A0092B-C50C-407E-A947-70E740481C1C}">
+                  <a14:useLocalDpi xmlns:a14="http://schemas.microsoft.com/office/drawing/2010/main" val="0"/>
+                </a:ext>
+              </a:extLst>
+            </a:blip>
+            <a:srcRect t="12546" b="12546"/>
+            <a:stretch/>
+          </p:blipFill>
+          <p:spPr>
+            <a:xfrm>
+              <a:off x="5237887" y="4433825"/>
+              <a:ext cx="1666724" cy="1637647"/>
+            </a:xfrm>
+            <a:prstGeom prst="ellipse">
+              <a:avLst/>
+            </a:prstGeom>
+          </p:spPr>
+        </p:pic>
+        <p:pic>
+          <p:nvPicPr>
+            <p:cNvPr id="17" name="Imagem 16">
+              <a:extLst>
+                <a:ext uri="{FF2B5EF4-FFF2-40B4-BE49-F238E27FC236}">
+                  <a16:creationId xmlns:a16="http://schemas.microsoft.com/office/drawing/2014/main" id="{48EC17D7-F28E-DD98-A3DC-5CAF5AFC93D7}"/>
+                </a:ext>
+              </a:extLst>
+            </p:cNvPr>
+            <p:cNvPicPr>
+              <a:picLocks noChangeAspect="1"/>
+            </p:cNvPicPr>
+            <p:nvPr/>
+          </p:nvPicPr>
+          <p:blipFill>
+            <a:blip r:embed="rId4">
+              <a:extLst>
+                <a:ext uri="{28A0092B-C50C-407E-A947-70E740481C1C}">
+                  <a14:useLocalDpi xmlns:a14="http://schemas.microsoft.com/office/drawing/2010/main" val="0"/>
+                </a:ext>
+              </a:extLst>
+            </a:blip>
+            <a:srcRect t="12500" b="12500"/>
+            <a:stretch/>
+          </p:blipFill>
+          <p:spPr>
+            <a:xfrm>
+              <a:off x="8851791" y="4422630"/>
+              <a:ext cx="1666724" cy="1666724"/>
+            </a:xfrm>
+            <a:prstGeom prst="ellipse">
+              <a:avLst/>
+            </a:prstGeom>
+          </p:spPr>
+        </p:pic>
+        <p:cxnSp>
+          <p:nvCxnSpPr>
+            <p:cNvPr id="21" name="Conector reto 20">
+              <a:extLst>
+                <a:ext uri="{FF2B5EF4-FFF2-40B4-BE49-F238E27FC236}">
+                  <a16:creationId xmlns:a16="http://schemas.microsoft.com/office/drawing/2014/main" id="{B6C8D8BB-A8B0-962A-800C-374404102B52}"/>
+                </a:ext>
+              </a:extLst>
+            </p:cNvPr>
+            <p:cNvCxnSpPr>
+              <a:cxnSpLocks/>
+            </p:cNvCxnSpPr>
+            <p:nvPr/>
+          </p:nvCxnSpPr>
+          <p:spPr>
+            <a:xfrm flipV="1">
+              <a:off x="586854" y="4196917"/>
+              <a:ext cx="9646378" cy="6379"/>
+            </a:xfrm>
+            <a:prstGeom prst="line">
+              <a:avLst/>
+            </a:prstGeom>
+            <a:ln w="28575">
+              <a:solidFill>
+                <a:srgbClr val="1B1C1B"/>
+              </a:solidFill>
+            </a:ln>
+          </p:spPr>
+          <p:style>
+            <a:lnRef idx="1">
+              <a:schemeClr val="accent1"/>
+            </a:lnRef>
+            <a:fillRef idx="0">
+              <a:schemeClr val="accent1"/>
+            </a:fillRef>
+            <a:effectRef idx="0">
+              <a:schemeClr val="accent1"/>
+            </a:effectRef>
+            <a:fontRef idx="minor">
+              <a:schemeClr val="tx1"/>
+            </a:fontRef>
+          </p:style>
+        </p:cxnSp>
+        <p:cxnSp>
+          <p:nvCxnSpPr>
+            <p:cNvPr id="40" name="Conector reto 39">
+              <a:extLst>
+                <a:ext uri="{FF2B5EF4-FFF2-40B4-BE49-F238E27FC236}">
+                  <a16:creationId xmlns:a16="http://schemas.microsoft.com/office/drawing/2014/main" id="{D7FE9FEC-355F-DB06-0BC4-027F742B5F14}"/>
+                </a:ext>
+              </a:extLst>
+            </p:cNvPr>
+            <p:cNvCxnSpPr/>
+            <p:nvPr/>
+          </p:nvCxnSpPr>
+          <p:spPr>
+            <a:xfrm>
+              <a:off x="2301915" y="4196917"/>
+              <a:ext cx="0" cy="423665"/>
+            </a:xfrm>
+            <a:prstGeom prst="line">
+              <a:avLst/>
+            </a:prstGeom>
+            <a:ln w="28575">
+              <a:solidFill>
+                <a:srgbClr val="1B1C1B"/>
+              </a:solidFill>
+            </a:ln>
+          </p:spPr>
+          <p:style>
+            <a:lnRef idx="1">
+              <a:schemeClr val="accent1"/>
+            </a:lnRef>
+            <a:fillRef idx="0">
+              <a:schemeClr val="accent1"/>
+            </a:fillRef>
+            <a:effectRef idx="0">
+              <a:schemeClr val="accent1"/>
+            </a:effectRef>
+            <a:fontRef idx="minor">
+              <a:schemeClr val="tx1"/>
+            </a:fontRef>
+          </p:style>
+        </p:cxnSp>
+        <p:cxnSp>
+          <p:nvCxnSpPr>
+            <p:cNvPr id="41" name="Conector reto 40">
+              <a:extLst>
+                <a:ext uri="{FF2B5EF4-FFF2-40B4-BE49-F238E27FC236}">
+                  <a16:creationId xmlns:a16="http://schemas.microsoft.com/office/drawing/2014/main" id="{6E5352DE-5A85-11BE-C282-86F5CA31B556}"/>
+                </a:ext>
+              </a:extLst>
+            </p:cNvPr>
+            <p:cNvCxnSpPr>
+              <a:cxnSpLocks/>
+            </p:cNvCxnSpPr>
+            <p:nvPr/>
+          </p:nvCxnSpPr>
+          <p:spPr>
+            <a:xfrm>
+              <a:off x="5983958" y="4196917"/>
+              <a:ext cx="0" cy="230529"/>
+            </a:xfrm>
+            <a:prstGeom prst="line">
+              <a:avLst/>
+            </a:prstGeom>
+            <a:ln w="28575">
+              <a:solidFill>
+                <a:srgbClr val="1B1C1B"/>
+              </a:solidFill>
+            </a:ln>
+          </p:spPr>
+          <p:style>
+            <a:lnRef idx="1">
+              <a:schemeClr val="accent1"/>
+            </a:lnRef>
+            <a:fillRef idx="0">
+              <a:schemeClr val="accent1"/>
+            </a:fillRef>
+            <a:effectRef idx="0">
+              <a:schemeClr val="accent1"/>
+            </a:effectRef>
+            <a:fontRef idx="minor">
+              <a:schemeClr val="tx1"/>
+            </a:fontRef>
+          </p:style>
+        </p:cxnSp>
+        <p:cxnSp>
+          <p:nvCxnSpPr>
+            <p:cNvPr id="42" name="Conector reto 41">
+              <a:extLst>
+                <a:ext uri="{FF2B5EF4-FFF2-40B4-BE49-F238E27FC236}">
+                  <a16:creationId xmlns:a16="http://schemas.microsoft.com/office/drawing/2014/main" id="{4262A7A2-703E-B68A-4883-979A5D0AE481}"/>
+                </a:ext>
+              </a:extLst>
+            </p:cNvPr>
+            <p:cNvCxnSpPr>
+              <a:cxnSpLocks/>
+            </p:cNvCxnSpPr>
+            <p:nvPr/>
+          </p:nvCxnSpPr>
+          <p:spPr>
+            <a:xfrm>
+              <a:off x="9666001" y="4203296"/>
+              <a:ext cx="0" cy="230529"/>
+            </a:xfrm>
+            <a:prstGeom prst="line">
+              <a:avLst/>
+            </a:prstGeom>
+            <a:ln w="28575">
+              <a:solidFill>
+                <a:srgbClr val="1B1C1B"/>
+              </a:solidFill>
+            </a:ln>
+          </p:spPr>
+          <p:style>
+            <a:lnRef idx="1">
+              <a:schemeClr val="accent1"/>
+            </a:lnRef>
+            <a:fillRef idx="0">
+              <a:schemeClr val="accent1"/>
+            </a:fillRef>
+            <a:effectRef idx="0">
+              <a:schemeClr val="accent1"/>
+            </a:effectRef>
+            <a:fontRef idx="minor">
+              <a:schemeClr val="tx1"/>
+            </a:fontRef>
+          </p:style>
+        </p:cxnSp>
+        <p:sp>
+          <p:nvSpPr>
+            <p:cNvPr id="46" name="CaixaDeTexto 45">
+              <a:extLst>
+                <a:ext uri="{FF2B5EF4-FFF2-40B4-BE49-F238E27FC236}">
+                  <a16:creationId xmlns:a16="http://schemas.microsoft.com/office/drawing/2014/main" id="{59E6559C-6BB8-1574-4A52-FFCAA4F4BF02}"/>
+                </a:ext>
+              </a:extLst>
+            </p:cNvPr>
+            <p:cNvSpPr txBox="1"/>
+            <p:nvPr/>
+          </p:nvSpPr>
+          <p:spPr>
+            <a:xfrm>
+              <a:off x="1374350" y="6212206"/>
+              <a:ext cx="1965277" cy="369332"/>
+            </a:xfrm>
+            <a:prstGeom prst="rect">
+              <a:avLst/>
+            </a:prstGeom>
+            <a:noFill/>
+          </p:spPr>
+          <p:txBody>
+            <a:bodyPr wrap="square" rtlCol="0">
+              <a:spAutoFit/>
+            </a:bodyPr>
+            <a:lstStyle/>
+            <a:p>
+              <a:pPr algn="ctr"/>
+              <a:r>
+                <a:rPr lang="pt-BR" dirty="0">
+                  <a:solidFill>
+                    <a:srgbClr val="1B1C1B"/>
+                  </a:solidFill>
+                  <a:latin typeface="Abadi" panose="020B0604020104020204" pitchFamily="34" charset="0"/>
+                </a:rPr>
+                <a:t>Gabriel </a:t>
+              </a:r>
+              <a:r>
+                <a:rPr lang="pt-BR" dirty="0" err="1">
+                  <a:solidFill>
+                    <a:srgbClr val="009E35"/>
+                  </a:solidFill>
+                  <a:latin typeface="Abadi" panose="020B0604020104020204" pitchFamily="34" charset="0"/>
+                </a:rPr>
+                <a:t>Yuuzu</a:t>
+              </a:r>
+              <a:endParaRPr lang="pt-BR" dirty="0">
+                <a:solidFill>
+                  <a:srgbClr val="009E35"/>
+                </a:solidFill>
+                <a:latin typeface="Abadi" panose="020B0604020104020204" pitchFamily="34" charset="0"/>
+              </a:endParaRPr>
+            </a:p>
+          </p:txBody>
+        </p:sp>
+        <p:sp>
+          <p:nvSpPr>
+            <p:cNvPr id="47" name="CaixaDeTexto 46">
+              <a:extLst>
+                <a:ext uri="{FF2B5EF4-FFF2-40B4-BE49-F238E27FC236}">
+                  <a16:creationId xmlns:a16="http://schemas.microsoft.com/office/drawing/2014/main" id="{CA9FD742-89CE-AEAA-3F7C-91A880BDC213}"/>
+                </a:ext>
+              </a:extLst>
+            </p:cNvPr>
+            <p:cNvSpPr txBox="1"/>
+            <p:nvPr/>
+          </p:nvSpPr>
+          <p:spPr>
+            <a:xfrm>
+              <a:off x="4814685" y="6213735"/>
+              <a:ext cx="2359148" cy="369332"/>
+            </a:xfrm>
+            <a:prstGeom prst="rect">
+              <a:avLst/>
+            </a:prstGeom>
+            <a:noFill/>
+          </p:spPr>
+          <p:txBody>
+            <a:bodyPr wrap="square" rtlCol="0">
+              <a:spAutoFit/>
+            </a:bodyPr>
+            <a:lstStyle/>
+            <a:p>
+              <a:pPr algn="ctr"/>
+              <a:r>
+                <a:rPr lang="pt-BR" dirty="0">
+                  <a:solidFill>
+                    <a:srgbClr val="1B1C1B"/>
+                  </a:solidFill>
+                  <a:latin typeface="Abadi" panose="020B0604020104020204" pitchFamily="34" charset="0"/>
+                </a:rPr>
+                <a:t>Guilherme </a:t>
+              </a:r>
+              <a:r>
+                <a:rPr lang="pt-BR" dirty="0">
+                  <a:solidFill>
+                    <a:srgbClr val="009E35"/>
+                  </a:solidFill>
+                  <a:latin typeface="Abadi" panose="020B0604020104020204" pitchFamily="34" charset="0"/>
+                </a:rPr>
+                <a:t>Alves</a:t>
+              </a:r>
+            </a:p>
+          </p:txBody>
+        </p:sp>
+        <p:sp>
+          <p:nvSpPr>
+            <p:cNvPr id="48" name="CaixaDeTexto 47">
+              <a:extLst>
+                <a:ext uri="{FF2B5EF4-FFF2-40B4-BE49-F238E27FC236}">
+                  <a16:creationId xmlns:a16="http://schemas.microsoft.com/office/drawing/2014/main" id="{E38F8087-D732-972F-DC9B-E28004663AC3}"/>
+                </a:ext>
+              </a:extLst>
+            </p:cNvPr>
+            <p:cNvSpPr txBox="1"/>
+            <p:nvPr/>
+          </p:nvSpPr>
+          <p:spPr>
+            <a:xfrm>
+              <a:off x="8683362" y="6212206"/>
+              <a:ext cx="1965277" cy="369332"/>
+            </a:xfrm>
+            <a:prstGeom prst="rect">
+              <a:avLst/>
+            </a:prstGeom>
+            <a:noFill/>
+          </p:spPr>
+          <p:txBody>
+            <a:bodyPr wrap="square" rtlCol="0">
+              <a:spAutoFit/>
+            </a:bodyPr>
+            <a:lstStyle/>
+            <a:p>
+              <a:pPr algn="ctr"/>
+              <a:r>
+                <a:rPr lang="pt-BR" dirty="0">
+                  <a:solidFill>
+                    <a:srgbClr val="1B1C1B"/>
+                  </a:solidFill>
+                  <a:latin typeface="Abadi" panose="020B0604020104020204" pitchFamily="34" charset="0"/>
+                </a:rPr>
+                <a:t>Ivan </a:t>
+              </a:r>
+              <a:r>
+                <a:rPr lang="pt-BR" dirty="0">
+                  <a:solidFill>
+                    <a:srgbClr val="009E35"/>
+                  </a:solidFill>
+                  <a:latin typeface="Abadi" panose="020B0604020104020204" pitchFamily="34" charset="0"/>
+                </a:rPr>
+                <a:t>Freire </a:t>
+              </a:r>
+            </a:p>
+          </p:txBody>
+        </p:sp>
+      </p:grpSp>
+      <p:grpSp>
+        <p:nvGrpSpPr>
+          <p:cNvPr id="5" name="Agrupar 4">
+            <a:extLst>
+              <a:ext uri="{FF2B5EF4-FFF2-40B4-BE49-F238E27FC236}">
+                <a16:creationId xmlns:a16="http://schemas.microsoft.com/office/drawing/2014/main" id="{ECBE18D4-3F14-83CE-1D4F-2138952999F0}"/>
+              </a:ext>
+            </a:extLst>
+          </p:cNvPr>
+          <p:cNvGrpSpPr/>
+          <p:nvPr/>
+        </p:nvGrpSpPr>
+        <p:grpSpPr>
+          <a:xfrm>
+            <a:off x="1705109" y="1270925"/>
+            <a:ext cx="10486891" cy="2394147"/>
+            <a:chOff x="1117673" y="1270925"/>
+            <a:chExt cx="10486891" cy="2394147"/>
+          </a:xfrm>
+        </p:grpSpPr>
+        <p:pic>
+          <p:nvPicPr>
+            <p:cNvPr id="12" name="Imagem 11">
+              <a:extLst>
+                <a:ext uri="{FF2B5EF4-FFF2-40B4-BE49-F238E27FC236}">
+                  <a16:creationId xmlns:a16="http://schemas.microsoft.com/office/drawing/2014/main" id="{C8329839-93E2-3BA1-48B7-1DC114B6E22F}"/>
+                </a:ext>
+              </a:extLst>
+            </p:cNvPr>
+            <p:cNvPicPr>
+              <a:picLocks noChangeAspect="1"/>
+            </p:cNvPicPr>
+            <p:nvPr/>
+          </p:nvPicPr>
+          <p:blipFill>
+            <a:blip r:embed="rId5">
+              <a:extLst>
+                <a:ext uri="{28A0092B-C50C-407E-A947-70E740481C1C}">
+                  <a14:useLocalDpi xmlns:a14="http://schemas.microsoft.com/office/drawing/2010/main" val="0"/>
+                </a:ext>
+              </a:extLst>
+            </a:blip>
+            <a:srcRect t="11149" b="11149"/>
+            <a:stretch/>
+          </p:blipFill>
+          <p:spPr>
+            <a:xfrm>
+              <a:off x="1523628" y="1762276"/>
+              <a:ext cx="1666723" cy="1727714"/>
+            </a:xfrm>
+            <a:prstGeom prst="ellipse">
+              <a:avLst/>
+            </a:prstGeom>
+          </p:spPr>
+        </p:pic>
+        <p:pic>
+          <p:nvPicPr>
+            <p:cNvPr id="14" name="Imagem 13">
+              <a:extLst>
+                <a:ext uri="{FF2B5EF4-FFF2-40B4-BE49-F238E27FC236}">
+                  <a16:creationId xmlns:a16="http://schemas.microsoft.com/office/drawing/2014/main" id="{D156B1CA-0E2F-D462-3CD4-3EE6BC065C08}"/>
+                </a:ext>
+              </a:extLst>
+            </p:cNvPr>
+            <p:cNvPicPr>
+              <a:picLocks noChangeAspect="1"/>
+            </p:cNvPicPr>
+            <p:nvPr/>
+          </p:nvPicPr>
+          <p:blipFill>
+            <a:blip r:embed="rId6">
+              <a:extLst>
+                <a:ext uri="{28A0092B-C50C-407E-A947-70E740481C1C}">
+                  <a14:useLocalDpi xmlns:a14="http://schemas.microsoft.com/office/drawing/2010/main" val="0"/>
+                </a:ext>
+              </a:extLst>
+            </a:blip>
+            <a:srcRect l="1317" r="1317"/>
+            <a:stretch/>
+          </p:blipFill>
+          <p:spPr>
+            <a:xfrm>
+              <a:off x="8824181" y="1717185"/>
+              <a:ext cx="1666722" cy="1711815"/>
+            </a:xfrm>
+            <a:prstGeom prst="ellipse">
+              <a:avLst/>
+            </a:prstGeom>
+          </p:spPr>
+        </p:pic>
+        <p:cxnSp>
+          <p:nvCxnSpPr>
+            <p:cNvPr id="19" name="Conector reto 18">
+              <a:extLst>
+                <a:ext uri="{FF2B5EF4-FFF2-40B4-BE49-F238E27FC236}">
+                  <a16:creationId xmlns:a16="http://schemas.microsoft.com/office/drawing/2014/main" id="{8D926C05-BA68-C193-CD13-CE6EA36FE635}"/>
+                </a:ext>
+              </a:extLst>
+            </p:cNvPr>
+            <p:cNvCxnSpPr>
+              <a:cxnSpLocks/>
+            </p:cNvCxnSpPr>
+            <p:nvPr/>
+          </p:nvCxnSpPr>
+          <p:spPr>
+            <a:xfrm>
+              <a:off x="1323833" y="3665072"/>
+              <a:ext cx="10280731" cy="0"/>
+            </a:xfrm>
+            <a:prstGeom prst="line">
+              <a:avLst/>
+            </a:prstGeom>
+            <a:ln w="28575">
+              <a:solidFill>
+                <a:srgbClr val="1B1C1B"/>
+              </a:solidFill>
+            </a:ln>
+          </p:spPr>
+          <p:style>
+            <a:lnRef idx="1">
+              <a:schemeClr val="accent1"/>
+            </a:lnRef>
+            <a:fillRef idx="0">
+              <a:schemeClr val="accent1"/>
+            </a:fillRef>
+            <a:effectRef idx="0">
+              <a:schemeClr val="accent1"/>
+            </a:effectRef>
+            <a:fontRef idx="minor">
+              <a:schemeClr val="tx1"/>
+            </a:fontRef>
+          </p:style>
+        </p:cxnSp>
+        <p:cxnSp>
+          <p:nvCxnSpPr>
+            <p:cNvPr id="24" name="Conector reto 23">
+              <a:extLst>
+                <a:ext uri="{FF2B5EF4-FFF2-40B4-BE49-F238E27FC236}">
+                  <a16:creationId xmlns:a16="http://schemas.microsoft.com/office/drawing/2014/main" id="{7B9E7443-AF73-4902-98F4-790BFBFFFA4C}"/>
+                </a:ext>
+              </a:extLst>
+            </p:cNvPr>
+            <p:cNvCxnSpPr>
+              <a:cxnSpLocks/>
+              <a:stCxn id="12" idx="4"/>
+            </p:cNvCxnSpPr>
+            <p:nvPr/>
+          </p:nvCxnSpPr>
+          <p:spPr>
+            <a:xfrm>
+              <a:off x="2356990" y="3489990"/>
+              <a:ext cx="0" cy="169539"/>
+            </a:xfrm>
+            <a:prstGeom prst="line">
+              <a:avLst/>
+            </a:prstGeom>
+            <a:ln w="28575">
+              <a:solidFill>
+                <a:srgbClr val="1B1C1B"/>
+              </a:solidFill>
+            </a:ln>
+          </p:spPr>
+          <p:style>
+            <a:lnRef idx="1">
+              <a:schemeClr val="accent1"/>
+            </a:lnRef>
+            <a:fillRef idx="0">
+              <a:schemeClr val="accent1"/>
+            </a:fillRef>
+            <a:effectRef idx="0">
+              <a:schemeClr val="accent1"/>
+            </a:effectRef>
+            <a:fontRef idx="minor">
+              <a:schemeClr val="tx1"/>
+            </a:fontRef>
+          </p:style>
+        </p:cxnSp>
+        <p:cxnSp>
+          <p:nvCxnSpPr>
+            <p:cNvPr id="25" name="Conector reto 24">
+              <a:extLst>
+                <a:ext uri="{FF2B5EF4-FFF2-40B4-BE49-F238E27FC236}">
+                  <a16:creationId xmlns:a16="http://schemas.microsoft.com/office/drawing/2014/main" id="{CE8595B8-3E6A-A48F-A045-A33DE9F6CCC4}"/>
+                </a:ext>
+              </a:extLst>
+            </p:cNvPr>
+            <p:cNvCxnSpPr>
+              <a:cxnSpLocks/>
+            </p:cNvCxnSpPr>
+            <p:nvPr/>
+          </p:nvCxnSpPr>
+          <p:spPr>
+            <a:xfrm>
+              <a:off x="5983958" y="3429000"/>
+              <a:ext cx="0" cy="230529"/>
+            </a:xfrm>
+            <a:prstGeom prst="line">
+              <a:avLst/>
+            </a:prstGeom>
+            <a:ln w="28575">
+              <a:solidFill>
+                <a:srgbClr val="1B1C1B"/>
+              </a:solidFill>
+            </a:ln>
+          </p:spPr>
+          <p:style>
+            <a:lnRef idx="1">
+              <a:schemeClr val="accent1"/>
+            </a:lnRef>
+            <a:fillRef idx="0">
+              <a:schemeClr val="accent1"/>
+            </a:fillRef>
+            <a:effectRef idx="0">
+              <a:schemeClr val="accent1"/>
+            </a:effectRef>
+            <a:fontRef idx="minor">
+              <a:schemeClr val="tx1"/>
+            </a:fontRef>
+          </p:style>
+        </p:cxnSp>
+        <p:cxnSp>
+          <p:nvCxnSpPr>
+            <p:cNvPr id="27" name="Conector reto 26">
+              <a:extLst>
+                <a:ext uri="{FF2B5EF4-FFF2-40B4-BE49-F238E27FC236}">
+                  <a16:creationId xmlns:a16="http://schemas.microsoft.com/office/drawing/2014/main" id="{61CEE922-59EB-4C38-6F8F-23D8BF32A1E0}"/>
+                </a:ext>
+              </a:extLst>
+            </p:cNvPr>
+            <p:cNvCxnSpPr>
+              <a:cxnSpLocks/>
+              <a:stCxn id="14" idx="4"/>
+            </p:cNvCxnSpPr>
+            <p:nvPr/>
+          </p:nvCxnSpPr>
+          <p:spPr>
+            <a:xfrm>
+              <a:off x="9657542" y="3429000"/>
+              <a:ext cx="8459" cy="230529"/>
+            </a:xfrm>
+            <a:prstGeom prst="line">
+              <a:avLst/>
+            </a:prstGeom>
+            <a:ln w="28575">
+              <a:solidFill>
+                <a:srgbClr val="1B1C1B"/>
+              </a:solidFill>
+            </a:ln>
+          </p:spPr>
+          <p:style>
+            <a:lnRef idx="1">
+              <a:schemeClr val="accent1"/>
+            </a:lnRef>
+            <a:fillRef idx="0">
+              <a:schemeClr val="accent1"/>
+            </a:fillRef>
+            <a:effectRef idx="0">
+              <a:schemeClr val="accent1"/>
+            </a:effectRef>
+            <a:fontRef idx="minor">
+              <a:schemeClr val="tx1"/>
+            </a:fontRef>
+          </p:style>
+        </p:cxnSp>
+        <p:sp>
+          <p:nvSpPr>
+            <p:cNvPr id="43" name="CaixaDeTexto 42">
+              <a:extLst>
+                <a:ext uri="{FF2B5EF4-FFF2-40B4-BE49-F238E27FC236}">
+                  <a16:creationId xmlns:a16="http://schemas.microsoft.com/office/drawing/2014/main" id="{076156DC-34D0-133E-A41C-0D750E2842D2}"/>
+                </a:ext>
+              </a:extLst>
+            </p:cNvPr>
+            <p:cNvSpPr txBox="1"/>
+            <p:nvPr/>
+          </p:nvSpPr>
+          <p:spPr>
+            <a:xfrm>
+              <a:off x="1117673" y="1292465"/>
+              <a:ext cx="2478629" cy="369332"/>
+            </a:xfrm>
+            <a:prstGeom prst="rect">
+              <a:avLst/>
+            </a:prstGeom>
+            <a:noFill/>
+          </p:spPr>
+          <p:txBody>
+            <a:bodyPr wrap="square" rtlCol="0">
+              <a:spAutoFit/>
+            </a:bodyPr>
+            <a:lstStyle/>
+            <a:p>
+              <a:pPr algn="ctr"/>
+              <a:r>
+                <a:rPr lang="pt-BR" dirty="0" err="1">
+                  <a:solidFill>
+                    <a:srgbClr val="1B1C1B"/>
+                  </a:solidFill>
+                  <a:latin typeface="Abadi" panose="020B0604020104020204" pitchFamily="34" charset="0"/>
+                </a:rPr>
+                <a:t>Agda</a:t>
+              </a:r>
+              <a:r>
+                <a:rPr lang="pt-BR" dirty="0">
+                  <a:solidFill>
+                    <a:srgbClr val="1B1C1B"/>
+                  </a:solidFill>
+                  <a:latin typeface="Abadi" panose="020B0604020104020204" pitchFamily="34" charset="0"/>
+                </a:rPr>
+                <a:t> </a:t>
+              </a:r>
+              <a:r>
+                <a:rPr lang="pt-BR" dirty="0">
+                  <a:solidFill>
+                    <a:srgbClr val="009E35"/>
+                  </a:solidFill>
+                  <a:latin typeface="Abadi" panose="020B0604020104020204" pitchFamily="34" charset="0"/>
+                </a:rPr>
+                <a:t>Taniguchi </a:t>
+              </a:r>
+            </a:p>
+          </p:txBody>
+        </p:sp>
+        <p:sp>
+          <p:nvSpPr>
+            <p:cNvPr id="44" name="CaixaDeTexto 43">
+              <a:extLst>
+                <a:ext uri="{FF2B5EF4-FFF2-40B4-BE49-F238E27FC236}">
+                  <a16:creationId xmlns:a16="http://schemas.microsoft.com/office/drawing/2014/main" id="{D64714EA-69B1-1EAD-AD89-6959DE56CB33}"/>
+                </a:ext>
+              </a:extLst>
+            </p:cNvPr>
+            <p:cNvSpPr txBox="1"/>
+            <p:nvPr/>
+          </p:nvSpPr>
+          <p:spPr>
+            <a:xfrm>
+              <a:off x="4988254" y="1270925"/>
+              <a:ext cx="1965277" cy="369332"/>
+            </a:xfrm>
+            <a:prstGeom prst="rect">
+              <a:avLst/>
+            </a:prstGeom>
+            <a:noFill/>
+          </p:spPr>
+          <p:txBody>
+            <a:bodyPr wrap="square" rtlCol="0">
+              <a:spAutoFit/>
+            </a:bodyPr>
+            <a:lstStyle/>
+            <a:p>
+              <a:pPr algn="ctr"/>
+              <a:r>
+                <a:rPr lang="pt-BR" dirty="0">
+                  <a:solidFill>
+                    <a:srgbClr val="1B1C1B"/>
+                  </a:solidFill>
+                  <a:latin typeface="Abadi" panose="020B0604020104020204" pitchFamily="34" charset="0"/>
+                </a:rPr>
+                <a:t>Alessandra </a:t>
+              </a:r>
+              <a:r>
+                <a:rPr lang="pt-BR" dirty="0" err="1">
+                  <a:solidFill>
+                    <a:srgbClr val="009E35"/>
+                  </a:solidFill>
+                  <a:latin typeface="Abadi" panose="020B0604020104020204" pitchFamily="34" charset="0"/>
+                </a:rPr>
+                <a:t>Baccin</a:t>
+              </a:r>
+              <a:endParaRPr lang="pt-BR" dirty="0">
+                <a:solidFill>
+                  <a:srgbClr val="05FF57"/>
+                </a:solidFill>
+                <a:latin typeface="Abadi" panose="020B0604020104020204" pitchFamily="34" charset="0"/>
+              </a:endParaRPr>
+            </a:p>
+          </p:txBody>
+        </p:sp>
+        <p:sp>
+          <p:nvSpPr>
+            <p:cNvPr id="45" name="CaixaDeTexto 44">
+              <a:extLst>
+                <a:ext uri="{FF2B5EF4-FFF2-40B4-BE49-F238E27FC236}">
+                  <a16:creationId xmlns:a16="http://schemas.microsoft.com/office/drawing/2014/main" id="{E4D05F82-4E67-DAD4-AB5F-1B67ABC12708}"/>
+                </a:ext>
+              </a:extLst>
+            </p:cNvPr>
+            <p:cNvSpPr txBox="1"/>
+            <p:nvPr/>
+          </p:nvSpPr>
+          <p:spPr>
+            <a:xfrm>
+              <a:off x="8629937" y="1274908"/>
+              <a:ext cx="1965277" cy="369332"/>
+            </a:xfrm>
+            <a:prstGeom prst="rect">
+              <a:avLst/>
+            </a:prstGeom>
+            <a:noFill/>
+          </p:spPr>
+          <p:txBody>
+            <a:bodyPr wrap="square" rtlCol="0">
+              <a:spAutoFit/>
+            </a:bodyPr>
+            <a:lstStyle/>
+            <a:p>
+              <a:pPr algn="ctr"/>
+              <a:r>
+                <a:rPr lang="pt-BR" dirty="0">
+                  <a:solidFill>
+                    <a:srgbClr val="1B1C1B"/>
+                  </a:solidFill>
+                  <a:latin typeface="Abadi" panose="020B0604020104020204" pitchFamily="34" charset="0"/>
+                </a:rPr>
+                <a:t>Felipe </a:t>
+              </a:r>
+              <a:r>
+                <a:rPr lang="pt-BR" dirty="0">
+                  <a:solidFill>
+                    <a:srgbClr val="009E35"/>
+                  </a:solidFill>
+                  <a:latin typeface="Abadi" panose="020B0604020104020204" pitchFamily="34" charset="0"/>
+                </a:rPr>
+                <a:t>Grossi</a:t>
+              </a:r>
+            </a:p>
+          </p:txBody>
+        </p:sp>
+        <p:pic>
+          <p:nvPicPr>
+            <p:cNvPr id="3" name="Picture 4">
+              <a:extLst>
+                <a:ext uri="{FF2B5EF4-FFF2-40B4-BE49-F238E27FC236}">
+                  <a16:creationId xmlns:a16="http://schemas.microsoft.com/office/drawing/2014/main" id="{3D222CB0-C38C-F178-EDEE-1DC8CC8B557E}"/>
+                </a:ext>
+              </a:extLst>
+            </p:cNvPr>
+            <p:cNvPicPr>
+              <a:picLocks noChangeAspect="1"/>
+            </p:cNvPicPr>
+            <p:nvPr/>
+          </p:nvPicPr>
+          <p:blipFill>
+            <a:blip r:embed="rId7">
+              <a:extLst>
+                <a:ext uri="{28A0092B-C50C-407E-A947-70E740481C1C}">
+                  <a14:useLocalDpi xmlns:a14="http://schemas.microsoft.com/office/drawing/2010/main" val="0"/>
+                </a:ext>
+              </a:extLst>
+            </a:blip>
+            <a:srcRect t="23517" b="23517"/>
+            <a:stretch/>
+          </p:blipFill>
+          <p:spPr>
+            <a:xfrm>
+              <a:off x="5081385" y="1759356"/>
+              <a:ext cx="1825748" cy="1719179"/>
+            </a:xfrm>
+            <a:prstGeom prst="ellipse">
+              <a:avLst/>
+            </a:prstGeom>
+          </p:spPr>
+        </p:pic>
+      </p:grpSp>
+      <p:pic>
+        <p:nvPicPr>
+          <p:cNvPr id="7" name="Imagem 6" descr="Ícone&#10;&#10;Descrição gerada automaticamente">
+            <a:extLst>
+              <a:ext uri="{FF2B5EF4-FFF2-40B4-BE49-F238E27FC236}">
+                <a16:creationId xmlns:a16="http://schemas.microsoft.com/office/drawing/2014/main" id="{EB409AD7-4451-BBB4-133B-B933266A6861}"/>
+              </a:ext>
+            </a:extLst>
+          </p:cNvPr>
+          <p:cNvPicPr>
+            <a:picLocks noChangeAspect="1"/>
+          </p:cNvPicPr>
+          <p:nvPr/>
+        </p:nvPicPr>
+        <p:blipFill rotWithShape="1">
+          <a:blip r:embed="rId8">
+            <a:extLst>
+              <a:ext uri="{28A0092B-C50C-407E-A947-70E740481C1C}">
+                <a14:useLocalDpi xmlns:a14="http://schemas.microsoft.com/office/drawing/2010/main" val="0"/>
+              </a:ext>
+            </a:extLst>
+          </a:blip>
+          <a:srcRect l="7696" t="10233" r="9454" b="6869"/>
+          <a:stretch/>
+        </p:blipFill>
+        <p:spPr>
+          <a:xfrm>
+            <a:off x="11282104" y="6067847"/>
+            <a:ext cx="673037" cy="660177"/>
+          </a:xfrm>
+          <a:prstGeom prst="roundRect">
             <a:avLst/>
           </a:prstGeom>
-          <a:gradFill flip="none" rotWithShape="1">
-            <a:gsLst>
-              <a:gs pos="0">
-                <a:srgbClr val="05FF57"/>
-              </a:gs>
-              <a:gs pos="36000">
-                <a:srgbClr val="1B1C1B"/>
-              </a:gs>
-            </a:gsLst>
-            <a:path path="circle">
-              <a:fillToRect l="100000" t="100000"/>
-            </a:path>
-            <a:tileRect r="-100000" b="-100000"/>
-          </a:gradFill>
           <a:ln>
             <a:noFill/>
           </a:ln>
+          <a:effectLst>
+            <a:outerShdw blurRad="50800" dist="50800" dir="3600000" sx="1000" sy="1000" algn="ctr" rotWithShape="0">
+              <a:srgbClr val="1C1D1E"/>
+            </a:outerShdw>
+            <a:softEdge rad="0"/>
+          </a:effectLst>
         </p:spPr>
-        <p:style>
-          <a:lnRef idx="2">
-            <a:schemeClr val="accent1">
-              <a:shade val="50000"/>
-            </a:schemeClr>
-          </a:lnRef>
-          <a:fillRef idx="1">
-            <a:schemeClr val="accent1"/>
-          </a:fillRef>
-          <a:effectRef idx="0">
-            <a:schemeClr val="accent1"/>
-          </a:effectRef>
-          <a:fontRef idx="minor">
-            <a:schemeClr val="lt1"/>
-          </a:fontRef>
-        </p:style>
-        <p:txBody>
-          <a:bodyPr rtlCol="0" anchor="ctr"/>
-          <a:lstStyle/>
-          <a:p>
-            <a:pPr algn="ctr"/>
-            <a:endParaRPr lang="pt-BR"/>
-          </a:p>
-        </p:txBody>
-      </p:sp>
-      <p:sp>
-        <p:nvSpPr>
-          <p:cNvPr id="49" name="Retângulo 48">
-            <a:extLst>
-              <a:ext uri="{FF2B5EF4-FFF2-40B4-BE49-F238E27FC236}">
-                <a16:creationId xmlns:a16="http://schemas.microsoft.com/office/drawing/2014/main" id="{2A5D6142-3804-3742-C0B4-22F648234A09}"/>
-              </a:ext>
-            </a:extLst>
-          </p:cNvPr>
-          <p:cNvSpPr/>
-          <p:nvPr/>
-        </p:nvSpPr>
-        <p:spPr>
-          <a:xfrm>
-            <a:off x="11604564" y="-95534"/>
-            <a:ext cx="586854" cy="6953534"/>
-          </a:xfrm>
-          <a:prstGeom prst="rect">
-            <a:avLst/>
-          </a:prstGeom>
-          <a:gradFill flip="none" rotWithShape="1">
-            <a:gsLst>
-              <a:gs pos="0">
-                <a:srgbClr val="05FF57"/>
-              </a:gs>
-              <a:gs pos="36000">
-                <a:srgbClr val="1B1C1B"/>
-              </a:gs>
-            </a:gsLst>
-            <a:path path="circle">
-              <a:fillToRect l="100000" t="100000"/>
-            </a:path>
-            <a:tileRect r="-100000" b="-100000"/>
-          </a:gradFill>
-          <a:ln>
-            <a:noFill/>
-          </a:ln>
-        </p:spPr>
-        <p:style>
-          <a:lnRef idx="2">
-            <a:schemeClr val="accent1">
-              <a:shade val="50000"/>
-            </a:schemeClr>
-          </a:lnRef>
-          <a:fillRef idx="1">
-            <a:schemeClr val="accent1"/>
-          </a:fillRef>
-          <a:effectRef idx="0">
-            <a:schemeClr val="accent1"/>
-          </a:effectRef>
-          <a:fontRef idx="minor">
-            <a:schemeClr val="lt1"/>
-          </a:fontRef>
-        </p:style>
-        <p:txBody>
-          <a:bodyPr rtlCol="0" anchor="ctr"/>
-          <a:lstStyle/>
-          <a:p>
-            <a:pPr algn="ctr"/>
-            <a:endParaRPr lang="pt-BR"/>
-          </a:p>
-        </p:txBody>
-      </p:sp>
+      </p:pic>
+    </p:spTree>
+    <p:extLst>
+      <p:ext uri="{BB962C8B-B14F-4D97-AF65-F5344CB8AC3E}">
+        <p14:creationId xmlns:p14="http://schemas.microsoft.com/office/powerpoint/2010/main" val="3824380806"/>
+      </p:ext>
+    </p:extLst>
+  </p:cSld>
+  <p:clrMapOvr>
+    <a:masterClrMapping/>
+  </p:clrMapOvr>
+  <mc:AlternateContent xmlns:mc="http://schemas.openxmlformats.org/markup-compatibility/2006" xmlns:p159="http://schemas.microsoft.com/office/powerpoint/2015/09/main">
+    <mc:Choice Requires="p159">
+      <p:transition xmlns:p14="http://schemas.microsoft.com/office/powerpoint/2010/main" spd="slow" p14:dur="2000" advClick="0">
+        <p159:morph option="byObject"/>
+      </p:transition>
+    </mc:Choice>
+    <mc:Fallback xmlns="">
+      <p:transition spd="slow" advClick="0">
+        <p:fade/>
+      </p:transition>
+    </mc:Fallback>
+  </mc:AlternateContent>
+</p:sld>
+</file>
+
+<file path=ppt/slides/slide4.xml><?xml version="1.0" encoding="utf-8"?>
+<p:sld xmlns:a="http://schemas.openxmlformats.org/drawingml/2006/main" xmlns:r="http://schemas.openxmlformats.org/officeDocument/2006/relationships" xmlns:p="http://schemas.openxmlformats.org/presentationml/2006/main">
+  <p:cSld>
+    <p:spTree>
+      <p:nvGrpSpPr>
+        <p:cNvPr id="1" name=""/>
+        <p:cNvGrpSpPr/>
+        <p:nvPr/>
+      </p:nvGrpSpPr>
+      <p:grpSpPr>
+        <a:xfrm>
+          <a:off x="0" y="0"/>
+          <a:ext cx="0" cy="0"/>
+          <a:chOff x="0" y="0"/>
+          <a:chExt cx="0" cy="0"/>
+        </a:xfrm>
+      </p:grpSpPr>
       <p:sp>
         <p:nvSpPr>
           <p:cNvPr id="3" name="CaixaDeTexto 2">
@@ -7706,50 +7957,6 @@
           <a:prstGeom prst="rect">
             <a:avLst/>
           </a:prstGeom>
-        </p:spPr>
-      </p:pic>
-      <p:pic>
-        <p:nvPicPr>
-          <p:cNvPr id="10" name="Imagem 9" descr="Ícone&#10;&#10;Descrição gerada automaticamente">
-            <a:extLst>
-              <a:ext uri="{FF2B5EF4-FFF2-40B4-BE49-F238E27FC236}">
-                <a16:creationId xmlns:a16="http://schemas.microsoft.com/office/drawing/2014/main" id="{59E34B7D-E475-EBC5-920F-2DEE895EEC83}"/>
-              </a:ext>
-            </a:extLst>
-          </p:cNvPr>
-          <p:cNvPicPr>
-            <a:picLocks noChangeAspect="1"/>
-          </p:cNvPicPr>
-          <p:nvPr/>
-        </p:nvPicPr>
-        <p:blipFill rotWithShape="1">
-          <a:blip r:embed="rId4">
-            <a:extLst>
-              <a:ext uri="{28A0092B-C50C-407E-A947-70E740481C1C}">
-                <a14:useLocalDpi xmlns:a14="http://schemas.microsoft.com/office/drawing/2010/main" val="0"/>
-              </a:ext>
-            </a:extLst>
-          </a:blip>
-          <a:srcRect l="7696" t="10233" r="9454" b="6869"/>
-          <a:stretch/>
-        </p:blipFill>
-        <p:spPr>
-          <a:xfrm>
-            <a:off x="10805854" y="6142068"/>
-            <a:ext cx="673037" cy="660177"/>
-          </a:xfrm>
-          <a:prstGeom prst="roundRect">
-            <a:avLst/>
-          </a:prstGeom>
-          <a:ln>
-            <a:noFill/>
-          </a:ln>
-          <a:effectLst>
-            <a:outerShdw blurRad="50800" dist="50800" dir="3600000" sx="1000" sy="1000" algn="ctr" rotWithShape="0">
-              <a:srgbClr val="1C1D1E"/>
-            </a:outerShdw>
-            <a:softEdge rad="0"/>
-          </a:effectLst>
         </p:spPr>
       </p:pic>
       <p:sp>
@@ -7812,6 +8019,50 @@
           </a:p>
         </p:txBody>
       </p:sp>
+      <p:pic>
+        <p:nvPicPr>
+          <p:cNvPr id="2" name="Imagem 1" descr="Ícone&#10;&#10;Descrição gerada automaticamente">
+            <a:extLst>
+              <a:ext uri="{FF2B5EF4-FFF2-40B4-BE49-F238E27FC236}">
+                <a16:creationId xmlns:a16="http://schemas.microsoft.com/office/drawing/2014/main" id="{BC41D3E8-A349-58DC-BDEA-03C33B2D115A}"/>
+              </a:ext>
+            </a:extLst>
+          </p:cNvPr>
+          <p:cNvPicPr>
+            <a:picLocks noChangeAspect="1"/>
+          </p:cNvPicPr>
+          <p:nvPr/>
+        </p:nvPicPr>
+        <p:blipFill rotWithShape="1">
+          <a:blip r:embed="rId4">
+            <a:extLst>
+              <a:ext uri="{28A0092B-C50C-407E-A947-70E740481C1C}">
+                <a14:useLocalDpi xmlns:a14="http://schemas.microsoft.com/office/drawing/2010/main" val="0"/>
+              </a:ext>
+            </a:extLst>
+          </a:blip>
+          <a:srcRect l="7696" t="10233" r="9454" b="6869"/>
+          <a:stretch/>
+        </p:blipFill>
+        <p:spPr>
+          <a:xfrm>
+            <a:off x="11282104" y="6067847"/>
+            <a:ext cx="673037" cy="660177"/>
+          </a:xfrm>
+          <a:prstGeom prst="roundRect">
+            <a:avLst/>
+          </a:prstGeom>
+          <a:ln>
+            <a:noFill/>
+          </a:ln>
+          <a:effectLst>
+            <a:outerShdw blurRad="50800" dist="50800" dir="3600000" sx="1000" sy="1000" algn="ctr" rotWithShape="0">
+              <a:srgbClr val="1C1D1E"/>
+            </a:outerShdw>
+            <a:softEdge rad="0"/>
+          </a:effectLst>
+        </p:spPr>
+      </p:pic>
     </p:spTree>
     <p:extLst>
       <p:ext uri="{BB962C8B-B14F-4D97-AF65-F5344CB8AC3E}">
@@ -8222,7 +8473,7 @@
 </p:sld>
 </file>
 
-<file path=ppt/slides/slide4.xml><?xml version="1.0" encoding="utf-8"?>
+<file path=ppt/slides/slide5.xml><?xml version="1.0" encoding="utf-8"?>
 <p:sld xmlns:a="http://schemas.openxmlformats.org/drawingml/2006/main" xmlns:r="http://schemas.openxmlformats.org/officeDocument/2006/relationships" xmlns:p="http://schemas.openxmlformats.org/presentationml/2006/main">
   <p:cSld>
     <p:spTree>
@@ -8239,132 +8490,6 @@
           <a:chExt cx="0" cy="0"/>
         </a:xfrm>
       </p:grpSpPr>
-      <p:sp>
-        <p:nvSpPr>
-          <p:cNvPr id="4" name="Retângulo 3">
-            <a:extLst>
-              <a:ext uri="{FF2B5EF4-FFF2-40B4-BE49-F238E27FC236}">
-                <a16:creationId xmlns:a16="http://schemas.microsoft.com/office/drawing/2014/main" id="{867856B4-B505-E8AA-0DB7-DA5C402BE556}"/>
-              </a:ext>
-            </a:extLst>
-          </p:cNvPr>
-          <p:cNvSpPr/>
-          <p:nvPr/>
-        </p:nvSpPr>
-        <p:spPr>
-          <a:xfrm>
-            <a:off x="0" y="-47767"/>
-            <a:ext cx="586854" cy="6953534"/>
-          </a:xfrm>
-          <a:prstGeom prst="rect">
-            <a:avLst/>
-          </a:prstGeom>
-          <a:gradFill flip="none" rotWithShape="1">
-            <a:gsLst>
-              <a:gs pos="0">
-                <a:srgbClr val="05FF57"/>
-              </a:gs>
-              <a:gs pos="36000">
-                <a:srgbClr val="1B1C1B"/>
-              </a:gs>
-            </a:gsLst>
-            <a:path path="circle">
-              <a:fillToRect l="100000" t="100000"/>
-            </a:path>
-            <a:tileRect r="-100000" b="-100000"/>
-          </a:gradFill>
-          <a:ln>
-            <a:noFill/>
-          </a:ln>
-        </p:spPr>
-        <p:style>
-          <a:lnRef idx="2">
-            <a:schemeClr val="accent1">
-              <a:shade val="50000"/>
-            </a:schemeClr>
-          </a:lnRef>
-          <a:fillRef idx="1">
-            <a:schemeClr val="accent1"/>
-          </a:fillRef>
-          <a:effectRef idx="0">
-            <a:schemeClr val="accent1"/>
-          </a:effectRef>
-          <a:fontRef idx="minor">
-            <a:schemeClr val="lt1"/>
-          </a:fontRef>
-        </p:style>
-        <p:txBody>
-          <a:bodyPr rtlCol="0" anchor="ctr"/>
-          <a:lstStyle/>
-          <a:p>
-            <a:pPr algn="ctr"/>
-            <a:endParaRPr lang="pt-BR"/>
-          </a:p>
-        </p:txBody>
-      </p:sp>
-      <p:sp>
-        <p:nvSpPr>
-          <p:cNvPr id="49" name="Retângulo 48">
-            <a:extLst>
-              <a:ext uri="{FF2B5EF4-FFF2-40B4-BE49-F238E27FC236}">
-                <a16:creationId xmlns:a16="http://schemas.microsoft.com/office/drawing/2014/main" id="{2A5D6142-3804-3742-C0B4-22F648234A09}"/>
-              </a:ext>
-            </a:extLst>
-          </p:cNvPr>
-          <p:cNvSpPr/>
-          <p:nvPr/>
-        </p:nvSpPr>
-        <p:spPr>
-          <a:xfrm>
-            <a:off x="11604564" y="-95534"/>
-            <a:ext cx="586854" cy="6953534"/>
-          </a:xfrm>
-          <a:prstGeom prst="rect">
-            <a:avLst/>
-          </a:prstGeom>
-          <a:gradFill flip="none" rotWithShape="1">
-            <a:gsLst>
-              <a:gs pos="0">
-                <a:srgbClr val="05FF57"/>
-              </a:gs>
-              <a:gs pos="36000">
-                <a:srgbClr val="1B1C1B"/>
-              </a:gs>
-            </a:gsLst>
-            <a:path path="circle">
-              <a:fillToRect l="100000" t="100000"/>
-            </a:path>
-            <a:tileRect r="-100000" b="-100000"/>
-          </a:gradFill>
-          <a:ln>
-            <a:noFill/>
-          </a:ln>
-        </p:spPr>
-        <p:style>
-          <a:lnRef idx="2">
-            <a:schemeClr val="accent1">
-              <a:shade val="50000"/>
-            </a:schemeClr>
-          </a:lnRef>
-          <a:fillRef idx="1">
-            <a:schemeClr val="accent1"/>
-          </a:fillRef>
-          <a:effectRef idx="0">
-            <a:schemeClr val="accent1"/>
-          </a:effectRef>
-          <a:fontRef idx="minor">
-            <a:schemeClr val="lt1"/>
-          </a:fontRef>
-        </p:style>
-        <p:txBody>
-          <a:bodyPr rtlCol="0" anchor="ctr"/>
-          <a:lstStyle/>
-          <a:p>
-            <a:pPr algn="ctr"/>
-            <a:endParaRPr lang="pt-BR"/>
-          </a:p>
-        </p:txBody>
-      </p:sp>
       <p:sp>
         <p:nvSpPr>
           <p:cNvPr id="6" name="CaixaDeTexto 5">
@@ -8711,50 +8836,6 @@
           <a:prstGeom prst="rect">
             <a:avLst/>
           </a:prstGeom>
-        </p:spPr>
-      </p:pic>
-      <p:pic>
-        <p:nvPicPr>
-          <p:cNvPr id="18" name="Imagem 17" descr="Ícone&#10;&#10;Descrição gerada automaticamente">
-            <a:extLst>
-              <a:ext uri="{FF2B5EF4-FFF2-40B4-BE49-F238E27FC236}">
-                <a16:creationId xmlns:a16="http://schemas.microsoft.com/office/drawing/2014/main" id="{3583255F-8A79-7D28-95AD-BA0703711372}"/>
-              </a:ext>
-            </a:extLst>
-          </p:cNvPr>
-          <p:cNvPicPr>
-            <a:picLocks noChangeAspect="1"/>
-          </p:cNvPicPr>
-          <p:nvPr/>
-        </p:nvPicPr>
-        <p:blipFill rotWithShape="1">
-          <a:blip r:embed="rId7">
-            <a:extLst>
-              <a:ext uri="{28A0092B-C50C-407E-A947-70E740481C1C}">
-                <a14:useLocalDpi xmlns:a14="http://schemas.microsoft.com/office/drawing/2010/main" val="0"/>
-              </a:ext>
-            </a:extLst>
-          </a:blip>
-          <a:srcRect l="7696" t="10233" r="9454" b="6869"/>
-          <a:stretch/>
-        </p:blipFill>
-        <p:spPr>
-          <a:xfrm>
-            <a:off x="10805854" y="6142068"/>
-            <a:ext cx="673037" cy="660177"/>
-          </a:xfrm>
-          <a:prstGeom prst="roundRect">
-            <a:avLst/>
-          </a:prstGeom>
-          <a:ln>
-            <a:noFill/>
-          </a:ln>
-          <a:effectLst>
-            <a:outerShdw blurRad="50800" dist="50800" dir="3600000" sx="1000" sy="1000" algn="ctr" rotWithShape="0">
-              <a:srgbClr val="1C1D1E"/>
-            </a:outerShdw>
-            <a:softEdge rad="0"/>
-          </a:effectLst>
         </p:spPr>
       </p:pic>
       <p:sp>
@@ -8817,6 +8898,50 @@
           </a:p>
         </p:txBody>
       </p:sp>
+      <p:pic>
+        <p:nvPicPr>
+          <p:cNvPr id="2" name="Imagem 1" descr="Ícone&#10;&#10;Descrição gerada automaticamente">
+            <a:extLst>
+              <a:ext uri="{FF2B5EF4-FFF2-40B4-BE49-F238E27FC236}">
+                <a16:creationId xmlns:a16="http://schemas.microsoft.com/office/drawing/2014/main" id="{D5243E4D-415E-970C-C097-930490F6B011}"/>
+              </a:ext>
+            </a:extLst>
+          </p:cNvPr>
+          <p:cNvPicPr>
+            <a:picLocks noChangeAspect="1"/>
+          </p:cNvPicPr>
+          <p:nvPr/>
+        </p:nvPicPr>
+        <p:blipFill rotWithShape="1">
+          <a:blip r:embed="rId7">
+            <a:extLst>
+              <a:ext uri="{28A0092B-C50C-407E-A947-70E740481C1C}">
+                <a14:useLocalDpi xmlns:a14="http://schemas.microsoft.com/office/drawing/2010/main" val="0"/>
+              </a:ext>
+            </a:extLst>
+          </a:blip>
+          <a:srcRect l="7696" t="10233" r="9454" b="6869"/>
+          <a:stretch/>
+        </p:blipFill>
+        <p:spPr>
+          <a:xfrm>
+            <a:off x="11282104" y="6067847"/>
+            <a:ext cx="673037" cy="660177"/>
+          </a:xfrm>
+          <a:prstGeom prst="roundRect">
+            <a:avLst/>
+          </a:prstGeom>
+          <a:ln>
+            <a:noFill/>
+          </a:ln>
+          <a:effectLst>
+            <a:outerShdw blurRad="50800" dist="50800" dir="3600000" sx="1000" sy="1000" algn="ctr" rotWithShape="0">
+              <a:srgbClr val="1C1D1E"/>
+            </a:outerShdw>
+            <a:softEdge rad="0"/>
+          </a:effectLst>
+        </p:spPr>
+      </p:pic>
     </p:spTree>
     <p:extLst>
       <p:ext uri="{BB962C8B-B14F-4D97-AF65-F5344CB8AC3E}">
@@ -9643,7 +9768,7 @@
 </p:sld>
 </file>
 
-<file path=ppt/slides/slide5.xml><?xml version="1.0" encoding="utf-8"?>
+<file path=ppt/slides/slide6.xml><?xml version="1.0" encoding="utf-8"?>
 <p:sld xmlns:a="http://schemas.openxmlformats.org/drawingml/2006/main" xmlns:r="http://schemas.openxmlformats.org/officeDocument/2006/relationships" xmlns:p="http://schemas.openxmlformats.org/presentationml/2006/main">
   <p:cSld>
     <p:spTree>
@@ -9660,132 +9785,6 @@
           <a:chExt cx="0" cy="0"/>
         </a:xfrm>
       </p:grpSpPr>
-      <p:sp>
-        <p:nvSpPr>
-          <p:cNvPr id="4" name="Retângulo 3">
-            <a:extLst>
-              <a:ext uri="{FF2B5EF4-FFF2-40B4-BE49-F238E27FC236}">
-                <a16:creationId xmlns:a16="http://schemas.microsoft.com/office/drawing/2014/main" id="{867856B4-B505-E8AA-0DB7-DA5C402BE556}"/>
-              </a:ext>
-            </a:extLst>
-          </p:cNvPr>
-          <p:cNvSpPr/>
-          <p:nvPr/>
-        </p:nvSpPr>
-        <p:spPr>
-          <a:xfrm>
-            <a:off x="0" y="-47767"/>
-            <a:ext cx="586854" cy="6953534"/>
-          </a:xfrm>
-          <a:prstGeom prst="rect">
-            <a:avLst/>
-          </a:prstGeom>
-          <a:gradFill flip="none" rotWithShape="1">
-            <a:gsLst>
-              <a:gs pos="0">
-                <a:srgbClr val="05FF57"/>
-              </a:gs>
-              <a:gs pos="36000">
-                <a:srgbClr val="1B1C1B"/>
-              </a:gs>
-            </a:gsLst>
-            <a:path path="circle">
-              <a:fillToRect l="100000" t="100000"/>
-            </a:path>
-            <a:tileRect r="-100000" b="-100000"/>
-          </a:gradFill>
-          <a:ln>
-            <a:noFill/>
-          </a:ln>
-        </p:spPr>
-        <p:style>
-          <a:lnRef idx="2">
-            <a:schemeClr val="accent1">
-              <a:shade val="50000"/>
-            </a:schemeClr>
-          </a:lnRef>
-          <a:fillRef idx="1">
-            <a:schemeClr val="accent1"/>
-          </a:fillRef>
-          <a:effectRef idx="0">
-            <a:schemeClr val="accent1"/>
-          </a:effectRef>
-          <a:fontRef idx="minor">
-            <a:schemeClr val="lt1"/>
-          </a:fontRef>
-        </p:style>
-        <p:txBody>
-          <a:bodyPr rtlCol="0" anchor="ctr"/>
-          <a:lstStyle/>
-          <a:p>
-            <a:pPr algn="ctr"/>
-            <a:endParaRPr lang="pt-BR"/>
-          </a:p>
-        </p:txBody>
-      </p:sp>
-      <p:sp>
-        <p:nvSpPr>
-          <p:cNvPr id="49" name="Retângulo 48">
-            <a:extLst>
-              <a:ext uri="{FF2B5EF4-FFF2-40B4-BE49-F238E27FC236}">
-                <a16:creationId xmlns:a16="http://schemas.microsoft.com/office/drawing/2014/main" id="{2A5D6142-3804-3742-C0B4-22F648234A09}"/>
-              </a:ext>
-            </a:extLst>
-          </p:cNvPr>
-          <p:cNvSpPr/>
-          <p:nvPr/>
-        </p:nvSpPr>
-        <p:spPr>
-          <a:xfrm>
-            <a:off x="11604564" y="-95534"/>
-            <a:ext cx="586854" cy="6953534"/>
-          </a:xfrm>
-          <a:prstGeom prst="rect">
-            <a:avLst/>
-          </a:prstGeom>
-          <a:gradFill flip="none" rotWithShape="1">
-            <a:gsLst>
-              <a:gs pos="0">
-                <a:srgbClr val="05FF57"/>
-              </a:gs>
-              <a:gs pos="36000">
-                <a:srgbClr val="1B1C1B"/>
-              </a:gs>
-            </a:gsLst>
-            <a:path path="circle">
-              <a:fillToRect l="100000" t="100000"/>
-            </a:path>
-            <a:tileRect r="-100000" b="-100000"/>
-          </a:gradFill>
-          <a:ln>
-            <a:noFill/>
-          </a:ln>
-        </p:spPr>
-        <p:style>
-          <a:lnRef idx="2">
-            <a:schemeClr val="accent1">
-              <a:shade val="50000"/>
-            </a:schemeClr>
-          </a:lnRef>
-          <a:fillRef idx="1">
-            <a:schemeClr val="accent1"/>
-          </a:fillRef>
-          <a:effectRef idx="0">
-            <a:schemeClr val="accent1"/>
-          </a:effectRef>
-          <a:fontRef idx="minor">
-            <a:schemeClr val="lt1"/>
-          </a:fontRef>
-        </p:style>
-        <p:txBody>
-          <a:bodyPr rtlCol="0" anchor="ctr"/>
-          <a:lstStyle/>
-          <a:p>
-            <a:pPr algn="ctr"/>
-            <a:endParaRPr lang="pt-BR"/>
-          </a:p>
-        </p:txBody>
-      </p:sp>
       <p:sp>
         <p:nvSpPr>
           <p:cNvPr id="3" name="Título 1">
@@ -9909,7 +9908,7 @@
         </p:blipFill>
         <p:spPr>
           <a:xfrm>
-            <a:off x="10805854" y="6142068"/>
+            <a:off x="11282104" y="6067847"/>
             <a:ext cx="673037" cy="660177"/>
           </a:xfrm>
           <a:prstGeom prst="roundRect">
@@ -9936,13 +9935,22 @@
   <p:clrMapOvr>
     <a:masterClrMapping/>
   </p:clrMapOvr>
-  <p:transition spd="slow">
-    <p:push dir="r"/>
-  </p:transition>
+  <mc:AlternateContent xmlns:mc="http://schemas.openxmlformats.org/markup-compatibility/2006" xmlns:p14="http://schemas.microsoft.com/office/powerpoint/2010/main">
+    <mc:Choice Requires="p14">
+      <p:transition spd="slow" p14:dur="1500">
+        <p:split orient="vert"/>
+      </p:transition>
+    </mc:Choice>
+    <mc:Fallback xmlns="">
+      <p:transition spd="slow">
+        <p:split orient="vert"/>
+      </p:transition>
+    </mc:Fallback>
+  </mc:AlternateContent>
 </p:sld>
 </file>
 
-<file path=ppt/slides/slide6.xml><?xml version="1.0" encoding="utf-8"?>
+<file path=ppt/slides/slide7.xml><?xml version="1.0" encoding="utf-8"?>
 <p:sld xmlns:a="http://schemas.openxmlformats.org/drawingml/2006/main" xmlns:r="http://schemas.openxmlformats.org/officeDocument/2006/relationships" xmlns:p="http://schemas.openxmlformats.org/presentationml/2006/main">
   <p:cSld>
     <p:spTree>
@@ -9993,132 +10001,6 @@
           </a:effectRef>
           <a:fontRef idx="minor">
             <a:schemeClr val="dk1"/>
-          </a:fontRef>
-        </p:style>
-        <p:txBody>
-          <a:bodyPr rtlCol="0" anchor="ctr"/>
-          <a:lstStyle/>
-          <a:p>
-            <a:pPr algn="ctr"/>
-            <a:endParaRPr lang="pt-BR"/>
-          </a:p>
-        </p:txBody>
-      </p:sp>
-      <p:sp>
-        <p:nvSpPr>
-          <p:cNvPr id="4" name="Retângulo 3">
-            <a:extLst>
-              <a:ext uri="{FF2B5EF4-FFF2-40B4-BE49-F238E27FC236}">
-                <a16:creationId xmlns:a16="http://schemas.microsoft.com/office/drawing/2014/main" id="{867856B4-B505-E8AA-0DB7-DA5C402BE556}"/>
-              </a:ext>
-            </a:extLst>
-          </p:cNvPr>
-          <p:cNvSpPr/>
-          <p:nvPr/>
-        </p:nvSpPr>
-        <p:spPr>
-          <a:xfrm>
-            <a:off x="0" y="-47767"/>
-            <a:ext cx="586854" cy="6953534"/>
-          </a:xfrm>
-          <a:prstGeom prst="rect">
-            <a:avLst/>
-          </a:prstGeom>
-          <a:gradFill flip="none" rotWithShape="1">
-            <a:gsLst>
-              <a:gs pos="0">
-                <a:srgbClr val="05FF57"/>
-              </a:gs>
-              <a:gs pos="36000">
-                <a:srgbClr val="1B1C1B"/>
-              </a:gs>
-            </a:gsLst>
-            <a:path path="circle">
-              <a:fillToRect l="100000" t="100000"/>
-            </a:path>
-            <a:tileRect r="-100000" b="-100000"/>
-          </a:gradFill>
-          <a:ln>
-            <a:noFill/>
-          </a:ln>
-        </p:spPr>
-        <p:style>
-          <a:lnRef idx="2">
-            <a:schemeClr val="accent1">
-              <a:shade val="50000"/>
-            </a:schemeClr>
-          </a:lnRef>
-          <a:fillRef idx="1">
-            <a:schemeClr val="accent1"/>
-          </a:fillRef>
-          <a:effectRef idx="0">
-            <a:schemeClr val="accent1"/>
-          </a:effectRef>
-          <a:fontRef idx="minor">
-            <a:schemeClr val="lt1"/>
-          </a:fontRef>
-        </p:style>
-        <p:txBody>
-          <a:bodyPr rtlCol="0" anchor="ctr"/>
-          <a:lstStyle/>
-          <a:p>
-            <a:pPr algn="ctr"/>
-            <a:endParaRPr lang="pt-BR"/>
-          </a:p>
-        </p:txBody>
-      </p:sp>
-      <p:sp>
-        <p:nvSpPr>
-          <p:cNvPr id="49" name="Retângulo 48">
-            <a:extLst>
-              <a:ext uri="{FF2B5EF4-FFF2-40B4-BE49-F238E27FC236}">
-                <a16:creationId xmlns:a16="http://schemas.microsoft.com/office/drawing/2014/main" id="{2A5D6142-3804-3742-C0B4-22F648234A09}"/>
-              </a:ext>
-            </a:extLst>
-          </p:cNvPr>
-          <p:cNvSpPr/>
-          <p:nvPr/>
-        </p:nvSpPr>
-        <p:spPr>
-          <a:xfrm>
-            <a:off x="11604564" y="-95534"/>
-            <a:ext cx="586854" cy="6953534"/>
-          </a:xfrm>
-          <a:prstGeom prst="rect">
-            <a:avLst/>
-          </a:prstGeom>
-          <a:gradFill flip="none" rotWithShape="1">
-            <a:gsLst>
-              <a:gs pos="0">
-                <a:srgbClr val="05FF57"/>
-              </a:gs>
-              <a:gs pos="36000">
-                <a:srgbClr val="1B1C1B"/>
-              </a:gs>
-            </a:gsLst>
-            <a:path path="circle">
-              <a:fillToRect l="100000" t="100000"/>
-            </a:path>
-            <a:tileRect r="-100000" b="-100000"/>
-          </a:gradFill>
-          <a:ln>
-            <a:noFill/>
-          </a:ln>
-        </p:spPr>
-        <p:style>
-          <a:lnRef idx="2">
-            <a:schemeClr val="accent1">
-              <a:shade val="50000"/>
-            </a:schemeClr>
-          </a:lnRef>
-          <a:fillRef idx="1">
-            <a:schemeClr val="accent1"/>
-          </a:fillRef>
-          <a:effectRef idx="0">
-            <a:schemeClr val="accent1"/>
-          </a:effectRef>
-          <a:fontRef idx="minor">
-            <a:schemeClr val="lt1"/>
           </a:fontRef>
         </p:style>
         <p:txBody>
@@ -10192,10 +10074,10 @@
       </p:sp>
       <p:pic>
         <p:nvPicPr>
-          <p:cNvPr id="18" name="Imagem 17" descr="Ícone&#10;&#10;Descrição gerada automaticamente">
-            <a:extLst>
-              <a:ext uri="{FF2B5EF4-FFF2-40B4-BE49-F238E27FC236}">
-                <a16:creationId xmlns:a16="http://schemas.microsoft.com/office/drawing/2014/main" id="{3583255F-8A79-7D28-95AD-BA0703711372}"/>
+          <p:cNvPr id="2" name="Imagem 1" descr="Ícone&#10;&#10;Descrição gerada automaticamente">
+            <a:extLst>
+              <a:ext uri="{FF2B5EF4-FFF2-40B4-BE49-F238E27FC236}">
+                <a16:creationId xmlns:a16="http://schemas.microsoft.com/office/drawing/2014/main" id="{838772C4-F49B-2069-FC3B-A66FF7F0F39F}"/>
               </a:ext>
             </a:extLst>
           </p:cNvPr>
@@ -10217,7 +10099,7 @@
         </p:blipFill>
         <p:spPr>
           <a:xfrm>
-            <a:off x="10805854" y="6142068"/>
+            <a:off x="11282104" y="6067847"/>
             <a:ext cx="673037" cy="660177"/>
           </a:xfrm>
           <a:prstGeom prst="roundRect">
@@ -10245,12 +10127,12 @@
     <a:masterClrMapping/>
   </p:clrMapOvr>
   <p:transition spd="slow">
-    <p:push dir="r"/>
+    <p:cover/>
   </p:transition>
 </p:sld>
 </file>
 
-<file path=ppt/slides/slide7.xml><?xml version="1.0" encoding="utf-8"?>
+<file path=ppt/slides/slide8.xml><?xml version="1.0" encoding="utf-8"?>
 <p:sld xmlns:a="http://schemas.openxmlformats.org/drawingml/2006/main" xmlns:r="http://schemas.openxmlformats.org/officeDocument/2006/relationships" xmlns:p="http://schemas.openxmlformats.org/presentationml/2006/main">
   <p:cSld>
     <p:spTree>
@@ -10267,48 +10149,12 @@
           <a:chExt cx="0" cy="0"/>
         </a:xfrm>
       </p:grpSpPr>
-      <p:pic>
-        <p:nvPicPr>
-          <p:cNvPr id="5" name="Imagem 4" descr="Diagrama, Esquemático&#10;&#10;Descrição gerada automaticamente">
-            <a:extLst>
-              <a:ext uri="{FF2B5EF4-FFF2-40B4-BE49-F238E27FC236}">
-                <a16:creationId xmlns:a16="http://schemas.microsoft.com/office/drawing/2014/main" id="{8EB16B24-155C-E867-A4A6-2FF694F69360}"/>
-              </a:ext>
-            </a:extLst>
-          </p:cNvPr>
-          <p:cNvPicPr>
-            <a:picLocks noChangeAspect="1"/>
-          </p:cNvPicPr>
-          <p:nvPr/>
-        </p:nvPicPr>
-        <p:blipFill>
-          <a:blip r:embed="rId2">
-            <a:extLst>
-              <a:ext uri="{28A0092B-C50C-407E-A947-70E740481C1C}">
-                <a14:useLocalDpi xmlns:a14="http://schemas.microsoft.com/office/drawing/2010/main" val="0"/>
-              </a:ext>
-            </a:extLst>
-          </a:blip>
-          <a:stretch>
-            <a:fillRect/>
-          </a:stretch>
-        </p:blipFill>
-        <p:spPr>
-          <a:xfrm>
-            <a:off x="837618" y="-40448"/>
-            <a:ext cx="10455460" cy="6898448"/>
-          </a:xfrm>
-          <a:prstGeom prst="rect">
-            <a:avLst/>
-          </a:prstGeom>
-        </p:spPr>
-      </p:pic>
       <p:sp>
         <p:nvSpPr>
           <p:cNvPr id="4" name="Retângulo 3">
             <a:extLst>
               <a:ext uri="{FF2B5EF4-FFF2-40B4-BE49-F238E27FC236}">
-                <a16:creationId xmlns:a16="http://schemas.microsoft.com/office/drawing/2014/main" id="{867856B4-B505-E8AA-0DB7-DA5C402BE556}"/>
+                <a16:creationId xmlns:a16="http://schemas.microsoft.com/office/drawing/2014/main" id="{6E443DB6-915D-4FF3-A45E-89CCA6050398}"/>
               </a:ext>
             </a:extLst>
           </p:cNvPr>
@@ -10317,26 +10163,15 @@
         </p:nvSpPr>
         <p:spPr>
           <a:xfrm>
-            <a:off x="0" y="-47767"/>
-            <a:ext cx="586854" cy="6953534"/>
+            <a:off x="0" y="2381250"/>
+            <a:ext cx="12192000" cy="2095500"/>
           </a:xfrm>
           <a:prstGeom prst="rect">
             <a:avLst/>
           </a:prstGeom>
-          <a:gradFill flip="none" rotWithShape="1">
-            <a:gsLst>
-              <a:gs pos="0">
-                <a:srgbClr val="05FF57"/>
-              </a:gs>
-              <a:gs pos="36000">
-                <a:srgbClr val="1B1C1B"/>
-              </a:gs>
-            </a:gsLst>
-            <a:path path="circle">
-              <a:fillToRect l="100000" t="100000"/>
-            </a:path>
-            <a:tileRect r="-100000" b="-100000"/>
-          </a:gradFill>
+          <a:solidFill>
+            <a:srgbClr val="05FF57"/>
+          </a:solidFill>
           <a:ln>
             <a:noFill/>
           </a:ln>
@@ -10368,67 +10203,177 @@
       </p:sp>
       <p:sp>
         <p:nvSpPr>
-          <p:cNvPr id="49" name="Retângulo 48">
-            <a:extLst>
-              <a:ext uri="{FF2B5EF4-FFF2-40B4-BE49-F238E27FC236}">
-                <a16:creationId xmlns:a16="http://schemas.microsoft.com/office/drawing/2014/main" id="{2A5D6142-3804-3742-C0B4-22F648234A09}"/>
-              </a:ext>
-            </a:extLst>
-          </p:cNvPr>
-          <p:cNvSpPr/>
+          <p:cNvPr id="3" name="Título 1">
+            <a:extLst>
+              <a:ext uri="{FF2B5EF4-FFF2-40B4-BE49-F238E27FC236}">
+                <a16:creationId xmlns:a16="http://schemas.microsoft.com/office/drawing/2014/main" id="{7E79CF7A-7FE5-B044-1FBF-C041F2AF7A31}"/>
+              </a:ext>
+            </a:extLst>
+          </p:cNvPr>
+          <p:cNvSpPr txBox="1">
+            <a:spLocks/>
+          </p:cNvSpPr>
           <p:nvPr/>
         </p:nvSpPr>
         <p:spPr>
           <a:xfrm>
-            <a:off x="11604564" y="-95534"/>
-            <a:ext cx="586854" cy="6953534"/>
+            <a:off x="837909" y="2910385"/>
+            <a:ext cx="10515600" cy="1037230"/>
           </a:xfrm>
           <a:prstGeom prst="rect">
             <a:avLst/>
           </a:prstGeom>
-          <a:gradFill flip="none" rotWithShape="1">
-            <a:gsLst>
-              <a:gs pos="0">
-                <a:srgbClr val="05FF57"/>
-              </a:gs>
-              <a:gs pos="36000">
-                <a:srgbClr val="1B1C1B"/>
-              </a:gs>
-            </a:gsLst>
-            <a:path path="circle">
-              <a:fillToRect l="100000" t="100000"/>
-            </a:path>
-            <a:tileRect r="-100000" b="-100000"/>
-          </a:gradFill>
+        </p:spPr>
+        <p:txBody>
+          <a:bodyPr vert="horz" lIns="91440" tIns="45720" rIns="91440" bIns="45720" rtlCol="0" anchor="ctr">
+            <a:normAutofit/>
+          </a:bodyPr>
+          <a:lstStyle>
+            <a:lvl1pPr algn="l" defTabSz="914400" rtl="0" eaLnBrk="1" latinLnBrk="0" hangingPunct="1">
+              <a:lnSpc>
+                <a:spcPct val="90000"/>
+              </a:lnSpc>
+              <a:spcBef>
+                <a:spcPct val="0"/>
+              </a:spcBef>
+              <a:buNone/>
+              <a:defRPr sz="4400" kern="1200">
+                <a:solidFill>
+                  <a:schemeClr val="tx1"/>
+                </a:solidFill>
+                <a:latin typeface="+mj-lt"/>
+                <a:ea typeface="+mj-ea"/>
+                <a:cs typeface="+mj-cs"/>
+              </a:defRPr>
+            </a:lvl1pPr>
+          </a:lstStyle>
+          <a:p>
+            <a:pPr algn="ctr"/>
+            <a:r>
+              <a:rPr lang="pt-BR" sz="5400" b="1" dirty="0">
+                <a:solidFill>
+                  <a:srgbClr val="1B1C1B"/>
+                </a:solidFill>
+                <a:latin typeface="Abadi" panose="020B0604020104020204" pitchFamily="34" charset="0"/>
+              </a:rPr>
+              <a:t>Como funciona o nosso produto?</a:t>
+            </a:r>
+          </a:p>
+        </p:txBody>
+      </p:sp>
+      <p:pic>
+        <p:nvPicPr>
+          <p:cNvPr id="2" name="Imagem 1" descr="Ícone&#10;&#10;Descrição gerada automaticamente">
+            <a:extLst>
+              <a:ext uri="{FF2B5EF4-FFF2-40B4-BE49-F238E27FC236}">
+                <a16:creationId xmlns:a16="http://schemas.microsoft.com/office/drawing/2014/main" id="{838772C4-F49B-2069-FC3B-A66FF7F0F39F}"/>
+              </a:ext>
+            </a:extLst>
+          </p:cNvPr>
+          <p:cNvPicPr>
+            <a:picLocks noChangeAspect="1"/>
+          </p:cNvPicPr>
+          <p:nvPr/>
+        </p:nvPicPr>
+        <p:blipFill rotWithShape="1">
+          <a:blip r:embed="rId2">
+            <a:extLst>
+              <a:ext uri="{28A0092B-C50C-407E-A947-70E740481C1C}">
+                <a14:useLocalDpi xmlns:a14="http://schemas.microsoft.com/office/drawing/2010/main" val="0"/>
+              </a:ext>
+            </a:extLst>
+          </a:blip>
+          <a:srcRect l="7696" t="10233" r="9454" b="6869"/>
+          <a:stretch/>
+        </p:blipFill>
+        <p:spPr>
+          <a:xfrm>
+            <a:off x="11282104" y="6067847"/>
+            <a:ext cx="673037" cy="660177"/>
+          </a:xfrm>
+          <a:prstGeom prst="roundRect">
+            <a:avLst/>
+          </a:prstGeom>
           <a:ln>
             <a:noFill/>
           </a:ln>
+          <a:effectLst>
+            <a:outerShdw blurRad="50800" dist="50800" dir="3600000" sx="1000" sy="1000" algn="ctr" rotWithShape="0">
+              <a:srgbClr val="1C1D1E"/>
+            </a:outerShdw>
+            <a:softEdge rad="0"/>
+          </a:effectLst>
         </p:spPr>
-        <p:style>
-          <a:lnRef idx="2">
-            <a:schemeClr val="accent1">
-              <a:shade val="50000"/>
-            </a:schemeClr>
-          </a:lnRef>
-          <a:fillRef idx="1">
-            <a:schemeClr val="accent1"/>
-          </a:fillRef>
-          <a:effectRef idx="0">
-            <a:schemeClr val="accent1"/>
-          </a:effectRef>
-          <a:fontRef idx="minor">
-            <a:schemeClr val="lt1"/>
-          </a:fontRef>
-        </p:style>
-        <p:txBody>
-          <a:bodyPr rtlCol="0" anchor="ctr"/>
-          <a:lstStyle/>
-          <a:p>
-            <a:pPr algn="ctr"/>
-            <a:endParaRPr lang="pt-BR"/>
-          </a:p>
-        </p:txBody>
-      </p:sp>
+      </p:pic>
+    </p:spTree>
+    <p:extLst>
+      <p:ext uri="{BB962C8B-B14F-4D97-AF65-F5344CB8AC3E}">
+        <p14:creationId xmlns:p14="http://schemas.microsoft.com/office/powerpoint/2010/main" val="891541725"/>
+      </p:ext>
+    </p:extLst>
+  </p:cSld>
+  <p:clrMapOvr>
+    <a:masterClrMapping/>
+  </p:clrMapOvr>
+  <p:transition spd="slow">
+    <p:cover/>
+  </p:transition>
+</p:sld>
+</file>
+
+<file path=ppt/slides/slide9.xml><?xml version="1.0" encoding="utf-8"?>
+<p:sld xmlns:a="http://schemas.openxmlformats.org/drawingml/2006/main" xmlns:r="http://schemas.openxmlformats.org/officeDocument/2006/relationships" xmlns:p="http://schemas.openxmlformats.org/presentationml/2006/main">
+  <p:cSld>
+    <p:spTree>
+      <p:nvGrpSpPr>
+        <p:cNvPr id="1" name=""/>
+        <p:cNvGrpSpPr/>
+        <p:nvPr/>
+      </p:nvGrpSpPr>
+      <p:grpSpPr>
+        <a:xfrm>
+          <a:off x="0" y="0"/>
+          <a:ext cx="0" cy="0"/>
+          <a:chOff x="0" y="0"/>
+          <a:chExt cx="0" cy="0"/>
+        </a:xfrm>
+      </p:grpSpPr>
+      <p:pic>
+        <p:nvPicPr>
+          <p:cNvPr id="5" name="Imagem 4" descr="Diagrama, Esquemático&#10;&#10;Descrição gerada automaticamente">
+            <a:extLst>
+              <a:ext uri="{FF2B5EF4-FFF2-40B4-BE49-F238E27FC236}">
+                <a16:creationId xmlns:a16="http://schemas.microsoft.com/office/drawing/2014/main" id="{8EB16B24-155C-E867-A4A6-2FF694F69360}"/>
+              </a:ext>
+            </a:extLst>
+          </p:cNvPr>
+          <p:cNvPicPr>
+            <a:picLocks noChangeAspect="1"/>
+          </p:cNvPicPr>
+          <p:nvPr/>
+        </p:nvPicPr>
+        <p:blipFill>
+          <a:blip r:embed="rId2">
+            <a:extLst>
+              <a:ext uri="{28A0092B-C50C-407E-A947-70E740481C1C}">
+                <a14:useLocalDpi xmlns:a14="http://schemas.microsoft.com/office/drawing/2010/main" val="0"/>
+              </a:ext>
+            </a:extLst>
+          </a:blip>
+          <a:stretch>
+            <a:fillRect/>
+          </a:stretch>
+        </p:blipFill>
+        <p:spPr>
+          <a:xfrm>
+            <a:off x="837618" y="-40448"/>
+            <a:ext cx="10455460" cy="6898448"/>
+          </a:xfrm>
+          <a:prstGeom prst="rect">
+            <a:avLst/>
+          </a:prstGeom>
+        </p:spPr>
+      </p:pic>
       <p:sp>
         <p:nvSpPr>
           <p:cNvPr id="3" name="Título 1">
@@ -10478,7 +10423,7 @@
           <a:p>
             <a:pPr algn="r"/>
             <a:r>
-              <a:rPr lang="pt-BR" sz="4000" dirty="0">
+              <a:rPr lang="pt-BR" sz="4000">
                 <a:solidFill>
                   <a:srgbClr val="1B1C1B"/>
                 </a:solidFill>
@@ -10490,7 +10435,7 @@
           <a:p>
             <a:pPr algn="r"/>
             <a:r>
-              <a:rPr lang="pt-BR" sz="4000" dirty="0">
+              <a:rPr lang="pt-BR" sz="4000">
                 <a:solidFill>
                   <a:srgbClr val="1B1C1B"/>
                 </a:solidFill>
@@ -10498,15 +10443,21 @@
               </a:rPr>
               <a:t>APLICAÇÃO</a:t>
             </a:r>
+            <a:endParaRPr lang="pt-BR" sz="4000" dirty="0">
+              <a:solidFill>
+                <a:srgbClr val="1B1C1B"/>
+              </a:solidFill>
+              <a:latin typeface="Abadi" panose="020B0604020104020204" pitchFamily="34" charset="0"/>
+            </a:endParaRPr>
           </a:p>
         </p:txBody>
       </p:sp>
       <p:pic>
         <p:nvPicPr>
-          <p:cNvPr id="18" name="Imagem 17" descr="Ícone&#10;&#10;Descrição gerada automaticamente">
-            <a:extLst>
-              <a:ext uri="{FF2B5EF4-FFF2-40B4-BE49-F238E27FC236}">
-                <a16:creationId xmlns:a16="http://schemas.microsoft.com/office/drawing/2014/main" id="{3583255F-8A79-7D28-95AD-BA0703711372}"/>
+          <p:cNvPr id="2" name="Imagem 1" descr="Ícone&#10;&#10;Descrição gerada automaticamente">
+            <a:extLst>
+              <a:ext uri="{FF2B5EF4-FFF2-40B4-BE49-F238E27FC236}">
+                <a16:creationId xmlns:a16="http://schemas.microsoft.com/office/drawing/2014/main" id="{C9A6E7BB-2FFD-36E5-468B-8F796323F85F}"/>
               </a:ext>
             </a:extLst>
           </p:cNvPr>
@@ -10528,7 +10479,7 @@
         </p:blipFill>
         <p:spPr>
           <a:xfrm>
-            <a:off x="10805854" y="6142068"/>
+            <a:off x="11421057" y="6067847"/>
             <a:ext cx="673037" cy="660177"/>
           </a:xfrm>
           <a:prstGeom prst="roundRect">
@@ -10556,578 +10507,7 @@
     <a:masterClrMapping/>
   </p:clrMapOvr>
   <p:transition spd="slow">
-    <p:push dir="r"/>
-  </p:transition>
-</p:sld>
-</file>
-
-<file path=ppt/slides/slide8.xml><?xml version="1.0" encoding="utf-8"?>
-<p:sld xmlns:a="http://schemas.openxmlformats.org/drawingml/2006/main" xmlns:r="http://schemas.openxmlformats.org/officeDocument/2006/relationships" xmlns:p="http://schemas.openxmlformats.org/presentationml/2006/main">
-  <p:cSld>
-    <p:spTree>
-      <p:nvGrpSpPr>
-        <p:cNvPr id="1" name=""/>
-        <p:cNvGrpSpPr/>
-        <p:nvPr/>
-      </p:nvGrpSpPr>
-      <p:grpSpPr>
-        <a:xfrm>
-          <a:off x="0" y="0"/>
-          <a:ext cx="0" cy="0"/>
-          <a:chOff x="0" y="0"/>
-          <a:chExt cx="0" cy="0"/>
-        </a:xfrm>
-      </p:grpSpPr>
-      <p:sp>
-        <p:nvSpPr>
-          <p:cNvPr id="4" name="Retângulo 3">
-            <a:extLst>
-              <a:ext uri="{FF2B5EF4-FFF2-40B4-BE49-F238E27FC236}">
-                <a16:creationId xmlns:a16="http://schemas.microsoft.com/office/drawing/2014/main" id="{867856B4-B505-E8AA-0DB7-DA5C402BE556}"/>
-              </a:ext>
-            </a:extLst>
-          </p:cNvPr>
-          <p:cNvSpPr/>
-          <p:nvPr/>
-        </p:nvSpPr>
-        <p:spPr>
-          <a:xfrm>
-            <a:off x="0" y="-47767"/>
-            <a:ext cx="586854" cy="6953534"/>
-          </a:xfrm>
-          <a:prstGeom prst="rect">
-            <a:avLst/>
-          </a:prstGeom>
-          <a:gradFill flip="none" rotWithShape="1">
-            <a:gsLst>
-              <a:gs pos="0">
-                <a:srgbClr val="05FF57"/>
-              </a:gs>
-              <a:gs pos="36000">
-                <a:srgbClr val="1B1C1B"/>
-              </a:gs>
-            </a:gsLst>
-            <a:path path="circle">
-              <a:fillToRect l="100000" t="100000"/>
-            </a:path>
-            <a:tileRect r="-100000" b="-100000"/>
-          </a:gradFill>
-          <a:ln>
-            <a:noFill/>
-          </a:ln>
-        </p:spPr>
-        <p:style>
-          <a:lnRef idx="2">
-            <a:schemeClr val="accent1">
-              <a:shade val="50000"/>
-            </a:schemeClr>
-          </a:lnRef>
-          <a:fillRef idx="1">
-            <a:schemeClr val="accent1"/>
-          </a:fillRef>
-          <a:effectRef idx="0">
-            <a:schemeClr val="accent1"/>
-          </a:effectRef>
-          <a:fontRef idx="minor">
-            <a:schemeClr val="lt1"/>
-          </a:fontRef>
-        </p:style>
-        <p:txBody>
-          <a:bodyPr rtlCol="0" anchor="ctr"/>
-          <a:lstStyle/>
-          <a:p>
-            <a:pPr algn="ctr"/>
-            <a:endParaRPr lang="pt-BR"/>
-          </a:p>
-        </p:txBody>
-      </p:sp>
-      <p:sp>
-        <p:nvSpPr>
-          <p:cNvPr id="49" name="Retângulo 48">
-            <a:extLst>
-              <a:ext uri="{FF2B5EF4-FFF2-40B4-BE49-F238E27FC236}">
-                <a16:creationId xmlns:a16="http://schemas.microsoft.com/office/drawing/2014/main" id="{2A5D6142-3804-3742-C0B4-22F648234A09}"/>
-              </a:ext>
-            </a:extLst>
-          </p:cNvPr>
-          <p:cNvSpPr/>
-          <p:nvPr/>
-        </p:nvSpPr>
-        <p:spPr>
-          <a:xfrm>
-            <a:off x="11604564" y="-95534"/>
-            <a:ext cx="586854" cy="6953534"/>
-          </a:xfrm>
-          <a:prstGeom prst="rect">
-            <a:avLst/>
-          </a:prstGeom>
-          <a:gradFill flip="none" rotWithShape="1">
-            <a:gsLst>
-              <a:gs pos="0">
-                <a:srgbClr val="05FF57"/>
-              </a:gs>
-              <a:gs pos="36000">
-                <a:srgbClr val="1B1C1B"/>
-              </a:gs>
-            </a:gsLst>
-            <a:path path="circle">
-              <a:fillToRect l="100000" t="100000"/>
-            </a:path>
-            <a:tileRect r="-100000" b="-100000"/>
-          </a:gradFill>
-          <a:ln>
-            <a:noFill/>
-          </a:ln>
-        </p:spPr>
-        <p:style>
-          <a:lnRef idx="2">
-            <a:schemeClr val="accent1">
-              <a:shade val="50000"/>
-            </a:schemeClr>
-          </a:lnRef>
-          <a:fillRef idx="1">
-            <a:schemeClr val="accent1"/>
-          </a:fillRef>
-          <a:effectRef idx="0">
-            <a:schemeClr val="accent1"/>
-          </a:effectRef>
-          <a:fontRef idx="minor">
-            <a:schemeClr val="lt1"/>
-          </a:fontRef>
-        </p:style>
-        <p:txBody>
-          <a:bodyPr rtlCol="0" anchor="ctr"/>
-          <a:lstStyle/>
-          <a:p>
-            <a:pPr algn="ctr"/>
-            <a:endParaRPr lang="pt-BR"/>
-          </a:p>
-        </p:txBody>
-      </p:sp>
-      <p:sp>
-        <p:nvSpPr>
-          <p:cNvPr id="3" name="Título 1">
-            <a:extLst>
-              <a:ext uri="{FF2B5EF4-FFF2-40B4-BE49-F238E27FC236}">
-                <a16:creationId xmlns:a16="http://schemas.microsoft.com/office/drawing/2014/main" id="{7E79CF7A-7FE5-B044-1FBF-C041F2AF7A31}"/>
-              </a:ext>
-            </a:extLst>
-          </p:cNvPr>
-          <p:cNvSpPr txBox="1">
-            <a:spLocks/>
-          </p:cNvSpPr>
-          <p:nvPr/>
-        </p:nvSpPr>
-        <p:spPr>
-          <a:xfrm>
-            <a:off x="838200" y="156878"/>
-            <a:ext cx="10515600" cy="1037230"/>
-          </a:xfrm>
-          <a:prstGeom prst="rect">
-            <a:avLst/>
-          </a:prstGeom>
-        </p:spPr>
-        <p:txBody>
-          <a:bodyPr vert="horz" lIns="91440" tIns="45720" rIns="91440" bIns="45720" rtlCol="0" anchor="ctr">
-            <a:normAutofit/>
-          </a:bodyPr>
-          <a:lstStyle>
-            <a:lvl1pPr algn="l" defTabSz="914400" rtl="0" eaLnBrk="1" latinLnBrk="0" hangingPunct="1">
-              <a:lnSpc>
-                <a:spcPct val="90000"/>
-              </a:lnSpc>
-              <a:spcBef>
-                <a:spcPct val="0"/>
-              </a:spcBef>
-              <a:buNone/>
-              <a:defRPr sz="4400" kern="1200">
-                <a:solidFill>
-                  <a:schemeClr val="tx1"/>
-                </a:solidFill>
-                <a:latin typeface="+mj-lt"/>
-                <a:ea typeface="+mj-ea"/>
-                <a:cs typeface="+mj-cs"/>
-              </a:defRPr>
-            </a:lvl1pPr>
-          </a:lstStyle>
-          <a:p>
-            <a:pPr algn="ctr"/>
-            <a:r>
-              <a:rPr lang="pt-BR" sz="4000" dirty="0">
-                <a:solidFill>
-                  <a:srgbClr val="1B1C1B"/>
-                </a:solidFill>
-                <a:latin typeface="Abadi" panose="020B0604020104020204" pitchFamily="34" charset="0"/>
-              </a:rPr>
-              <a:t>Diagrama de sequência</a:t>
-            </a:r>
-          </a:p>
-        </p:txBody>
-      </p:sp>
-      <p:pic>
-        <p:nvPicPr>
-          <p:cNvPr id="18" name="Imagem 17" descr="Ícone&#10;&#10;Descrição gerada automaticamente">
-            <a:extLst>
-              <a:ext uri="{FF2B5EF4-FFF2-40B4-BE49-F238E27FC236}">
-                <a16:creationId xmlns:a16="http://schemas.microsoft.com/office/drawing/2014/main" id="{3583255F-8A79-7D28-95AD-BA0703711372}"/>
-              </a:ext>
-            </a:extLst>
-          </p:cNvPr>
-          <p:cNvPicPr>
-            <a:picLocks noChangeAspect="1"/>
-          </p:cNvPicPr>
-          <p:nvPr/>
-        </p:nvPicPr>
-        <p:blipFill rotWithShape="1">
-          <a:blip r:embed="rId2">
-            <a:extLst>
-              <a:ext uri="{28A0092B-C50C-407E-A947-70E740481C1C}">
-                <a14:useLocalDpi xmlns:a14="http://schemas.microsoft.com/office/drawing/2010/main" val="0"/>
-              </a:ext>
-            </a:extLst>
-          </a:blip>
-          <a:srcRect l="7696" t="10233" r="9454" b="6869"/>
-          <a:stretch/>
-        </p:blipFill>
-        <p:spPr>
-          <a:xfrm>
-            <a:off x="10805854" y="6142068"/>
-            <a:ext cx="673037" cy="660177"/>
-          </a:xfrm>
-          <a:prstGeom prst="roundRect">
-            <a:avLst/>
-          </a:prstGeom>
-          <a:ln>
-            <a:noFill/>
-          </a:ln>
-          <a:effectLst>
-            <a:outerShdw blurRad="50800" dist="50800" dir="3600000" sx="1000" sy="1000" algn="ctr" rotWithShape="0">
-              <a:srgbClr val="1C1D1E"/>
-            </a:outerShdw>
-            <a:softEdge rad="0"/>
-          </a:effectLst>
-        </p:spPr>
-      </p:pic>
-    </p:spTree>
-    <p:extLst>
-      <p:ext uri="{BB962C8B-B14F-4D97-AF65-F5344CB8AC3E}">
-        <p14:creationId xmlns:p14="http://schemas.microsoft.com/office/powerpoint/2010/main" val="3360479658"/>
-      </p:ext>
-    </p:extLst>
-  </p:cSld>
-  <p:clrMapOvr>
-    <a:masterClrMapping/>
-  </p:clrMapOvr>
-  <p:transition spd="slow">
-    <p:push dir="r"/>
-  </p:transition>
-</p:sld>
-</file>
-
-<file path=ppt/slides/slide9.xml><?xml version="1.0" encoding="utf-8"?>
-<p:sld xmlns:a="http://schemas.openxmlformats.org/drawingml/2006/main" xmlns:r="http://schemas.openxmlformats.org/officeDocument/2006/relationships" xmlns:p="http://schemas.openxmlformats.org/presentationml/2006/main">
-  <p:cSld>
-    <p:spTree>
-      <p:nvGrpSpPr>
-        <p:cNvPr id="1" name=""/>
-        <p:cNvGrpSpPr/>
-        <p:nvPr/>
-      </p:nvGrpSpPr>
-      <p:grpSpPr>
-        <a:xfrm>
-          <a:off x="0" y="0"/>
-          <a:ext cx="0" cy="0"/>
-          <a:chOff x="0" y="0"/>
-          <a:chExt cx="0" cy="0"/>
-        </a:xfrm>
-      </p:grpSpPr>
-      <p:sp>
-        <p:nvSpPr>
-          <p:cNvPr id="2" name="Nuvem 1">
-            <a:extLst>
-              <a:ext uri="{FF2B5EF4-FFF2-40B4-BE49-F238E27FC236}">
-                <a16:creationId xmlns:a16="http://schemas.microsoft.com/office/drawing/2014/main" id="{6760E0FA-02C7-C76D-89B6-CF113C27F748}"/>
-              </a:ext>
-            </a:extLst>
-          </p:cNvPr>
-          <p:cNvSpPr/>
-          <p:nvPr/>
-        </p:nvSpPr>
-        <p:spPr>
-          <a:xfrm>
-            <a:off x="1553692" y="1049070"/>
-            <a:ext cx="9084034" cy="4759859"/>
-          </a:xfrm>
-          <a:prstGeom prst="cloud">
-            <a:avLst/>
-          </a:prstGeom>
-          <a:ln w="76200"/>
-        </p:spPr>
-        <p:style>
-          <a:lnRef idx="2">
-            <a:schemeClr val="accent6"/>
-          </a:lnRef>
-          <a:fillRef idx="1">
-            <a:schemeClr val="lt1"/>
-          </a:fillRef>
-          <a:effectRef idx="0">
-            <a:schemeClr val="accent6"/>
-          </a:effectRef>
-          <a:fontRef idx="minor">
-            <a:schemeClr val="dk1"/>
-          </a:fontRef>
-        </p:style>
-        <p:txBody>
-          <a:bodyPr rtlCol="0" anchor="ctr"/>
-          <a:lstStyle/>
-          <a:p>
-            <a:pPr algn="ctr"/>
-            <a:endParaRPr lang="pt-BR"/>
-          </a:p>
-        </p:txBody>
-      </p:sp>
-      <p:sp>
-        <p:nvSpPr>
-          <p:cNvPr id="4" name="Retângulo 3">
-            <a:extLst>
-              <a:ext uri="{FF2B5EF4-FFF2-40B4-BE49-F238E27FC236}">
-                <a16:creationId xmlns:a16="http://schemas.microsoft.com/office/drawing/2014/main" id="{867856B4-B505-E8AA-0DB7-DA5C402BE556}"/>
-              </a:ext>
-            </a:extLst>
-          </p:cNvPr>
-          <p:cNvSpPr/>
-          <p:nvPr/>
-        </p:nvSpPr>
-        <p:spPr>
-          <a:xfrm>
-            <a:off x="0" y="-47767"/>
-            <a:ext cx="586854" cy="6953534"/>
-          </a:xfrm>
-          <a:prstGeom prst="rect">
-            <a:avLst/>
-          </a:prstGeom>
-          <a:gradFill flip="none" rotWithShape="1">
-            <a:gsLst>
-              <a:gs pos="0">
-                <a:srgbClr val="05FF57"/>
-              </a:gs>
-              <a:gs pos="36000">
-                <a:srgbClr val="1B1C1B"/>
-              </a:gs>
-            </a:gsLst>
-            <a:path path="circle">
-              <a:fillToRect l="100000" t="100000"/>
-            </a:path>
-            <a:tileRect r="-100000" b="-100000"/>
-          </a:gradFill>
-          <a:ln>
-            <a:noFill/>
-          </a:ln>
-        </p:spPr>
-        <p:style>
-          <a:lnRef idx="2">
-            <a:schemeClr val="accent1">
-              <a:shade val="50000"/>
-            </a:schemeClr>
-          </a:lnRef>
-          <a:fillRef idx="1">
-            <a:schemeClr val="accent1"/>
-          </a:fillRef>
-          <a:effectRef idx="0">
-            <a:schemeClr val="accent1"/>
-          </a:effectRef>
-          <a:fontRef idx="minor">
-            <a:schemeClr val="lt1"/>
-          </a:fontRef>
-        </p:style>
-        <p:txBody>
-          <a:bodyPr rtlCol="0" anchor="ctr"/>
-          <a:lstStyle/>
-          <a:p>
-            <a:pPr algn="ctr"/>
-            <a:endParaRPr lang="pt-BR"/>
-          </a:p>
-        </p:txBody>
-      </p:sp>
-      <p:sp>
-        <p:nvSpPr>
-          <p:cNvPr id="49" name="Retângulo 48">
-            <a:extLst>
-              <a:ext uri="{FF2B5EF4-FFF2-40B4-BE49-F238E27FC236}">
-                <a16:creationId xmlns:a16="http://schemas.microsoft.com/office/drawing/2014/main" id="{2A5D6142-3804-3742-C0B4-22F648234A09}"/>
-              </a:ext>
-            </a:extLst>
-          </p:cNvPr>
-          <p:cNvSpPr/>
-          <p:nvPr/>
-        </p:nvSpPr>
-        <p:spPr>
-          <a:xfrm>
-            <a:off x="11604564" y="-95534"/>
-            <a:ext cx="586854" cy="6953534"/>
-          </a:xfrm>
-          <a:prstGeom prst="rect">
-            <a:avLst/>
-          </a:prstGeom>
-          <a:gradFill flip="none" rotWithShape="1">
-            <a:gsLst>
-              <a:gs pos="0">
-                <a:srgbClr val="05FF57"/>
-              </a:gs>
-              <a:gs pos="36000">
-                <a:srgbClr val="1B1C1B"/>
-              </a:gs>
-            </a:gsLst>
-            <a:path path="circle">
-              <a:fillToRect l="100000" t="100000"/>
-            </a:path>
-            <a:tileRect r="-100000" b="-100000"/>
-          </a:gradFill>
-          <a:ln>
-            <a:noFill/>
-          </a:ln>
-        </p:spPr>
-        <p:style>
-          <a:lnRef idx="2">
-            <a:schemeClr val="accent1">
-              <a:shade val="50000"/>
-            </a:schemeClr>
-          </a:lnRef>
-          <a:fillRef idx="1">
-            <a:schemeClr val="accent1"/>
-          </a:fillRef>
-          <a:effectRef idx="0">
-            <a:schemeClr val="accent1"/>
-          </a:effectRef>
-          <a:fontRef idx="minor">
-            <a:schemeClr val="lt1"/>
-          </a:fontRef>
-        </p:style>
-        <p:txBody>
-          <a:bodyPr rtlCol="0" anchor="ctr"/>
-          <a:lstStyle/>
-          <a:p>
-            <a:pPr algn="ctr"/>
-            <a:endParaRPr lang="pt-BR"/>
-          </a:p>
-        </p:txBody>
-      </p:sp>
-      <p:sp>
-        <p:nvSpPr>
-          <p:cNvPr id="3" name="Título 1">
-            <a:extLst>
-              <a:ext uri="{FF2B5EF4-FFF2-40B4-BE49-F238E27FC236}">
-                <a16:creationId xmlns:a16="http://schemas.microsoft.com/office/drawing/2014/main" id="{7E79CF7A-7FE5-B044-1FBF-C041F2AF7A31}"/>
-              </a:ext>
-            </a:extLst>
-          </p:cNvPr>
-          <p:cNvSpPr txBox="1">
-            <a:spLocks/>
-          </p:cNvSpPr>
-          <p:nvPr/>
-        </p:nvSpPr>
-        <p:spPr>
-          <a:xfrm>
-            <a:off x="837909" y="2910385"/>
-            <a:ext cx="10515600" cy="1037230"/>
-          </a:xfrm>
-          <a:prstGeom prst="rect">
-            <a:avLst/>
-          </a:prstGeom>
-        </p:spPr>
-        <p:txBody>
-          <a:bodyPr vert="horz" lIns="91440" tIns="45720" rIns="91440" bIns="45720" rtlCol="0" anchor="ctr">
-            <a:normAutofit/>
-          </a:bodyPr>
-          <a:lstStyle>
-            <a:lvl1pPr algn="l" defTabSz="914400" rtl="0" eaLnBrk="1" latinLnBrk="0" hangingPunct="1">
-              <a:lnSpc>
-                <a:spcPct val="90000"/>
-              </a:lnSpc>
-              <a:spcBef>
-                <a:spcPct val="0"/>
-              </a:spcBef>
-              <a:buNone/>
-              <a:defRPr sz="4400" kern="1200">
-                <a:solidFill>
-                  <a:schemeClr val="tx1"/>
-                </a:solidFill>
-                <a:latin typeface="+mj-lt"/>
-                <a:ea typeface="+mj-ea"/>
-                <a:cs typeface="+mj-cs"/>
-              </a:defRPr>
-            </a:lvl1pPr>
-          </a:lstStyle>
-          <a:p>
-            <a:pPr algn="ctr"/>
-            <a:r>
-              <a:rPr lang="pt-BR" sz="4000" dirty="0">
-                <a:solidFill>
-                  <a:srgbClr val="1B1C1B"/>
-                </a:solidFill>
-                <a:latin typeface="Abadi" panose="020B0604020104020204" pitchFamily="34" charset="0"/>
-              </a:rPr>
-              <a:t>APLICAÇÃO PYTHON</a:t>
-            </a:r>
-          </a:p>
-        </p:txBody>
-      </p:sp>
-      <p:pic>
-        <p:nvPicPr>
-          <p:cNvPr id="18" name="Imagem 17" descr="Ícone&#10;&#10;Descrição gerada automaticamente">
-            <a:extLst>
-              <a:ext uri="{FF2B5EF4-FFF2-40B4-BE49-F238E27FC236}">
-                <a16:creationId xmlns:a16="http://schemas.microsoft.com/office/drawing/2014/main" id="{3583255F-8A79-7D28-95AD-BA0703711372}"/>
-              </a:ext>
-            </a:extLst>
-          </p:cNvPr>
-          <p:cNvPicPr>
-            <a:picLocks noChangeAspect="1"/>
-          </p:cNvPicPr>
-          <p:nvPr/>
-        </p:nvPicPr>
-        <p:blipFill rotWithShape="1">
-          <a:blip r:embed="rId2">
-            <a:extLst>
-              <a:ext uri="{28A0092B-C50C-407E-A947-70E740481C1C}">
-                <a14:useLocalDpi xmlns:a14="http://schemas.microsoft.com/office/drawing/2010/main" val="0"/>
-              </a:ext>
-            </a:extLst>
-          </a:blip>
-          <a:srcRect l="7696" t="10233" r="9454" b="6869"/>
-          <a:stretch/>
-        </p:blipFill>
-        <p:spPr>
-          <a:xfrm>
-            <a:off x="10805854" y="6142068"/>
-            <a:ext cx="673037" cy="660177"/>
-          </a:xfrm>
-          <a:prstGeom prst="roundRect">
-            <a:avLst/>
-          </a:prstGeom>
-          <a:ln>
-            <a:noFill/>
-          </a:ln>
-          <a:effectLst>
-            <a:outerShdw blurRad="50800" dist="50800" dir="3600000" sx="1000" sy="1000" algn="ctr" rotWithShape="0">
-              <a:srgbClr val="1C1D1E"/>
-            </a:outerShdw>
-            <a:softEdge rad="0"/>
-          </a:effectLst>
-        </p:spPr>
-      </p:pic>
-    </p:spTree>
-    <p:extLst>
-      <p:ext uri="{BB962C8B-B14F-4D97-AF65-F5344CB8AC3E}">
-        <p14:creationId xmlns:p14="http://schemas.microsoft.com/office/powerpoint/2010/main" val="2994446673"/>
-      </p:ext>
-    </p:extLst>
-  </p:cSld>
-  <p:clrMapOvr>
-    <a:masterClrMapping/>
-  </p:clrMapOvr>
-  <p:transition spd="slow">
-    <p:push dir="r"/>
+    <p:push dir="u"/>
   </p:transition>
 </p:sld>
 </file>
